--- a/Project.pptx
+++ b/Project.pptx
@@ -5,7 +5,7 @@
     <p:sldMasterId id="2147483712" r:id="rId4"/>
   </p:sldMasterIdLst>
   <p:notesMasterIdLst>
-    <p:notesMasterId r:id="rId16"/>
+    <p:notesMasterId r:id="rId17"/>
   </p:notesMasterIdLst>
   <p:sldIdLst>
     <p:sldId id="256" r:id="rId5"/>
@@ -15,10 +15,11 @@
     <p:sldId id="265" r:id="rId9"/>
     <p:sldId id="266" r:id="rId10"/>
     <p:sldId id="267" r:id="rId11"/>
-    <p:sldId id="268" r:id="rId12"/>
-    <p:sldId id="2146847055" r:id="rId13"/>
-    <p:sldId id="269" r:id="rId14"/>
-    <p:sldId id="259" r:id="rId15"/>
+    <p:sldId id="2146847056" r:id="rId12"/>
+    <p:sldId id="268" r:id="rId13"/>
+    <p:sldId id="2146847055" r:id="rId14"/>
+    <p:sldId id="269" r:id="rId15"/>
+    <p:sldId id="259" r:id="rId16"/>
   </p:sldIdLst>
   <p:sldSz cx="12192000" cy="6858000"/>
   <p:notesSz cx="6858000" cy="9144000"/>
@@ -119,7 +120,7 @@
   </p:defaultTextStyle>
   <p:extLst>
     <p:ext uri="{EFAFB233-063F-42B5-8137-9DF3F51BA10A}">
-      <p15:sldGuideLst xmlns:p15="http://schemas.microsoft.com/office/powerpoint/2012/main" xmlns=""/>
+      <p15:sldGuideLst xmlns="" xmlns:p15="http://schemas.microsoft.com/office/powerpoint/2012/main"/>
     </p:ext>
   </p:extLst>
 </p:presentation>
@@ -387,7 +388,7 @@
     </p:spTree>
     <p:extLst>
       <p:ext uri="{BB962C8B-B14F-4D97-AF65-F5344CB8AC3E}">
-        <p14:creationId xmlns:p14="http://schemas.microsoft.com/office/powerpoint/2010/main" xmlns="" val="538008421"/>
+        <p14:creationId xmlns="" xmlns:p14="http://schemas.microsoft.com/office/powerpoint/2010/main" val="538008421"/>
       </p:ext>
     </p:extLst>
   </p:cSld>
@@ -562,7 +563,7 @@
     </p:spTree>
     <p:extLst>
       <p:ext uri="{BB962C8B-B14F-4D97-AF65-F5344CB8AC3E}">
-        <p14:creationId xmlns:p14="http://schemas.microsoft.com/office/powerpoint/2010/main" xmlns="" val="4010352699"/>
+        <p14:creationId xmlns="" xmlns:p14="http://schemas.microsoft.com/office/powerpoint/2010/main" val="4010352699"/>
       </p:ext>
     </p:extLst>
   </p:cSld>
@@ -790,7 +791,7 @@
           <p:cNvPr id="8" name="Date Placeholder 7">
             <a:extLst>
               <a:ext uri="{FF2B5EF4-FFF2-40B4-BE49-F238E27FC236}">
-                <a16:creationId xmlns:a16="http://schemas.microsoft.com/office/drawing/2014/main" xmlns="" id="{7FA0ACE7-29A8-47D3-A7D9-257B711D8023}"/>
+                <a16:creationId xmlns="" xmlns:a16="http://schemas.microsoft.com/office/drawing/2014/main" id="{7FA0ACE7-29A8-47D3-A7D9-257B711D8023}"/>
               </a:ext>
             </a:extLst>
           </p:cNvPr>
@@ -820,7 +821,7 @@
           <p:cNvPr id="9" name="Footer Placeholder 8">
             <a:extLst>
               <a:ext uri="{FF2B5EF4-FFF2-40B4-BE49-F238E27FC236}">
-                <a16:creationId xmlns:a16="http://schemas.microsoft.com/office/drawing/2014/main" xmlns="" id="{DEC604B9-52E9-4810-8359-47206518D038}"/>
+                <a16:creationId xmlns="" xmlns:a16="http://schemas.microsoft.com/office/drawing/2014/main" id="{DEC604B9-52E9-4810-8359-47206518D038}"/>
               </a:ext>
             </a:extLst>
           </p:cNvPr>
@@ -853,7 +854,7 @@
           <p:cNvPr id="10" name="Slide Number Placeholder 9">
             <a:extLst>
               <a:ext uri="{FF2B5EF4-FFF2-40B4-BE49-F238E27FC236}">
-                <a16:creationId xmlns:a16="http://schemas.microsoft.com/office/drawing/2014/main" xmlns="" id="{5898A89F-CA25-400F-B05A-AECBF2517E4F}"/>
+                <a16:creationId xmlns="" xmlns:a16="http://schemas.microsoft.com/office/drawing/2014/main" id="{5898A89F-CA25-400F-B05A-AECBF2517E4F}"/>
               </a:ext>
             </a:extLst>
           </p:cNvPr>
@@ -881,7 +882,7 @@
     </p:spTree>
     <p:extLst>
       <p:ext uri="{BB962C8B-B14F-4D97-AF65-F5344CB8AC3E}">
-        <p14:creationId xmlns:p14="http://schemas.microsoft.com/office/powerpoint/2010/main" xmlns="" val="490017585"/>
+        <p14:creationId xmlns="" xmlns:p14="http://schemas.microsoft.com/office/powerpoint/2010/main" val="490017585"/>
       </p:ext>
     </p:extLst>
   </p:cSld>
@@ -1080,7 +1081,7 @@
     </p:spTree>
     <p:extLst>
       <p:ext uri="{BB962C8B-B14F-4D97-AF65-F5344CB8AC3E}">
-        <p14:creationId xmlns:p14="http://schemas.microsoft.com/office/powerpoint/2010/main" xmlns="" val="1283591147"/>
+        <p14:creationId xmlns="" xmlns:p14="http://schemas.microsoft.com/office/powerpoint/2010/main" val="1283591147"/>
       </p:ext>
     </p:extLst>
   </p:cSld>
@@ -1242,7 +1243,7 @@
           <p:cNvPr id="8" name="Rectangle 7">
             <a:extLst>
               <a:ext uri="{FF2B5EF4-FFF2-40B4-BE49-F238E27FC236}">
-                <a16:creationId xmlns:a16="http://schemas.microsoft.com/office/drawing/2014/main" xmlns="" id="{F6423B97-A5D4-47B9-8861-73B3707A04CF}"/>
+                <a16:creationId xmlns="" xmlns:a16="http://schemas.microsoft.com/office/drawing/2014/main" id="{F6423B97-A5D4-47B9-8861-73B3707A04CF}"/>
               </a:ext>
             </a:extLst>
           </p:cNvPr>
@@ -1285,7 +1286,7 @@
           <p:cNvPr id="9" name="Rectangle 8">
             <a:extLst>
               <a:ext uri="{FF2B5EF4-FFF2-40B4-BE49-F238E27FC236}">
-                <a16:creationId xmlns:a16="http://schemas.microsoft.com/office/drawing/2014/main" xmlns="" id="{1AEC0421-37B4-4481-A10D-69FDF5EC7909}"/>
+                <a16:creationId xmlns="" xmlns:a16="http://schemas.microsoft.com/office/drawing/2014/main" id="{1AEC0421-37B4-4481-A10D-69FDF5EC7909}"/>
               </a:ext>
             </a:extLst>
           </p:cNvPr>
@@ -1328,7 +1329,7 @@
           <p:cNvPr id="10" name="Rectangle 9">
             <a:extLst>
               <a:ext uri="{FF2B5EF4-FFF2-40B4-BE49-F238E27FC236}">
-                <a16:creationId xmlns:a16="http://schemas.microsoft.com/office/drawing/2014/main" xmlns="" id="{5F7265B5-9F97-4F1E-99E9-74F7B7E62337}"/>
+                <a16:creationId xmlns="" xmlns:a16="http://schemas.microsoft.com/office/drawing/2014/main" id="{5F7265B5-9F97-4F1E-99E9-74F7B7E62337}"/>
               </a:ext>
             </a:extLst>
           </p:cNvPr>
@@ -1371,7 +1372,7 @@
           <p:cNvPr id="11" name="Date Placeholder 10">
             <a:extLst>
               <a:ext uri="{FF2B5EF4-FFF2-40B4-BE49-F238E27FC236}">
-                <a16:creationId xmlns:a16="http://schemas.microsoft.com/office/drawing/2014/main" xmlns="" id="{5C74A470-3BD3-4F33-80E5-67E6E87FCBE7}"/>
+                <a16:creationId xmlns="" xmlns:a16="http://schemas.microsoft.com/office/drawing/2014/main" id="{5C74A470-3BD3-4F33-80E5-67E6E87FCBE7}"/>
               </a:ext>
             </a:extLst>
           </p:cNvPr>
@@ -1401,7 +1402,7 @@
           <p:cNvPr id="12" name="Footer Placeholder 11">
             <a:extLst>
               <a:ext uri="{FF2B5EF4-FFF2-40B4-BE49-F238E27FC236}">
-                <a16:creationId xmlns:a16="http://schemas.microsoft.com/office/drawing/2014/main" xmlns="" id="{9A3A30BA-DB50-4D7D-BCDE-17D20FB354DF}"/>
+                <a16:creationId xmlns="" xmlns:a16="http://schemas.microsoft.com/office/drawing/2014/main" id="{9A3A30BA-DB50-4D7D-BCDE-17D20FB354DF}"/>
               </a:ext>
             </a:extLst>
           </p:cNvPr>
@@ -1434,7 +1435,7 @@
           <p:cNvPr id="13" name="Slide Number Placeholder 12">
             <a:extLst>
               <a:ext uri="{FF2B5EF4-FFF2-40B4-BE49-F238E27FC236}">
-                <a16:creationId xmlns:a16="http://schemas.microsoft.com/office/drawing/2014/main" xmlns="" id="{76FF9E58-C0B2-436B-A21C-DB45A00D6515}"/>
+                <a16:creationId xmlns="" xmlns:a16="http://schemas.microsoft.com/office/drawing/2014/main" id="{76FF9E58-C0B2-436B-A21C-DB45A00D6515}"/>
               </a:ext>
             </a:extLst>
           </p:cNvPr>
@@ -1462,7 +1463,7 @@
     </p:spTree>
     <p:extLst>
       <p:ext uri="{BB962C8B-B14F-4D97-AF65-F5344CB8AC3E}">
-        <p14:creationId xmlns:p14="http://schemas.microsoft.com/office/powerpoint/2010/main" xmlns="" val="3388849626"/>
+        <p14:creationId xmlns="" xmlns:p14="http://schemas.microsoft.com/office/powerpoint/2010/main" val="3388849626"/>
       </p:ext>
     </p:extLst>
   </p:cSld>
@@ -1577,7 +1578,7 @@
           <p:cNvPr id="8" name="Date Placeholder 7">
             <a:extLst>
               <a:ext uri="{FF2B5EF4-FFF2-40B4-BE49-F238E27FC236}">
-                <a16:creationId xmlns:a16="http://schemas.microsoft.com/office/drawing/2014/main" xmlns="" id="{770E6237-3456-439F-802D-3BA93FC7E3E5}"/>
+                <a16:creationId xmlns="" xmlns:a16="http://schemas.microsoft.com/office/drawing/2014/main" id="{770E6237-3456-439F-802D-3BA93FC7E3E5}"/>
               </a:ext>
             </a:extLst>
           </p:cNvPr>
@@ -1605,7 +1606,7 @@
     </p:spTree>
     <p:extLst>
       <p:ext uri="{BB962C8B-B14F-4D97-AF65-F5344CB8AC3E}">
-        <p14:creationId xmlns:p14="http://schemas.microsoft.com/office/powerpoint/2010/main" xmlns="" val="852443411"/>
+        <p14:creationId xmlns="" xmlns:p14="http://schemas.microsoft.com/office/powerpoint/2010/main" val="852443411"/>
       </p:ext>
     </p:extLst>
   </p:cSld>
@@ -1835,7 +1836,7 @@
           <p:cNvPr id="7" name="Date Placeholder 6">
             <a:extLst>
               <a:ext uri="{FF2B5EF4-FFF2-40B4-BE49-F238E27FC236}">
-                <a16:creationId xmlns:a16="http://schemas.microsoft.com/office/drawing/2014/main" xmlns="" id="{61582016-5696-4A93-887F-BBB3B9002FE5}"/>
+                <a16:creationId xmlns="" xmlns:a16="http://schemas.microsoft.com/office/drawing/2014/main" id="{61582016-5696-4A93-887F-BBB3B9002FE5}"/>
               </a:ext>
             </a:extLst>
           </p:cNvPr>
@@ -1865,7 +1866,7 @@
           <p:cNvPr id="9" name="Footer Placeholder 8">
             <a:extLst>
               <a:ext uri="{FF2B5EF4-FFF2-40B4-BE49-F238E27FC236}">
-                <a16:creationId xmlns:a16="http://schemas.microsoft.com/office/drawing/2014/main" xmlns="" id="{857CFCD5-1192-4E18-8A8F-29E153B44DA4}"/>
+                <a16:creationId xmlns="" xmlns:a16="http://schemas.microsoft.com/office/drawing/2014/main" id="{857CFCD5-1192-4E18-8A8F-29E153B44DA4}"/>
               </a:ext>
             </a:extLst>
           </p:cNvPr>
@@ -1898,7 +1899,7 @@
           <p:cNvPr id="10" name="Slide Number Placeholder 9">
             <a:extLst>
               <a:ext uri="{FF2B5EF4-FFF2-40B4-BE49-F238E27FC236}">
-                <a16:creationId xmlns:a16="http://schemas.microsoft.com/office/drawing/2014/main" xmlns="" id="{E39A109E-5018-4794-92B3-FD5E5BCD95E8}"/>
+                <a16:creationId xmlns="" xmlns:a16="http://schemas.microsoft.com/office/drawing/2014/main" id="{E39A109E-5018-4794-92B3-FD5E5BCD95E8}"/>
               </a:ext>
             </a:extLst>
           </p:cNvPr>
@@ -1926,7 +1927,7 @@
     </p:spTree>
     <p:extLst>
       <p:ext uri="{BB962C8B-B14F-4D97-AF65-F5344CB8AC3E}">
-        <p14:creationId xmlns:p14="http://schemas.microsoft.com/office/powerpoint/2010/main" xmlns="" val="366680978"/>
+        <p14:creationId xmlns="" xmlns:p14="http://schemas.microsoft.com/office/powerpoint/2010/main" val="366680978"/>
       </p:ext>
     </p:extLst>
   </p:cSld>
@@ -2174,7 +2175,7 @@
     </p:spTree>
     <p:extLst>
       <p:ext uri="{BB962C8B-B14F-4D97-AF65-F5344CB8AC3E}">
-        <p14:creationId xmlns:p14="http://schemas.microsoft.com/office/powerpoint/2010/main" xmlns="" val="2483323219"/>
+        <p14:creationId xmlns="" xmlns:p14="http://schemas.microsoft.com/office/powerpoint/2010/main" val="2483323219"/>
       </p:ext>
     </p:extLst>
   </p:cSld>
@@ -2603,7 +2604,7 @@
     </p:spTree>
     <p:extLst>
       <p:ext uri="{BB962C8B-B14F-4D97-AF65-F5344CB8AC3E}">
-        <p14:creationId xmlns:p14="http://schemas.microsoft.com/office/powerpoint/2010/main" xmlns="" val="1748046589"/>
+        <p14:creationId xmlns="" xmlns:p14="http://schemas.microsoft.com/office/powerpoint/2010/main" val="1748046589"/>
       </p:ext>
     </p:extLst>
   </p:cSld>
@@ -2735,7 +2736,7 @@
     </p:spTree>
     <p:extLst>
       <p:ext uri="{BB962C8B-B14F-4D97-AF65-F5344CB8AC3E}">
-        <p14:creationId xmlns:p14="http://schemas.microsoft.com/office/powerpoint/2010/main" xmlns="" val="112936382"/>
+        <p14:creationId xmlns="" xmlns:p14="http://schemas.microsoft.com/office/powerpoint/2010/main" val="112936382"/>
       </p:ext>
     </p:extLst>
   </p:cSld>
@@ -2840,7 +2841,7 @@
     </p:spTree>
     <p:extLst>
       <p:ext uri="{BB962C8B-B14F-4D97-AF65-F5344CB8AC3E}">
-        <p14:creationId xmlns:p14="http://schemas.microsoft.com/office/powerpoint/2010/main" xmlns="" val="1129494974"/>
+        <p14:creationId xmlns="" xmlns:p14="http://schemas.microsoft.com/office/powerpoint/2010/main" val="1129494974"/>
       </p:ext>
     </p:extLst>
   </p:cSld>
@@ -3141,7 +3142,7 @@
           <p:cNvPr id="8" name="Date Placeholder 7">
             <a:extLst>
               <a:ext uri="{FF2B5EF4-FFF2-40B4-BE49-F238E27FC236}">
-                <a16:creationId xmlns:a16="http://schemas.microsoft.com/office/drawing/2014/main" xmlns="" id="{0B919CC2-2A65-446F-B538-9E6249035445}"/>
+                <a16:creationId xmlns="" xmlns:a16="http://schemas.microsoft.com/office/drawing/2014/main" id="{0B919CC2-2A65-446F-B538-9E6249035445}"/>
               </a:ext>
             </a:extLst>
           </p:cNvPr>
@@ -3176,7 +3177,7 @@
           <p:cNvPr id="10" name="Footer Placeholder 9">
             <a:extLst>
               <a:ext uri="{FF2B5EF4-FFF2-40B4-BE49-F238E27FC236}">
-                <a16:creationId xmlns:a16="http://schemas.microsoft.com/office/drawing/2014/main" xmlns="" id="{B72412AE-119E-4982-8B24-63365EFCA796}"/>
+                <a16:creationId xmlns="" xmlns:a16="http://schemas.microsoft.com/office/drawing/2014/main" id="{B72412AE-119E-4982-8B24-63365EFCA796}"/>
               </a:ext>
             </a:extLst>
           </p:cNvPr>
@@ -3209,7 +3210,7 @@
           <p:cNvPr id="11" name="Slide Number Placeholder 10">
             <a:extLst>
               <a:ext uri="{FF2B5EF4-FFF2-40B4-BE49-F238E27FC236}">
-                <a16:creationId xmlns:a16="http://schemas.microsoft.com/office/drawing/2014/main" xmlns="" id="{7FC4BB19-6AD1-45CF-9F99-00B109890FAB}"/>
+                <a16:creationId xmlns="" xmlns:a16="http://schemas.microsoft.com/office/drawing/2014/main" id="{7FC4BB19-6AD1-45CF-9F99-00B109890FAB}"/>
               </a:ext>
             </a:extLst>
           </p:cNvPr>
@@ -3242,7 +3243,7 @@
     </p:spTree>
     <p:extLst>
       <p:ext uri="{BB962C8B-B14F-4D97-AF65-F5344CB8AC3E}">
-        <p14:creationId xmlns:p14="http://schemas.microsoft.com/office/powerpoint/2010/main" xmlns="" val="1261766693"/>
+        <p14:creationId xmlns="" xmlns:p14="http://schemas.microsoft.com/office/powerpoint/2010/main" val="1261766693"/>
       </p:ext>
     </p:extLst>
   </p:cSld>
@@ -3521,7 +3522,7 @@
     </p:spTree>
     <p:extLst>
       <p:ext uri="{BB962C8B-B14F-4D97-AF65-F5344CB8AC3E}">
-        <p14:creationId xmlns:p14="http://schemas.microsoft.com/office/powerpoint/2010/main" xmlns="" val="3573289553"/>
+        <p14:creationId xmlns="" xmlns:p14="http://schemas.microsoft.com/office/powerpoint/2010/main" val="3573289553"/>
       </p:ext>
     </p:extLst>
   </p:cSld>
@@ -3848,7 +3849,7 @@
           <p:cNvPr id="8" name="Picture 7" descr="Logo&#10;&#10;Description automatically generated">
             <a:extLst>
               <a:ext uri="{FF2B5EF4-FFF2-40B4-BE49-F238E27FC236}">
-                <a16:creationId xmlns:a16="http://schemas.microsoft.com/office/drawing/2014/main" xmlns="" id="{14A64E4D-8DED-7830-2955-1BE78C5B0655}"/>
+                <a16:creationId xmlns="" xmlns:a16="http://schemas.microsoft.com/office/drawing/2014/main" id="{14A64E4D-8DED-7830-2955-1BE78C5B0655}"/>
               </a:ext>
             </a:extLst>
           </p:cNvPr>
@@ -3876,7 +3877,7 @@
     </p:spTree>
     <p:extLst>
       <p:ext uri="{BB962C8B-B14F-4D97-AF65-F5344CB8AC3E}">
-        <p14:creationId xmlns:p14="http://schemas.microsoft.com/office/powerpoint/2010/main" xmlns="" val="3000897896"/>
+        <p14:creationId xmlns="" xmlns:p14="http://schemas.microsoft.com/office/powerpoint/2010/main" val="3000897896"/>
       </p:ext>
     </p:extLst>
   </p:cSld>
@@ -4313,7 +4314,7 @@
           <p:cNvPr id="2" name="Title 1">
             <a:extLst>
               <a:ext uri="{FF2B5EF4-FFF2-40B4-BE49-F238E27FC236}">
-                <a16:creationId xmlns:a16="http://schemas.microsoft.com/office/drawing/2014/main" xmlns="" id="{A8A11E26-4C38-41A6-9857-11032CEECD80}"/>
+                <a16:creationId xmlns="" xmlns:a16="http://schemas.microsoft.com/office/drawing/2014/main" id="{A8A11E26-4C38-41A6-9857-11032CEECD80}"/>
               </a:ext>
             </a:extLst>
           </p:cNvPr>
@@ -4742,26 +4743,7 @@
                 <a:latin typeface="Arial"/>
                 <a:cs typeface="Arial"/>
               </a:rPr>
-              <a:t>  </a:t>
-            </a:r>
-            <a:r>
-              <a:rPr lang="en-US" sz="2000" b="1" dirty="0" smtClean="0">
-                <a:solidFill>
-                  <a:schemeClr val="accent1">
-                    <a:lumMod val="75000"/>
-                  </a:schemeClr>
-                </a:solidFill>
-                <a:effectLst>
-                  <a:outerShdw blurRad="38100" dist="38100" dir="2700000" algn="tl">
-                    <a:srgbClr val="000000">
-                      <a:alpha val="43137"/>
-                    </a:srgbClr>
-                  </a:outerShdw>
-                </a:effectLst>
-                <a:latin typeface="Arial"/>
-                <a:cs typeface="Arial"/>
-              </a:rPr>
-              <a:t> </a:t>
+              <a:t>   </a:t>
             </a:r>
             <a:r>
               <a:rPr lang="en-US" sz="2000" b="1" dirty="0">
@@ -4809,7 +4791,7 @@
     </p:spTree>
     <p:extLst>
       <p:ext uri="{BB962C8B-B14F-4D97-AF65-F5344CB8AC3E}">
-        <p14:creationId xmlns:p14="http://schemas.microsoft.com/office/powerpoint/2010/main" xmlns="" val="953325580"/>
+        <p14:creationId xmlns="" xmlns:p14="http://schemas.microsoft.com/office/powerpoint/2010/main" val="953325580"/>
       </p:ext>
     </p:extLst>
   </p:cSld>
@@ -4838,2096 +4820,50 @@
       </p:grpSpPr>
       <p:sp>
         <p:nvSpPr>
+          <p:cNvPr id="3" name="Content Placeholder 2">
+            <a:extLst>
+              <a:ext uri="{FF2B5EF4-FFF2-40B4-BE49-F238E27FC236}">
+                <a16:creationId xmlns="" xmlns:a16="http://schemas.microsoft.com/office/drawing/2014/main" id="{A6638FD1-D00E-E75B-705C-564F06D93D7B}"/>
+              </a:ext>
+            </a:extLst>
+          </p:cNvPr>
+          <p:cNvSpPr>
+            <a:spLocks noGrp="1"/>
+          </p:cNvSpPr>
+          <p:nvPr>
+            <p:ph idx="1"/>
+          </p:nvPr>
+        </p:nvSpPr>
+        <p:spPr/>
+        <p:txBody>
+          <a:bodyPr/>
+          <a:lstStyle/>
+          <a:p>
+            <a:pPr marL="0" indent="0">
+              <a:buNone/>
+            </a:pPr>
+            <a:r>
+              <a:rPr lang="en-US" sz="2000" dirty="0" err="1" smtClean="0"/>
+              <a:t>Keylogger</a:t>
+            </a:r>
+            <a:r>
+              <a:rPr lang="en-US" sz="2000" dirty="0" smtClean="0"/>
+              <a:t> software records a user's every keystroke, it can capture a lot of information, such as personally identifiable information, login credentials, emails, banking info and sensitive enterprise data.</a:t>
+            </a:r>
+            <a:endParaRPr lang="en-US" sz="2000" dirty="0"/>
+          </a:p>
+          <a:p>
+            <a:pPr marL="305435" indent="-305435"/>
+            <a:endParaRPr lang="en-US" dirty="0"/>
+          </a:p>
+        </p:txBody>
+      </p:sp>
+      <p:sp>
+        <p:nvSpPr>
           <p:cNvPr id="5" name="Title 4">
             <a:extLst>
               <a:ext uri="{FF2B5EF4-FFF2-40B4-BE49-F238E27FC236}">
-                <a16:creationId xmlns:a16="http://schemas.microsoft.com/office/drawing/2014/main" xmlns="" id="{8FBA75B4-2DD5-42EB-9397-F36BFB8BA723}"/>
-              </a:ext>
-            </a:extLst>
-          </p:cNvPr>
-          <p:cNvSpPr>
-            <a:spLocks noGrp="1"/>
-          </p:cNvSpPr>
-          <p:nvPr>
-            <p:ph type="title"/>
-          </p:nvPr>
-        </p:nvSpPr>
-        <p:spPr>
-          <a:xfrm>
-            <a:off x="581192" y="771730"/>
-            <a:ext cx="11029616" cy="530296"/>
-          </a:xfrm>
-        </p:spPr>
-        <p:txBody>
-          <a:bodyPr>
-            <a:normAutofit fontScale="90000"/>
-          </a:bodyPr>
-          <a:lstStyle/>
-          <a:p>
-            <a:r>
-              <a:rPr lang="en-US" sz="4400" b="1" dirty="0">
-                <a:solidFill>
-                  <a:schemeClr val="accent1"/>
-                </a:solidFill>
-                <a:effectLst>
-                  <a:outerShdw blurRad="38100" dist="38100" dir="2700000" algn="tl">
-                    <a:srgbClr val="000000">
-                      <a:alpha val="43137"/>
-                    </a:srgbClr>
-                  </a:outerShdw>
-                </a:effectLst>
-                <a:latin typeface="Arial"/>
-                <a:ea typeface="+mj-lt"/>
-                <a:cs typeface="Arial"/>
-              </a:rPr>
-              <a:t>References</a:t>
-            </a:r>
-            <a:endParaRPr lang="en-US" dirty="0">
-              <a:effectLst>
-                <a:outerShdw blurRad="38100" dist="38100" dir="2700000" algn="tl">
-                  <a:srgbClr val="000000">
-                    <a:alpha val="43137"/>
-                  </a:srgbClr>
-                </a:outerShdw>
-              </a:effectLst>
-            </a:endParaRPr>
-          </a:p>
-        </p:txBody>
-      </p:sp>
-      <p:sp>
-        <p:nvSpPr>
-          <p:cNvPr id="2" name="Content Placeholder 1">
-            <a:extLst>
-              <a:ext uri="{FF2B5EF4-FFF2-40B4-BE49-F238E27FC236}">
-                <a16:creationId xmlns:a16="http://schemas.microsoft.com/office/drawing/2014/main" xmlns="" id="{357C38BC-22B3-37B2-E0C3-812020A76077}"/>
-              </a:ext>
-            </a:extLst>
-          </p:cNvPr>
-          <p:cNvSpPr>
-            <a:spLocks noGrp="1"/>
-          </p:cNvSpPr>
-          <p:nvPr>
-            <p:ph idx="1"/>
-          </p:nvPr>
-        </p:nvSpPr>
-        <p:spPr/>
-        <p:txBody>
-          <a:bodyPr>
-            <a:normAutofit/>
-          </a:bodyPr>
-          <a:lstStyle/>
-          <a:p>
-            <a:r>
-              <a:rPr lang="en-US" sz="2400" dirty="0" smtClean="0">
-                <a:hlinkClick r:id="rId2"/>
-              </a:rPr>
-              <a:t>sentinelone.com</a:t>
-            </a:r>
-          </a:p>
-          <a:p>
-            <a:r>
-              <a:rPr lang="en-US" sz="2400" dirty="0" smtClean="0">
-                <a:hlinkClick r:id="rId2"/>
-              </a:rPr>
-              <a:t>https://www.sentinelone.com › keylogger-2</a:t>
-            </a:r>
-          </a:p>
-        </p:txBody>
-      </p:sp>
-    </p:spTree>
-    <p:extLst>
-      <p:ext uri="{BB962C8B-B14F-4D97-AF65-F5344CB8AC3E}">
-        <p14:creationId xmlns:p14="http://schemas.microsoft.com/office/powerpoint/2010/main" xmlns="" val="728950222"/>
-      </p:ext>
-    </p:extLst>
-  </p:cSld>
-  <p:clrMapOvr>
-    <a:masterClrMapping/>
-  </p:clrMapOvr>
-</p:sld>
-</file>
-
-<file path=ppt/slides/slide11.xml><?xml version="1.0" encoding="utf-8"?>
-<p:sld xmlns:a="http://schemas.openxmlformats.org/drawingml/2006/main" xmlns:r="http://schemas.openxmlformats.org/officeDocument/2006/relationships" xmlns:p="http://schemas.openxmlformats.org/presentationml/2006/main">
-  <p:cSld>
-    <p:spTree>
-      <p:nvGrpSpPr>
-        <p:cNvPr id="1" name=""/>
-        <p:cNvGrpSpPr/>
-        <p:nvPr/>
-      </p:nvGrpSpPr>
-      <p:grpSpPr>
-        <a:xfrm>
-          <a:off x="0" y="0"/>
-          <a:ext cx="0" cy="0"/>
-          <a:chOff x="0" y="0"/>
-          <a:chExt cx="0" cy="0"/>
-        </a:xfrm>
-      </p:grpSpPr>
-      <p:sp>
-        <p:nvSpPr>
-          <p:cNvPr id="5" name="Title 4">
-            <a:extLst>
-              <a:ext uri="{FF2B5EF4-FFF2-40B4-BE49-F238E27FC236}">
-                <a16:creationId xmlns:a16="http://schemas.microsoft.com/office/drawing/2014/main" xmlns="" id="{8BE4CA82-64EC-4D4E-A5E5-3EBB66E7B24C}"/>
-              </a:ext>
-            </a:extLst>
-          </p:cNvPr>
-          <p:cNvSpPr>
-            <a:spLocks noGrp="1"/>
-          </p:cNvSpPr>
-          <p:nvPr>
-            <p:ph type="title"/>
-          </p:nvPr>
-        </p:nvSpPr>
-        <p:spPr>
-          <a:xfrm>
-            <a:off x="1463041" y="2766218"/>
-            <a:ext cx="9298744" cy="1325563"/>
-          </a:xfrm>
-        </p:spPr>
-        <p:txBody>
-          <a:bodyPr/>
-          <a:lstStyle/>
-          <a:p>
-            <a:pPr algn="ctr"/>
-            <a:r>
-              <a:rPr lang="en-US" b="1" dirty="0">
-                <a:solidFill>
-                  <a:srgbClr val="002060"/>
-                </a:solidFill>
-                <a:effectLst>
-                  <a:outerShdw blurRad="38100" dist="38100" dir="2700000" algn="tl">
-                    <a:srgbClr val="000000">
-                      <a:alpha val="43137"/>
-                    </a:srgbClr>
-                  </a:outerShdw>
-                </a:effectLst>
-                <a:latin typeface="Arial" panose="020B0604020202020204" pitchFamily="34" charset="0"/>
-                <a:cs typeface="Arial" panose="020B0604020202020204" pitchFamily="34" charset="0"/>
-              </a:rPr>
-              <a:t>THANK YOU</a:t>
-            </a:r>
-          </a:p>
-        </p:txBody>
-      </p:sp>
-    </p:spTree>
-    <p:extLst>
-      <p:ext uri="{BB962C8B-B14F-4D97-AF65-F5344CB8AC3E}">
-        <p14:creationId xmlns:p14="http://schemas.microsoft.com/office/powerpoint/2010/main" xmlns="" val="4066255318"/>
-      </p:ext>
-    </p:extLst>
-  </p:cSld>
-  <p:clrMapOvr>
-    <a:masterClrMapping/>
-  </p:clrMapOvr>
-</p:sld>
-</file>
-
-<file path=ppt/slides/slide2.xml><?xml version="1.0" encoding="utf-8"?>
-<p:sld xmlns:a="http://schemas.openxmlformats.org/drawingml/2006/main" xmlns:r="http://schemas.openxmlformats.org/officeDocument/2006/relationships" xmlns:p="http://schemas.openxmlformats.org/presentationml/2006/main">
-  <p:cSld>
-    <p:spTree>
-      <p:nvGrpSpPr>
-        <p:cNvPr id="1" name=""/>
-        <p:cNvGrpSpPr/>
-        <p:nvPr/>
-      </p:nvGrpSpPr>
-      <p:grpSpPr>
-        <a:xfrm>
-          <a:off x="0" y="0"/>
-          <a:ext cx="0" cy="0"/>
-          <a:chOff x="0" y="0"/>
-          <a:chExt cx="0" cy="0"/>
-        </a:xfrm>
-      </p:grpSpPr>
-      <p:sp>
-        <p:nvSpPr>
-          <p:cNvPr id="2" name="Title 1">
-            <a:extLst>
-              <a:ext uri="{FF2B5EF4-FFF2-40B4-BE49-F238E27FC236}">
-                <a16:creationId xmlns:a16="http://schemas.microsoft.com/office/drawing/2014/main" xmlns="" id="{49FFEB4C-F209-4AE7-AA2B-B3C26CE2C51D}"/>
-              </a:ext>
-            </a:extLst>
-          </p:cNvPr>
-          <p:cNvSpPr>
-            <a:spLocks noGrp="1"/>
-          </p:cNvSpPr>
-          <p:nvPr>
-            <p:ph type="title"/>
-          </p:nvPr>
-        </p:nvSpPr>
-        <p:spPr>
-          <a:xfrm>
-            <a:off x="849573" y="558468"/>
-            <a:ext cx="10515600" cy="1325563"/>
-          </a:xfrm>
-        </p:spPr>
-        <p:txBody>
-          <a:bodyPr/>
-          <a:lstStyle/>
-          <a:p>
-            <a:r>
-              <a:rPr lang="en-US" b="1" dirty="0">
-                <a:solidFill>
-                  <a:srgbClr val="002060"/>
-                </a:solidFill>
-                <a:effectLst>
-                  <a:outerShdw blurRad="38100" dist="38100" dir="2700000" algn="tl">
-                    <a:srgbClr val="000000">
-                      <a:alpha val="43137"/>
-                    </a:srgbClr>
-                  </a:outerShdw>
-                </a:effectLst>
-                <a:latin typeface="Arial" panose="020B0604020202020204" pitchFamily="34" charset="0"/>
-                <a:cs typeface="Arial" panose="020B0604020202020204" pitchFamily="34" charset="0"/>
-              </a:rPr>
-              <a:t>OUTLINE</a:t>
-            </a:r>
-          </a:p>
-        </p:txBody>
-      </p:sp>
-      <p:sp>
-        <p:nvSpPr>
-          <p:cNvPr id="3" name="Content Placeholder 2">
-            <a:extLst>
-              <a:ext uri="{FF2B5EF4-FFF2-40B4-BE49-F238E27FC236}">
-                <a16:creationId xmlns:a16="http://schemas.microsoft.com/office/drawing/2014/main" xmlns="" id="{B2678641-EEA3-4EC4-BF39-4075B0C120E8}"/>
-              </a:ext>
-            </a:extLst>
-          </p:cNvPr>
-          <p:cNvSpPr>
-            <a:spLocks noGrp="1"/>
-          </p:cNvSpPr>
-          <p:nvPr>
-            <p:ph idx="1"/>
-          </p:nvPr>
-        </p:nvSpPr>
-        <p:spPr>
-          <a:xfrm>
-            <a:off x="838200" y="1618938"/>
-            <a:ext cx="11019020" cy="5239062"/>
-          </a:xfrm>
-        </p:spPr>
-        <p:txBody>
-          <a:bodyPr vert="horz" lIns="91440" tIns="45720" rIns="91440" bIns="45720" rtlCol="0" anchor="t">
-            <a:noAutofit/>
-          </a:bodyPr>
-          <a:lstStyle/>
-          <a:p>
-            <a:pPr marL="0" indent="0">
-              <a:buNone/>
-            </a:pPr>
-            <a:r>
-              <a:rPr lang="en-US" sz="2000" b="1" dirty="0">
-                <a:latin typeface="Arial"/>
-                <a:ea typeface="+mn-lt"/>
-                <a:cs typeface="Arial"/>
-              </a:rPr>
-              <a:t>  </a:t>
-            </a:r>
-            <a:endParaRPr lang="en-US" dirty="0">
-              <a:latin typeface="Arial"/>
-              <a:cs typeface="Arial"/>
-            </a:endParaRPr>
-          </a:p>
-          <a:p>
-            <a:pPr>
-              <a:buFont typeface="Wingdings" panose="05000000000000000000" pitchFamily="2" charset="2"/>
-              <a:buChar char="Ø"/>
-            </a:pPr>
-            <a:r>
-              <a:rPr lang="en-US" sz="2000" b="1" dirty="0">
-                <a:latin typeface="Arial"/>
-                <a:ea typeface="+mn-lt"/>
-                <a:cs typeface="Arial"/>
-              </a:rPr>
-              <a:t>Problem Statement </a:t>
-            </a:r>
-            <a:r>
-              <a:rPr lang="en-US" sz="2000" dirty="0">
-                <a:latin typeface="Arial"/>
-                <a:ea typeface="+mn-lt"/>
-                <a:cs typeface="Arial"/>
-              </a:rPr>
-              <a:t>(Should not include solution)</a:t>
-            </a:r>
-            <a:endParaRPr lang="en-US" dirty="0">
-              <a:latin typeface="Arial"/>
-              <a:cs typeface="Arial"/>
-            </a:endParaRPr>
-          </a:p>
-          <a:p>
-            <a:pPr>
-              <a:buFont typeface="Wingdings" panose="05000000000000000000" pitchFamily="2" charset="2"/>
-              <a:buChar char="Ø"/>
-            </a:pPr>
-            <a:r>
-              <a:rPr lang="en-US" sz="2000" b="1" dirty="0">
-                <a:latin typeface="Arial"/>
-                <a:ea typeface="+mn-lt"/>
-                <a:cs typeface="Arial"/>
-              </a:rPr>
-              <a:t>Proposed System/Solution</a:t>
-            </a:r>
-            <a:endParaRPr lang="en-US" dirty="0">
-              <a:latin typeface="Arial"/>
-              <a:cs typeface="Arial"/>
-            </a:endParaRPr>
-          </a:p>
-          <a:p>
-            <a:pPr>
-              <a:buFont typeface="Wingdings" panose="05000000000000000000" pitchFamily="2" charset="2"/>
-              <a:buChar char="Ø"/>
-            </a:pPr>
-            <a:r>
-              <a:rPr lang="en-US" sz="2000" b="1" dirty="0">
-                <a:latin typeface="Arial"/>
-                <a:ea typeface="+mn-lt"/>
-                <a:cs typeface="Calibri"/>
-              </a:rPr>
-              <a:t>System </a:t>
-            </a:r>
-            <a:r>
-              <a:rPr lang="en-US" sz="2000" b="1" dirty="0">
-                <a:latin typeface="Arial"/>
-                <a:ea typeface="+mn-lt"/>
-                <a:cs typeface="+mn-lt"/>
-              </a:rPr>
-              <a:t>Development Approach </a:t>
-            </a:r>
-            <a:r>
-              <a:rPr lang="en-US" sz="2000" dirty="0">
-                <a:latin typeface="Arial"/>
-                <a:ea typeface="+mn-lt"/>
-                <a:cs typeface="+mn-lt"/>
-              </a:rPr>
-              <a:t>(Technology Used) </a:t>
-            </a:r>
-            <a:endParaRPr lang="en-US" dirty="0">
-              <a:latin typeface="Arial"/>
-              <a:ea typeface="+mn-lt"/>
-              <a:cs typeface="+mn-lt"/>
-            </a:endParaRPr>
-          </a:p>
-          <a:p>
-            <a:pPr>
-              <a:buFont typeface="Wingdings" panose="05000000000000000000" pitchFamily="2" charset="2"/>
-              <a:buChar char="Ø"/>
-            </a:pPr>
-            <a:r>
-              <a:rPr lang="en-US" sz="2000" b="1" dirty="0">
-                <a:latin typeface="Arial"/>
-                <a:ea typeface="+mn-lt"/>
-                <a:cs typeface="+mn-lt"/>
-              </a:rPr>
-              <a:t>Algorithm &amp; Deployment  </a:t>
-            </a:r>
-            <a:endParaRPr lang="en-US" dirty="0">
-              <a:latin typeface="Arial"/>
-              <a:cs typeface="Calibri"/>
-            </a:endParaRPr>
-          </a:p>
-          <a:p>
-            <a:pPr>
-              <a:buFont typeface="Wingdings" panose="05000000000000000000" pitchFamily="2" charset="2"/>
-              <a:buChar char="Ø"/>
-            </a:pPr>
-            <a:r>
-              <a:rPr lang="en-US" sz="2000" b="1" dirty="0">
-                <a:latin typeface="Arial"/>
-                <a:ea typeface="+mn-lt"/>
-                <a:cs typeface="Arial"/>
-              </a:rPr>
-              <a:t>Result (Output Image)</a:t>
-            </a:r>
-          </a:p>
-          <a:p>
-            <a:pPr>
-              <a:buFont typeface="Wingdings" panose="05000000000000000000" pitchFamily="2" charset="2"/>
-              <a:buChar char="Ø"/>
-            </a:pPr>
-            <a:r>
-              <a:rPr lang="en-US" sz="2000" b="1" dirty="0">
-                <a:latin typeface="Arial"/>
-                <a:ea typeface="+mn-lt"/>
-                <a:cs typeface="Arial"/>
-              </a:rPr>
-              <a:t>Conclusion</a:t>
-            </a:r>
-            <a:endParaRPr lang="en-US" dirty="0">
-              <a:latin typeface="Arial"/>
-              <a:cs typeface="Arial"/>
-            </a:endParaRPr>
-          </a:p>
-          <a:p>
-            <a:pPr>
-              <a:buFont typeface="Wingdings" panose="05000000000000000000" pitchFamily="2" charset="2"/>
-              <a:buChar char="Ø"/>
-            </a:pPr>
-            <a:r>
-              <a:rPr lang="en-US" sz="2000" b="1" dirty="0">
-                <a:latin typeface="Arial"/>
-                <a:ea typeface="+mn-lt"/>
-                <a:cs typeface="Arial"/>
-              </a:rPr>
-              <a:t>Future Scope</a:t>
-            </a:r>
-          </a:p>
-          <a:p>
-            <a:pPr>
-              <a:buFont typeface="Wingdings" panose="05000000000000000000" pitchFamily="2" charset="2"/>
-              <a:buChar char="Ø"/>
-            </a:pPr>
-            <a:r>
-              <a:rPr lang="en-US" sz="2000" b="1" dirty="0">
-                <a:latin typeface="Arial"/>
-                <a:ea typeface="+mn-lt"/>
-                <a:cs typeface="Arial"/>
-              </a:rPr>
-              <a:t>References</a:t>
-            </a:r>
-            <a:endParaRPr lang="en-US" dirty="0">
-              <a:latin typeface="Arial"/>
-              <a:cs typeface="Arial"/>
-            </a:endParaRPr>
-          </a:p>
-          <a:p>
-            <a:pPr marL="305435" indent="-305435"/>
-            <a:endParaRPr lang="en-US" dirty="0">
-              <a:latin typeface="Arial"/>
-              <a:cs typeface="Arial"/>
-            </a:endParaRPr>
-          </a:p>
-        </p:txBody>
-      </p:sp>
-    </p:spTree>
-    <p:extLst>
-      <p:ext uri="{BB962C8B-B14F-4D97-AF65-F5344CB8AC3E}">
-        <p14:creationId xmlns:p14="http://schemas.microsoft.com/office/powerpoint/2010/main" xmlns="" val="2900153716"/>
-      </p:ext>
-    </p:extLst>
-  </p:cSld>
-  <p:clrMapOvr>
-    <a:masterClrMapping/>
-  </p:clrMapOvr>
-</p:sld>
-</file>
-
-<file path=ppt/slides/slide3.xml><?xml version="1.0" encoding="utf-8"?>
-<p:sld xmlns:a="http://schemas.openxmlformats.org/drawingml/2006/main" xmlns:r="http://schemas.openxmlformats.org/officeDocument/2006/relationships" xmlns:p="http://schemas.openxmlformats.org/presentationml/2006/main">
-  <p:cSld>
-    <p:spTree>
-      <p:nvGrpSpPr>
-        <p:cNvPr id="1" name=""/>
-        <p:cNvGrpSpPr/>
-        <p:nvPr/>
-      </p:nvGrpSpPr>
-      <p:grpSpPr>
-        <a:xfrm>
-          <a:off x="0" y="0"/>
-          <a:ext cx="0" cy="0"/>
-          <a:chOff x="0" y="0"/>
-          <a:chExt cx="0" cy="0"/>
-        </a:xfrm>
-      </p:grpSpPr>
-      <p:sp>
-        <p:nvSpPr>
-          <p:cNvPr id="5" name="Title 4">
-            <a:extLst>
-              <a:ext uri="{FF2B5EF4-FFF2-40B4-BE49-F238E27FC236}">
-                <a16:creationId xmlns:a16="http://schemas.microsoft.com/office/drawing/2014/main" xmlns="" id="{8FBA75B4-2DD5-42EB-9397-F36BFB8BA723}"/>
-              </a:ext>
-            </a:extLst>
-          </p:cNvPr>
-          <p:cNvSpPr>
-            <a:spLocks noGrp="1"/>
-          </p:cNvSpPr>
-          <p:nvPr>
-            <p:ph type="title"/>
-          </p:nvPr>
-        </p:nvSpPr>
-        <p:spPr/>
-        <p:txBody>
-          <a:bodyPr>
-            <a:normAutofit fontScale="90000"/>
-          </a:bodyPr>
-          <a:lstStyle/>
-          <a:p>
-            <a:r>
-              <a:rPr lang="en-US" sz="4400" b="1" dirty="0">
-                <a:solidFill>
-                  <a:schemeClr val="accent1"/>
-                </a:solidFill>
-                <a:effectLst>
-                  <a:outerShdw blurRad="38100" dist="38100" dir="2700000" algn="tl">
-                    <a:srgbClr val="000000">
-                      <a:alpha val="43137"/>
-                    </a:srgbClr>
-                  </a:outerShdw>
-                </a:effectLst>
-                <a:latin typeface="Arial" panose="020B0604020202020204" pitchFamily="34" charset="0"/>
-                <a:cs typeface="Arial" panose="020B0604020202020204" pitchFamily="34" charset="0"/>
-              </a:rPr>
-              <a:t>Problem Statement</a:t>
-            </a:r>
-            <a:endParaRPr lang="en-US" sz="4400" dirty="0">
-              <a:effectLst>
-                <a:outerShdw blurRad="38100" dist="38100" dir="2700000" algn="tl">
-                  <a:srgbClr val="000000">
-                    <a:alpha val="43137"/>
-                  </a:srgbClr>
-                </a:outerShdw>
-              </a:effectLst>
-            </a:endParaRPr>
-          </a:p>
-        </p:txBody>
-      </p:sp>
-      <p:sp>
-        <p:nvSpPr>
-          <p:cNvPr id="2" name="Content Placeholder 1">
-            <a:extLst>
-              <a:ext uri="{FF2B5EF4-FFF2-40B4-BE49-F238E27FC236}">
-                <a16:creationId xmlns:a16="http://schemas.microsoft.com/office/drawing/2014/main" xmlns="" id="{8FEE4A9C-3F57-7DA7-91FD-715C3FB47F93}"/>
-              </a:ext>
-            </a:extLst>
-          </p:cNvPr>
-          <p:cNvSpPr>
-            <a:spLocks noGrp="1"/>
-          </p:cNvSpPr>
-          <p:nvPr>
-            <p:ph idx="1"/>
-          </p:nvPr>
-        </p:nvSpPr>
-        <p:spPr>
-          <a:xfrm>
-            <a:off x="452403" y="1237632"/>
-            <a:ext cx="11029615" cy="4673324"/>
-          </a:xfrm>
-        </p:spPr>
-        <p:txBody>
-          <a:bodyPr>
-            <a:normAutofit/>
-          </a:bodyPr>
-          <a:lstStyle/>
-          <a:p>
-            <a:pPr marL="305435" indent="-305435"/>
-            <a:r>
-              <a:rPr lang="en-US" sz="3200" dirty="0" smtClean="0"/>
-              <a:t>Problem Statement: </a:t>
-            </a:r>
-            <a:r>
-              <a:rPr lang="en-US" sz="1200" dirty="0" smtClean="0"/>
-              <a:t>In today's digital age, where </a:t>
-            </a:r>
-            <a:r>
-              <a:rPr lang="en-US" sz="1200" dirty="0" err="1" smtClean="0"/>
-              <a:t>cybersecurity</a:t>
-            </a:r>
-            <a:r>
-              <a:rPr lang="en-US" sz="1200" dirty="0" smtClean="0"/>
-              <a:t> threats loom large, one of the significant concerns is the proliferation of </a:t>
-            </a:r>
-            <a:r>
-              <a:rPr lang="en-US" sz="1200" dirty="0" err="1" smtClean="0"/>
-              <a:t>keyloggers</a:t>
-            </a:r>
-            <a:r>
-              <a:rPr lang="en-US" sz="1200" dirty="0" smtClean="0"/>
-              <a:t>, stealthy software tools designed to monitor and record keystrokes on a user's computer without their knowledge. </a:t>
-            </a:r>
-            <a:r>
-              <a:rPr lang="en-US" sz="1200" dirty="0" err="1" smtClean="0"/>
-              <a:t>Keyloggers</a:t>
-            </a:r>
-            <a:r>
-              <a:rPr lang="en-US" sz="1200" dirty="0" smtClean="0"/>
-              <a:t> pose a severe threat to individuals and organizations as they can capture sensitive information such as passwords, credit card details, and other personal data, leading to identity theft, financial loss, and privacy breaches.</a:t>
-            </a:r>
-            <a:endParaRPr lang="en-US" sz="1200" dirty="0"/>
-          </a:p>
-        </p:txBody>
-      </p:sp>
-    </p:spTree>
-    <p:extLst>
-      <p:ext uri="{BB962C8B-B14F-4D97-AF65-F5344CB8AC3E}">
-        <p14:creationId xmlns:p14="http://schemas.microsoft.com/office/powerpoint/2010/main" xmlns="" val="1186421160"/>
-      </p:ext>
-    </p:extLst>
-  </p:cSld>
-  <p:clrMapOvr>
-    <a:masterClrMapping/>
-  </p:clrMapOvr>
-</p:sld>
-</file>
-
-<file path=ppt/slides/slide4.xml><?xml version="1.0" encoding="utf-8"?>
-<p:sld xmlns:a="http://schemas.openxmlformats.org/drawingml/2006/main" xmlns:r="http://schemas.openxmlformats.org/officeDocument/2006/relationships" xmlns:p="http://schemas.openxmlformats.org/presentationml/2006/main">
-  <p:cSld>
-    <p:spTree>
-      <p:nvGrpSpPr>
-        <p:cNvPr id="1" name=""/>
-        <p:cNvGrpSpPr/>
-        <p:nvPr/>
-      </p:nvGrpSpPr>
-      <p:grpSpPr>
-        <a:xfrm>
-          <a:off x="0" y="0"/>
-          <a:ext cx="0" cy="0"/>
-          <a:chOff x="0" y="0"/>
-          <a:chExt cx="0" cy="0"/>
-        </a:xfrm>
-      </p:grpSpPr>
-      <p:sp>
-        <p:nvSpPr>
-          <p:cNvPr id="5" name="Title 4">
-            <a:extLst>
-              <a:ext uri="{FF2B5EF4-FFF2-40B4-BE49-F238E27FC236}">
-                <a16:creationId xmlns:a16="http://schemas.microsoft.com/office/drawing/2014/main" xmlns="" id="{8FBA75B4-2DD5-42EB-9397-F36BFB8BA723}"/>
-              </a:ext>
-            </a:extLst>
-          </p:cNvPr>
-          <p:cNvSpPr>
-            <a:spLocks noGrp="1"/>
-          </p:cNvSpPr>
-          <p:nvPr>
-            <p:ph type="title"/>
-          </p:nvPr>
-        </p:nvSpPr>
-        <p:spPr>
-          <a:xfrm>
-            <a:off x="733605" y="688088"/>
-            <a:ext cx="11029616" cy="530296"/>
-          </a:xfrm>
-        </p:spPr>
-        <p:txBody>
-          <a:bodyPr>
-            <a:normAutofit fontScale="90000"/>
-          </a:bodyPr>
-          <a:lstStyle/>
-          <a:p>
-            <a:r>
-              <a:rPr lang="en-US" sz="4400" b="1" dirty="0">
-                <a:solidFill>
-                  <a:schemeClr val="accent1"/>
-                </a:solidFill>
-                <a:effectLst>
-                  <a:outerShdw blurRad="38100" dist="38100" dir="2700000" algn="tl">
-                    <a:srgbClr val="000000">
-                      <a:alpha val="43137"/>
-                    </a:srgbClr>
-                  </a:outerShdw>
-                </a:effectLst>
-                <a:latin typeface="Arial" panose="020B0604020202020204" pitchFamily="34" charset="0"/>
-                <a:cs typeface="Arial" panose="020B0604020202020204" pitchFamily="34" charset="0"/>
-              </a:rPr>
-              <a:t>Proposed Solution</a:t>
-            </a:r>
-            <a:endParaRPr lang="en-US" sz="4400" dirty="0">
-              <a:effectLst>
-                <a:outerShdw blurRad="38100" dist="38100" dir="2700000" algn="tl">
-                  <a:srgbClr val="000000">
-                    <a:alpha val="43137"/>
-                  </a:srgbClr>
-                </a:outerShdw>
-              </a:effectLst>
-            </a:endParaRPr>
-          </a:p>
-        </p:txBody>
-      </p:sp>
-      <p:sp>
-        <p:nvSpPr>
-          <p:cNvPr id="2" name="Content Placeholder 1">
-            <a:extLst>
-              <a:ext uri="{FF2B5EF4-FFF2-40B4-BE49-F238E27FC236}">
-                <a16:creationId xmlns:a16="http://schemas.microsoft.com/office/drawing/2014/main" xmlns="" id="{E041FD9D-DF07-9C37-1E61-1D920E0EF1D4}"/>
-              </a:ext>
-            </a:extLst>
-          </p:cNvPr>
-          <p:cNvSpPr>
-            <a:spLocks noGrp="1"/>
-          </p:cNvSpPr>
-          <p:nvPr>
-            <p:ph idx="1"/>
-          </p:nvPr>
-        </p:nvSpPr>
-        <p:spPr>
-          <a:xfrm>
-            <a:off x="441671" y="1087378"/>
-            <a:ext cx="11613485" cy="5563973"/>
-          </a:xfrm>
-        </p:spPr>
-        <p:txBody>
-          <a:bodyPr vert="horz" lIns="91440" tIns="45720" rIns="91440" bIns="45720" rtlCol="0" anchor="ctr">
-            <a:noAutofit/>
-          </a:bodyPr>
-          <a:lstStyle/>
-          <a:p>
-            <a:pPr marL="305435" indent="-305435"/>
-            <a:endParaRPr lang="en-IN" sz="1200" b="1" dirty="0">
-              <a:latin typeface="Calibri"/>
-              <a:cs typeface="Calibri"/>
-            </a:endParaRPr>
-          </a:p>
-          <a:p>
-            <a:pPr marL="0" indent="0">
-              <a:buNone/>
-            </a:pPr>
-            <a:endParaRPr lang="en-IN" sz="1200" b="1" dirty="0" smtClean="0">
-              <a:effectLst>
-                <a:outerShdw blurRad="38100" dist="38100" dir="2700000" algn="tl">
-                  <a:srgbClr val="000000">
-                    <a:alpha val="43137"/>
-                  </a:srgbClr>
-                </a:outerShdw>
-              </a:effectLst>
-              <a:latin typeface="Calibri"/>
-              <a:ea typeface="+mn-lt"/>
-              <a:cs typeface="+mn-lt"/>
-            </a:endParaRPr>
-          </a:p>
-          <a:p>
-            <a:pPr marL="0" indent="0">
-              <a:buNone/>
-            </a:pPr>
-            <a:endParaRPr lang="en-IN" sz="1200" b="1" dirty="0" smtClean="0">
-              <a:effectLst>
-                <a:outerShdw blurRad="38100" dist="38100" dir="2700000" algn="tl">
-                  <a:srgbClr val="000000">
-                    <a:alpha val="43137"/>
-                  </a:srgbClr>
-                </a:outerShdw>
-              </a:effectLst>
-              <a:latin typeface="Calibri"/>
-              <a:ea typeface="+mn-lt"/>
-              <a:cs typeface="+mn-lt"/>
-            </a:endParaRPr>
-          </a:p>
-          <a:p>
-            <a:pPr marL="0" indent="0">
-              <a:buNone/>
-            </a:pPr>
-            <a:endParaRPr lang="en-IN" sz="1000" b="1" dirty="0" smtClean="0">
-              <a:effectLst>
-                <a:outerShdw blurRad="38100" dist="38100" dir="2700000" algn="tl">
-                  <a:srgbClr val="000000">
-                    <a:alpha val="43137"/>
-                  </a:srgbClr>
-                </a:outerShdw>
-              </a:effectLst>
-              <a:latin typeface="Calibri"/>
-              <a:ea typeface="+mn-lt"/>
-              <a:cs typeface="+mn-lt"/>
-            </a:endParaRPr>
-          </a:p>
-          <a:p>
-            <a:pPr marL="0" indent="0">
-              <a:buNone/>
-            </a:pPr>
-            <a:endParaRPr lang="en-IN" sz="1000" b="1" dirty="0" smtClean="0">
-              <a:effectLst>
-                <a:outerShdw blurRad="38100" dist="38100" dir="2700000" algn="tl">
-                  <a:srgbClr val="000000">
-                    <a:alpha val="43137"/>
-                  </a:srgbClr>
-                </a:outerShdw>
-              </a:effectLst>
-              <a:latin typeface="Calibri"/>
-              <a:ea typeface="+mn-lt"/>
-              <a:cs typeface="+mn-lt"/>
-            </a:endParaRPr>
-          </a:p>
-          <a:p>
-            <a:pPr marL="0" indent="0">
-              <a:buNone/>
-            </a:pPr>
-            <a:r>
-              <a:rPr lang="en-IN" sz="1000" b="1" dirty="0" smtClean="0">
-                <a:effectLst>
-                  <a:outerShdw blurRad="38100" dist="38100" dir="2700000" algn="tl">
-                    <a:srgbClr val="000000">
-                      <a:alpha val="43137"/>
-                    </a:srgbClr>
-                  </a:outerShdw>
-                </a:effectLst>
-                <a:latin typeface="Calibri"/>
-                <a:ea typeface="+mn-lt"/>
-                <a:cs typeface="+mn-lt"/>
-              </a:rPr>
-              <a:t>The </a:t>
-            </a:r>
-            <a:r>
-              <a:rPr lang="en-IN" sz="1000" b="1" dirty="0">
-                <a:effectLst>
-                  <a:outerShdw blurRad="38100" dist="38100" dir="2700000" algn="tl">
-                    <a:srgbClr val="000000">
-                      <a:alpha val="43137"/>
-                    </a:srgbClr>
-                  </a:outerShdw>
-                </a:effectLst>
-                <a:latin typeface="Calibri"/>
-                <a:ea typeface="+mn-lt"/>
-                <a:cs typeface="+mn-lt"/>
-              </a:rPr>
-              <a:t>proposed system aims to address the challenge of predicting the required bike count at each hour to ensure a stable supply of rental bikes. This involves leveraging data analytics and machine learning techniques to forecast demand patterns accurately. The solution will consist of the following components</a:t>
-            </a:r>
-            <a:r>
-              <a:rPr lang="en-IN" sz="1000" b="1" dirty="0">
-                <a:latin typeface="Calibri"/>
-                <a:ea typeface="+mn-lt"/>
-                <a:cs typeface="+mn-lt"/>
-              </a:rPr>
-              <a:t>:</a:t>
-            </a:r>
-            <a:endParaRPr lang="en-IN" sz="1000" b="1" dirty="0">
-              <a:latin typeface="Calibri"/>
-              <a:cs typeface="Calibri"/>
-            </a:endParaRPr>
-          </a:p>
-          <a:p>
-            <a:r>
-              <a:rPr lang="en-IN" sz="1000" b="1" dirty="0">
-                <a:effectLst>
-                  <a:outerShdw blurRad="38100" dist="38100" dir="2700000" algn="tl">
-                    <a:srgbClr val="000000">
-                      <a:alpha val="43137"/>
-                    </a:srgbClr>
-                  </a:outerShdw>
-                </a:effectLst>
-                <a:latin typeface="Calibri"/>
-                <a:ea typeface="+mn-lt"/>
-                <a:cs typeface="+mn-lt"/>
-              </a:rPr>
-              <a:t>Data </a:t>
-            </a:r>
-            <a:r>
-              <a:rPr lang="en-IN" sz="1000" b="1" dirty="0" smtClean="0">
-                <a:effectLst>
-                  <a:outerShdw blurRad="38100" dist="38100" dir="2700000" algn="tl">
-                    <a:srgbClr val="000000">
-                      <a:alpha val="43137"/>
-                    </a:srgbClr>
-                  </a:outerShdw>
-                </a:effectLst>
-                <a:latin typeface="Calibri"/>
-                <a:ea typeface="+mn-lt"/>
-                <a:cs typeface="+mn-lt"/>
-              </a:rPr>
-              <a:t>Collection:</a:t>
-            </a:r>
-            <a:r>
-              <a:rPr lang="en-US" sz="1000" dirty="0" smtClean="0"/>
-              <a:t>Since </a:t>
-            </a:r>
-            <a:r>
-              <a:rPr lang="en-US" sz="1000" dirty="0" err="1" smtClean="0"/>
-              <a:t>keylogger</a:t>
-            </a:r>
-            <a:r>
-              <a:rPr lang="en-US" sz="1000" dirty="0" smtClean="0"/>
-              <a:t> software records a user's every keystroke, it can capture a lot of information, such as personally identifiable information, login credentials, emails, banking info and sensitive enterprise data</a:t>
-            </a:r>
-            <a:r>
-              <a:rPr lang="en-US" sz="1000" dirty="0" smtClean="0"/>
-              <a:t>.</a:t>
-            </a:r>
-            <a:endParaRPr lang="en-US" sz="1000" dirty="0" smtClean="0">
-              <a:hlinkClick r:id="rId3"/>
-            </a:endParaRPr>
-          </a:p>
-          <a:p>
-            <a:pPr marL="305435" indent="-305435"/>
-            <a:r>
-              <a:rPr lang="en-IN" sz="1000" b="1" dirty="0" smtClean="0">
-                <a:effectLst>
-                  <a:outerShdw blurRad="38100" dist="38100" dir="2700000" algn="tl">
-                    <a:srgbClr val="000000">
-                      <a:alpha val="43137"/>
-                    </a:srgbClr>
-                  </a:outerShdw>
-                </a:effectLst>
-                <a:latin typeface="Calibri"/>
-                <a:ea typeface="+mn-lt"/>
-                <a:cs typeface="+mn-lt"/>
-              </a:rPr>
-              <a:t>Data </a:t>
-            </a:r>
-            <a:r>
-              <a:rPr lang="en-IN" sz="1000" b="1" dirty="0" err="1">
-                <a:effectLst>
-                  <a:outerShdw blurRad="38100" dist="38100" dir="2700000" algn="tl">
-                    <a:srgbClr val="000000">
-                      <a:alpha val="43137"/>
-                    </a:srgbClr>
-                  </a:outerShdw>
-                </a:effectLst>
-                <a:latin typeface="Calibri"/>
-                <a:ea typeface="+mn-lt"/>
-                <a:cs typeface="+mn-lt"/>
-              </a:rPr>
-              <a:t>Preprocessing</a:t>
-            </a:r>
-            <a:r>
-              <a:rPr lang="en-IN" sz="1000" b="1" dirty="0">
-                <a:latin typeface="Calibri"/>
-                <a:ea typeface="+mn-lt"/>
-                <a:cs typeface="+mn-lt"/>
-              </a:rPr>
-              <a:t>:</a:t>
-            </a:r>
-            <a:endParaRPr lang="en-IN" sz="1000" b="1" dirty="0">
-              <a:latin typeface="Calibri"/>
-              <a:cs typeface="Calibri"/>
-            </a:endParaRPr>
-          </a:p>
-          <a:p>
-            <a:pPr marL="629920" lvl="1" indent="-305435">
-              <a:buFont typeface="Wingdings" panose="05000000000000000000" pitchFamily="2" charset="2"/>
-              <a:buChar char="Ø"/>
-            </a:pPr>
-            <a:r>
-              <a:rPr lang="en-US" sz="1000" dirty="0" err="1" smtClean="0"/>
-              <a:t>Keylogger</a:t>
-            </a:r>
-            <a:r>
-              <a:rPr lang="en-US" sz="1000" dirty="0" smtClean="0"/>
-              <a:t> tools can either be hardware or software meant to automate the process of keystroke logging. These tools record the data sent by every keystroke into a text file to be retrieved at a later time</a:t>
-            </a:r>
-            <a:r>
-              <a:rPr lang="en-US" sz="1000" dirty="0" smtClean="0"/>
-              <a:t>.</a:t>
-            </a:r>
-          </a:p>
-          <a:p>
-            <a:pPr marL="629920" lvl="1" indent="-305435"/>
-            <a:r>
-              <a:rPr lang="en-US" sz="1000" b="1" dirty="0" smtClean="0">
-                <a:latin typeface="Calibri"/>
-                <a:cs typeface="Calibri"/>
-              </a:rPr>
-              <a:t>Machine  Learning :</a:t>
-            </a:r>
-          </a:p>
-          <a:p>
-            <a:pPr marL="629920" lvl="1" indent="-305435">
-              <a:buNone/>
-            </a:pPr>
-            <a:r>
-              <a:rPr lang="en-US" sz="1000" dirty="0" smtClean="0"/>
-              <a:t>Identifying </a:t>
-            </a:r>
-            <a:r>
-              <a:rPr lang="en-US" sz="1000" dirty="0" err="1" smtClean="0"/>
-              <a:t>keylogger</a:t>
-            </a:r>
-            <a:r>
-              <a:rPr lang="en-US" sz="1000" dirty="0" smtClean="0"/>
-              <a:t> is important to avoid data loss and sensitive information leaking. Anti-viruses can detect </a:t>
-            </a:r>
-            <a:r>
-              <a:rPr lang="en-US" sz="1000" dirty="0" err="1" smtClean="0"/>
-              <a:t>keylogger</a:t>
-            </a:r>
-            <a:r>
-              <a:rPr lang="en-US" sz="1000" dirty="0" smtClean="0"/>
-              <a:t> via heuristic and behavior analysis, but if the </a:t>
-            </a:r>
-            <a:r>
-              <a:rPr lang="en-US" sz="1000" dirty="0" err="1" smtClean="0"/>
-              <a:t>keylogger</a:t>
-            </a:r>
-            <a:r>
-              <a:rPr lang="en-US" sz="1000" dirty="0" smtClean="0"/>
-              <a:t> is not a Known threat, antivirus or anti-malware software cannot detect it as a virus. Machine learning is effective in detecting malware.</a:t>
-            </a:r>
-            <a:endParaRPr lang="en-IN" sz="1000" b="1" dirty="0">
-              <a:latin typeface="Calibri"/>
-              <a:cs typeface="Calibri"/>
-            </a:endParaRPr>
-          </a:p>
-          <a:p>
-            <a:pPr marL="305435" indent="-305435"/>
-            <a:r>
-              <a:rPr lang="en-IN" sz="1000" b="1" dirty="0">
-                <a:effectLst>
-                  <a:outerShdw blurRad="38100" dist="38100" dir="2700000" algn="tl">
-                    <a:srgbClr val="000000">
-                      <a:alpha val="43137"/>
-                    </a:srgbClr>
-                  </a:outerShdw>
-                </a:effectLst>
-                <a:latin typeface="Calibri"/>
-                <a:ea typeface="+mn-lt"/>
-                <a:cs typeface="+mn-lt"/>
-              </a:rPr>
-              <a:t>Deployment:</a:t>
-            </a:r>
-            <a:endParaRPr lang="en-IN" sz="1000" b="1" dirty="0">
-              <a:effectLst>
-                <a:outerShdw blurRad="38100" dist="38100" dir="2700000" algn="tl">
-                  <a:srgbClr val="000000">
-                    <a:alpha val="43137"/>
-                  </a:srgbClr>
-                </a:outerShdw>
-              </a:effectLst>
-              <a:latin typeface="Calibri"/>
-              <a:cs typeface="Calibri"/>
-            </a:endParaRPr>
-          </a:p>
-          <a:p>
-            <a:pPr marL="629920" lvl="1" indent="-305435">
-              <a:buFont typeface="Wingdings" panose="05000000000000000000" pitchFamily="2" charset="2"/>
-              <a:buChar char="Ø"/>
-            </a:pPr>
-            <a:r>
-              <a:rPr lang="en-US" sz="1000" dirty="0" smtClean="0"/>
-              <a:t>This type of </a:t>
-            </a:r>
-            <a:r>
-              <a:rPr lang="en-US" sz="1000" dirty="0" err="1" smtClean="0"/>
-              <a:t>keylogging</a:t>
-            </a:r>
-            <a:r>
-              <a:rPr lang="en-US" sz="1000" dirty="0" smtClean="0"/>
-              <a:t> software is typically deployed on a website rather than downloaded on a victim's computer. A hacker might use form grabbing </a:t>
-            </a:r>
-            <a:r>
-              <a:rPr lang="en-US" sz="1000" dirty="0" err="1" smtClean="0"/>
-              <a:t>keyloggers</a:t>
-            </a:r>
-            <a:r>
-              <a:rPr lang="en-US" sz="1000" dirty="0" smtClean="0"/>
-              <a:t> on a malicious website that prompts victims to enter their credentials. </a:t>
-            </a:r>
-            <a:endParaRPr lang="en-US" sz="1000" dirty="0" smtClean="0"/>
-          </a:p>
-          <a:p>
-            <a:pPr marL="629920" lvl="1" indent="-305435">
-              <a:buFont typeface="Wingdings" panose="05000000000000000000" pitchFamily="2" charset="2"/>
-              <a:buChar char="Ø"/>
-            </a:pPr>
-            <a:r>
-              <a:rPr lang="en-IN" sz="1000" b="1" dirty="0" smtClean="0">
-                <a:effectLst>
-                  <a:outerShdw blurRad="38100" dist="38100" dir="2700000" algn="tl">
-                    <a:srgbClr val="000000">
-                      <a:alpha val="43137"/>
-                    </a:srgbClr>
-                  </a:outerShdw>
-                </a:effectLst>
-                <a:latin typeface="Calibri"/>
-                <a:ea typeface="+mn-lt"/>
-                <a:cs typeface="+mn-lt"/>
-              </a:rPr>
-              <a:t>Evaluation</a:t>
-            </a:r>
-            <a:r>
-              <a:rPr lang="en-IN" sz="1000" b="1" dirty="0">
-                <a:effectLst>
-                  <a:outerShdw blurRad="38100" dist="38100" dir="2700000" algn="tl">
-                    <a:srgbClr val="000000">
-                      <a:alpha val="43137"/>
-                    </a:srgbClr>
-                  </a:outerShdw>
-                </a:effectLst>
-                <a:latin typeface="Calibri"/>
-                <a:ea typeface="+mn-lt"/>
-                <a:cs typeface="+mn-lt"/>
-              </a:rPr>
-              <a:t>:</a:t>
-            </a:r>
-            <a:endParaRPr lang="en-IN" sz="1000" b="1" dirty="0">
-              <a:effectLst>
-                <a:outerShdw blurRad="38100" dist="38100" dir="2700000" algn="tl">
-                  <a:srgbClr val="000000">
-                    <a:alpha val="43137"/>
-                  </a:srgbClr>
-                </a:outerShdw>
-              </a:effectLst>
-              <a:latin typeface="Calibri"/>
-              <a:cs typeface="Calibri"/>
-            </a:endParaRPr>
-          </a:p>
-          <a:p>
-            <a:pPr marL="629920" lvl="1" indent="-305435">
-              <a:buFont typeface="Wingdings" panose="05000000000000000000" pitchFamily="2" charset="2"/>
-              <a:buChar char="Ø"/>
-            </a:pPr>
-            <a:r>
-              <a:rPr lang="en-US" sz="1000" dirty="0" smtClean="0"/>
-              <a:t>Detection of </a:t>
-            </a:r>
-            <a:r>
-              <a:rPr lang="en-US" sz="1000" dirty="0" err="1" smtClean="0"/>
-              <a:t>Keyloggers</a:t>
-            </a:r>
-            <a:r>
-              <a:rPr lang="en-US" sz="1000" dirty="0" smtClean="0"/>
-              <a:t> is difficult because they run in hidden mode. Detection of Software </a:t>
-            </a:r>
-            <a:r>
-              <a:rPr lang="en-US" sz="1000" dirty="0" err="1" smtClean="0"/>
-              <a:t>Keyloggers</a:t>
-            </a:r>
-            <a:r>
-              <a:rPr lang="en-US" sz="1000" dirty="0" smtClean="0"/>
-              <a:t> is done using various technique namely Anti-Hook techniques, </a:t>
-            </a:r>
-            <a:r>
-              <a:rPr lang="en-US" sz="1000" dirty="0" err="1" smtClean="0"/>
-              <a:t>HoneyID</a:t>
-            </a:r>
-            <a:r>
-              <a:rPr lang="en-US" sz="1000" dirty="0" smtClean="0"/>
-              <a:t>: Spyware detection, </a:t>
-            </a:r>
-            <a:r>
-              <a:rPr lang="en-US" sz="1000" dirty="0" err="1" smtClean="0"/>
-              <a:t>bot</a:t>
-            </a:r>
-            <a:r>
-              <a:rPr lang="en-US" sz="1000" dirty="0" smtClean="0"/>
-              <a:t> detection, safe access to password protected accounts and </a:t>
-            </a:r>
-            <a:r>
-              <a:rPr lang="en-US" sz="1000" dirty="0" err="1" smtClean="0"/>
-              <a:t>dendritic</a:t>
-            </a:r>
-            <a:r>
-              <a:rPr lang="en-US" sz="1000" dirty="0" smtClean="0"/>
-              <a:t> cell </a:t>
-            </a:r>
-            <a:r>
-              <a:rPr lang="en-US" sz="1000" dirty="0" smtClean="0"/>
-              <a:t>algorithm</a:t>
-            </a:r>
-          </a:p>
-          <a:p>
-            <a:pPr marL="629920" lvl="1" indent="-305435">
-              <a:buFont typeface="Wingdings" panose="05000000000000000000" pitchFamily="2" charset="2"/>
-              <a:buChar char="Ø"/>
-            </a:pPr>
-            <a:endParaRPr lang="en-US" sz="1000" dirty="0" smtClean="0">
-              <a:ea typeface="+mn-lt"/>
-              <a:cs typeface="+mn-lt"/>
-            </a:endParaRPr>
-          </a:p>
-          <a:p>
-            <a:r>
-              <a:rPr lang="en-IN" sz="1000" dirty="0" smtClean="0">
-                <a:ea typeface="+mn-lt"/>
-                <a:cs typeface="+mn-lt"/>
-              </a:rPr>
-              <a:t>Result:</a:t>
-            </a:r>
-            <a:r>
-              <a:rPr lang="en-US" sz="1000" dirty="0" smtClean="0"/>
-              <a:t> </a:t>
-            </a:r>
-            <a:r>
-              <a:rPr lang="en-US" sz="1000" dirty="0" err="1" smtClean="0"/>
-              <a:t>Keyloggers</a:t>
-            </a:r>
-            <a:r>
-              <a:rPr lang="en-US" sz="1000" dirty="0" smtClean="0"/>
-              <a:t> are a potent threat to both individuals and enterprises, with the potential to cause significant harm if left undetected. Understanding the nature of </a:t>
-            </a:r>
-            <a:r>
-              <a:rPr lang="en-US" sz="1000" dirty="0" err="1" smtClean="0"/>
-              <a:t>keyloggers</a:t>
-            </a:r>
-            <a:r>
-              <a:rPr lang="en-US" sz="1000" dirty="0" smtClean="0"/>
-              <a:t>, their methods of infiltration, and the dangers they pose is crucial for maintaining a secure digital environment.</a:t>
-            </a:r>
-          </a:p>
-          <a:p>
-            <a:pPr>
-              <a:buNone/>
-            </a:pPr>
-            <a:endParaRPr lang="en-US" dirty="0" smtClean="0">
-              <a:hlinkClick r:id="rId4"/>
-            </a:endParaRPr>
-          </a:p>
-          <a:p>
-            <a:pPr>
-              <a:buNone/>
-            </a:pPr>
-            <a:endParaRPr lang="en-US" dirty="0" smtClean="0"/>
-          </a:p>
-          <a:p>
-            <a:pPr marL="629920" lvl="1" indent="-305435">
-              <a:buFont typeface="Wingdings" panose="05000000000000000000" pitchFamily="2" charset="2"/>
-              <a:buChar char="Ø"/>
-            </a:pPr>
-            <a:endParaRPr lang="en-IN" sz="1200" dirty="0"/>
-          </a:p>
-          <a:p>
-            <a:pPr marL="0" indent="0">
-              <a:buNone/>
-            </a:pPr>
-            <a:endParaRPr lang="en-IN" dirty="0"/>
-          </a:p>
-        </p:txBody>
-      </p:sp>
-    </p:spTree>
-    <p:extLst>
-      <p:ext uri="{BB962C8B-B14F-4D97-AF65-F5344CB8AC3E}">
-        <p14:creationId xmlns:p14="http://schemas.microsoft.com/office/powerpoint/2010/main" xmlns="" val="3210358481"/>
-      </p:ext>
-    </p:extLst>
-  </p:cSld>
-  <p:clrMapOvr>
-    <a:masterClrMapping/>
-  </p:clrMapOvr>
-</p:sld>
-</file>
-
-<file path=ppt/slides/slide5.xml><?xml version="1.0" encoding="utf-8"?>
-<p:sld xmlns:a="http://schemas.openxmlformats.org/drawingml/2006/main" xmlns:r="http://schemas.openxmlformats.org/officeDocument/2006/relationships" xmlns:p="http://schemas.openxmlformats.org/presentationml/2006/main">
-  <p:cSld>
-    <p:spTree>
-      <p:nvGrpSpPr>
-        <p:cNvPr id="1" name=""/>
-        <p:cNvGrpSpPr/>
-        <p:nvPr/>
-      </p:nvGrpSpPr>
-      <p:grpSpPr>
-        <a:xfrm>
-          <a:off x="0" y="0"/>
-          <a:ext cx="0" cy="0"/>
-          <a:chOff x="0" y="0"/>
-          <a:chExt cx="0" cy="0"/>
-        </a:xfrm>
-      </p:grpSpPr>
-      <p:sp>
-        <p:nvSpPr>
-          <p:cNvPr id="5" name="Title 4">
-            <a:extLst>
-              <a:ext uri="{FF2B5EF4-FFF2-40B4-BE49-F238E27FC236}">
-                <a16:creationId xmlns:a16="http://schemas.microsoft.com/office/drawing/2014/main" xmlns="" id="{8FBA75B4-2DD5-42EB-9397-F36BFB8BA723}"/>
-              </a:ext>
-            </a:extLst>
-          </p:cNvPr>
-          <p:cNvSpPr>
-            <a:spLocks noGrp="1"/>
-          </p:cNvSpPr>
-          <p:nvPr>
-            <p:ph type="title"/>
-          </p:nvPr>
-        </p:nvSpPr>
-        <p:spPr>
-          <a:xfrm>
-            <a:off x="581192" y="655983"/>
-            <a:ext cx="11029616" cy="795129"/>
-          </a:xfrm>
-        </p:spPr>
-        <p:txBody>
-          <a:bodyPr>
-            <a:normAutofit/>
-          </a:bodyPr>
-          <a:lstStyle/>
-          <a:p>
-            <a:r>
-              <a:rPr lang="en-US" sz="4400" b="1" dirty="0">
-                <a:solidFill>
-                  <a:schemeClr val="accent1"/>
-                </a:solidFill>
-                <a:effectLst>
-                  <a:outerShdw blurRad="38100" dist="38100" dir="2700000" algn="tl">
-                    <a:srgbClr val="000000">
-                      <a:alpha val="43137"/>
-                    </a:srgbClr>
-                  </a:outerShdw>
-                </a:effectLst>
-                <a:latin typeface="Arial"/>
-                <a:ea typeface="+mj-lt"/>
-                <a:cs typeface="Arial"/>
-              </a:rPr>
-              <a:t>System  Approach</a:t>
-            </a:r>
-            <a:endParaRPr lang="en-US" sz="4400" dirty="0">
-              <a:solidFill>
-                <a:schemeClr val="accent1"/>
-              </a:solidFill>
-              <a:effectLst>
-                <a:outerShdw blurRad="38100" dist="38100" dir="2700000" algn="tl">
-                  <a:srgbClr val="000000">
-                    <a:alpha val="43137"/>
-                  </a:srgbClr>
-                </a:outerShdw>
-              </a:effectLst>
-              <a:latin typeface="Calibri Light"/>
-              <a:cs typeface="Calibri Light"/>
-            </a:endParaRPr>
-          </a:p>
-        </p:txBody>
-      </p:sp>
-      <p:sp>
-        <p:nvSpPr>
-          <p:cNvPr id="2" name="Content Placeholder 1">
-            <a:extLst>
-              <a:ext uri="{FF2B5EF4-FFF2-40B4-BE49-F238E27FC236}">
-                <a16:creationId xmlns:a16="http://schemas.microsoft.com/office/drawing/2014/main" xmlns="" id="{C4FFAF3C-BA60-9181-132C-C36C403AAEA7}"/>
-              </a:ext>
-            </a:extLst>
-          </p:cNvPr>
-          <p:cNvSpPr>
-            <a:spLocks noGrp="1"/>
-          </p:cNvSpPr>
-          <p:nvPr>
-            <p:ph idx="1"/>
-          </p:nvPr>
-        </p:nvSpPr>
-        <p:spPr/>
-        <p:txBody>
-          <a:bodyPr/>
-          <a:lstStyle/>
-          <a:p>
-            <a:r>
-              <a:rPr lang="en-US" sz="1800" dirty="0" smtClean="0"/>
-              <a:t>Operating system: Windows 98/Me/NT/2000/XP/Vista/7/8</a:t>
-            </a:r>
-            <a:r>
-              <a:rPr lang="en-US" sz="1800" dirty="0" smtClean="0"/>
-              <a:t>.</a:t>
-            </a:r>
-            <a:endParaRPr lang="en-US" sz="1800" dirty="0" smtClean="0"/>
-          </a:p>
-          <a:p>
-            <a:r>
-              <a:rPr lang="en-US" sz="1800" dirty="0" smtClean="0"/>
-              <a:t>Pentium II processor or higher.</a:t>
-            </a:r>
-          </a:p>
-          <a:p>
-            <a:r>
-              <a:rPr lang="en-US" sz="1800" dirty="0" smtClean="0"/>
-              <a:t>512 MB RAM.</a:t>
-            </a:r>
-            <a:endParaRPr lang="en-US" sz="1800" dirty="0"/>
-          </a:p>
-        </p:txBody>
-      </p:sp>
-    </p:spTree>
-    <p:extLst>
-      <p:ext uri="{BB962C8B-B14F-4D97-AF65-F5344CB8AC3E}">
-        <p14:creationId xmlns:p14="http://schemas.microsoft.com/office/powerpoint/2010/main" xmlns="" val="3202024527"/>
-      </p:ext>
-    </p:extLst>
-  </p:cSld>
-  <p:clrMapOvr>
-    <a:masterClrMapping/>
-  </p:clrMapOvr>
-</p:sld>
-</file>
-
-<file path=ppt/slides/slide6.xml><?xml version="1.0" encoding="utf-8"?>
-<p:sld xmlns:a="http://schemas.openxmlformats.org/drawingml/2006/main" xmlns:r="http://schemas.openxmlformats.org/officeDocument/2006/relationships" xmlns:p="http://schemas.openxmlformats.org/presentationml/2006/main">
-  <p:cSld>
-    <p:spTree>
-      <p:nvGrpSpPr>
-        <p:cNvPr id="1" name=""/>
-        <p:cNvGrpSpPr/>
-        <p:nvPr/>
-      </p:nvGrpSpPr>
-      <p:grpSpPr>
-        <a:xfrm>
-          <a:off x="0" y="0"/>
-          <a:ext cx="0" cy="0"/>
-          <a:chOff x="0" y="0"/>
-          <a:chExt cx="0" cy="0"/>
-        </a:xfrm>
-      </p:grpSpPr>
-      <p:sp>
-        <p:nvSpPr>
-          <p:cNvPr id="5" name="Title 4">
-            <a:extLst>
-              <a:ext uri="{FF2B5EF4-FFF2-40B4-BE49-F238E27FC236}">
-                <a16:creationId xmlns:a16="http://schemas.microsoft.com/office/drawing/2014/main" xmlns="" id="{8FBA75B4-2DD5-42EB-9397-F36BFB8BA723}"/>
-              </a:ext>
-            </a:extLst>
-          </p:cNvPr>
-          <p:cNvSpPr>
-            <a:spLocks noGrp="1"/>
-          </p:cNvSpPr>
-          <p:nvPr>
-            <p:ph type="title"/>
-          </p:nvPr>
-        </p:nvSpPr>
-        <p:spPr/>
-        <p:txBody>
-          <a:bodyPr>
-            <a:normAutofit fontScale="90000"/>
-          </a:bodyPr>
-          <a:lstStyle/>
-          <a:p>
-            <a:r>
-              <a:rPr lang="en-US" sz="4400" b="1" dirty="0">
-                <a:solidFill>
-                  <a:schemeClr val="accent1"/>
-                </a:solidFill>
-                <a:effectLst>
-                  <a:outerShdw blurRad="38100" dist="38100" dir="2700000" algn="tl">
-                    <a:srgbClr val="000000">
-                      <a:alpha val="43137"/>
-                    </a:srgbClr>
-                  </a:outerShdw>
-                </a:effectLst>
-                <a:latin typeface="Arial"/>
-                <a:ea typeface="+mj-lt"/>
-                <a:cs typeface="Arial"/>
-              </a:rPr>
-              <a:t>Algorithm &amp; Deployment</a:t>
-            </a:r>
-            <a:endParaRPr lang="en-US" dirty="0">
-              <a:effectLst>
-                <a:outerShdw blurRad="38100" dist="38100" dir="2700000" algn="tl">
-                  <a:srgbClr val="000000">
-                    <a:alpha val="43137"/>
-                  </a:srgbClr>
-                </a:outerShdw>
-              </a:effectLst>
-            </a:endParaRPr>
-          </a:p>
-        </p:txBody>
-      </p:sp>
-      <p:sp>
-        <p:nvSpPr>
-          <p:cNvPr id="2" name="Content Placeholder 1">
-            <a:extLst>
-              <a:ext uri="{FF2B5EF4-FFF2-40B4-BE49-F238E27FC236}">
-                <a16:creationId xmlns:a16="http://schemas.microsoft.com/office/drawing/2014/main" xmlns="" id="{F7F0871F-2198-9E37-C96F-3611AA199B60}"/>
-              </a:ext>
-            </a:extLst>
-          </p:cNvPr>
-          <p:cNvSpPr>
-            <a:spLocks noGrp="1"/>
-          </p:cNvSpPr>
-          <p:nvPr>
-            <p:ph idx="1"/>
-          </p:nvPr>
-        </p:nvSpPr>
-        <p:spPr/>
-        <p:txBody>
-          <a:bodyPr/>
-          <a:lstStyle/>
-          <a:p>
-            <a:pPr>
-              <a:buFont typeface="Wingdings" panose="05000000000000000000" pitchFamily="2" charset="2"/>
-              <a:buChar char="§"/>
-            </a:pPr>
-            <a:r>
-              <a:rPr lang="en-IN" sz="1400" dirty="0">
-                <a:effectLst>
-                  <a:outerShdw blurRad="38100" dist="38100" dir="2700000" algn="tl">
-                    <a:srgbClr val="000000">
-                      <a:alpha val="43137"/>
-                    </a:srgbClr>
-                  </a:outerShdw>
-                </a:effectLst>
-                <a:ea typeface="+mn-lt"/>
-                <a:cs typeface="+mn-lt"/>
-              </a:rPr>
-              <a:t>In the Algorithm section, describe the machine learning algorithm chosen for predicting bike counts. Here's an example structure for this section:</a:t>
-            </a:r>
-            <a:endParaRPr lang="en-IN" sz="1400" dirty="0">
-              <a:effectLst>
-                <a:outerShdw blurRad="38100" dist="38100" dir="2700000" algn="tl">
-                  <a:srgbClr val="000000">
-                    <a:alpha val="43137"/>
-                  </a:srgbClr>
-                </a:outerShdw>
-              </a:effectLst>
-            </a:endParaRPr>
-          </a:p>
-          <a:p>
-            <a:pPr>
-              <a:buFont typeface="Wingdings" panose="05000000000000000000" pitchFamily="2" charset="2"/>
-              <a:buChar char="q"/>
-            </a:pPr>
-            <a:r>
-              <a:rPr lang="en-IN" sz="1600" b="1" dirty="0">
-                <a:effectLst>
-                  <a:outerShdw blurRad="38100" dist="38100" dir="2700000" algn="tl">
-                    <a:srgbClr val="000000">
-                      <a:alpha val="43137"/>
-                    </a:srgbClr>
-                  </a:outerShdw>
-                </a:effectLst>
-                <a:ea typeface="+mn-lt"/>
-                <a:cs typeface="+mn-lt"/>
-              </a:rPr>
-              <a:t>Algorithm Selection:</a:t>
-            </a:r>
-            <a:endParaRPr lang="en-IN" sz="1600" dirty="0">
-              <a:effectLst>
-                <a:outerShdw blurRad="38100" dist="38100" dir="2700000" algn="tl">
-                  <a:srgbClr val="000000">
-                    <a:alpha val="43137"/>
-                  </a:srgbClr>
-                </a:outerShdw>
-              </a:effectLst>
-            </a:endParaRPr>
-          </a:p>
-          <a:p>
-            <a:r>
-              <a:rPr lang="en-US" sz="1000" dirty="0" err="1" smtClean="0"/>
-              <a:t>Keyloggers</a:t>
-            </a:r>
-            <a:r>
-              <a:rPr lang="en-US" sz="1000" dirty="0" smtClean="0"/>
-              <a:t> are a potent threat to both individuals and enterprises, with the potential to cause significant harm if left undetected. Understanding the nature of </a:t>
-            </a:r>
-            <a:r>
-              <a:rPr lang="en-US" sz="1000" dirty="0" err="1" smtClean="0"/>
-              <a:t>keyloggers</a:t>
-            </a:r>
-            <a:r>
-              <a:rPr lang="en-US" sz="1000" dirty="0" smtClean="0"/>
-              <a:t>, their methods of infiltration, and the dangers they pose is crucial for maintaining a secure digital environment.</a:t>
-            </a:r>
-          </a:p>
-          <a:p>
-            <a:pPr>
-              <a:buFont typeface="Wingdings" panose="05000000000000000000" pitchFamily="2" charset="2"/>
-              <a:buChar char="q"/>
-            </a:pPr>
-            <a:r>
-              <a:rPr lang="en-IN" sz="1400" b="1" dirty="0" smtClean="0">
-                <a:effectLst>
-                  <a:outerShdw blurRad="38100" dist="38100" dir="2700000" algn="tl">
-                    <a:srgbClr val="000000">
-                      <a:alpha val="43137"/>
-                    </a:srgbClr>
-                  </a:outerShdw>
-                </a:effectLst>
-                <a:ea typeface="+mn-lt"/>
-                <a:cs typeface="+mn-lt"/>
-              </a:rPr>
-              <a:t>Data </a:t>
-            </a:r>
-            <a:r>
-              <a:rPr lang="en-IN" sz="1400" b="1" dirty="0">
-                <a:effectLst>
-                  <a:outerShdw blurRad="38100" dist="38100" dir="2700000" algn="tl">
-                    <a:srgbClr val="000000">
-                      <a:alpha val="43137"/>
-                    </a:srgbClr>
-                  </a:outerShdw>
-                </a:effectLst>
-                <a:ea typeface="+mn-lt"/>
-                <a:cs typeface="+mn-lt"/>
-              </a:rPr>
-              <a:t>Input:</a:t>
-            </a:r>
-            <a:endParaRPr lang="en-IN" sz="1400" dirty="0">
-              <a:effectLst>
-                <a:outerShdw blurRad="38100" dist="38100" dir="2700000" algn="tl">
-                  <a:srgbClr val="000000">
-                    <a:alpha val="43137"/>
-                  </a:srgbClr>
-                </a:outerShdw>
-              </a:effectLst>
-            </a:endParaRPr>
-          </a:p>
-          <a:p>
-            <a:pPr marL="629920" lvl="1" indent="-305435">
-              <a:buFont typeface="Wingdings" panose="05000000000000000000" pitchFamily="2" charset="2"/>
-              <a:buChar char="Ø"/>
-            </a:pPr>
-            <a:r>
-              <a:rPr lang="en-US" dirty="0" smtClean="0"/>
-              <a:t>API </a:t>
-            </a:r>
-            <a:r>
-              <a:rPr lang="en-US" dirty="0" err="1" smtClean="0"/>
-              <a:t>keyloggers</a:t>
-            </a:r>
-            <a:r>
-              <a:rPr lang="en-US" dirty="0" smtClean="0"/>
-              <a:t> quietly intercept keyboard APIs, logging each keystroke in a system file. “Form grabbing”-based </a:t>
-            </a:r>
-            <a:r>
-              <a:rPr lang="en-US" dirty="0" err="1" smtClean="0"/>
-              <a:t>keyloggers</a:t>
-            </a:r>
-            <a:r>
-              <a:rPr lang="en-US" dirty="0" smtClean="0"/>
-              <a:t> eavesdrop all text entered into website forms once you send it to the server. Data is recorded locally before it is transmitted online to the web server</a:t>
-            </a:r>
-            <a:r>
-              <a:rPr lang="en-US" dirty="0" smtClean="0"/>
-              <a:t>.</a:t>
-            </a:r>
-          </a:p>
-          <a:p>
-            <a:pPr marL="629920" lvl="1" indent="-305435">
-              <a:buFont typeface="Wingdings" panose="05000000000000000000" pitchFamily="2" charset="2"/>
-              <a:buChar char="Ø"/>
-            </a:pPr>
-            <a:r>
-              <a:rPr lang="en-IN" sz="1400" b="1" dirty="0" smtClean="0">
-                <a:effectLst>
-                  <a:outerShdw blurRad="38100" dist="38100" dir="2700000" algn="tl">
-                    <a:srgbClr val="000000">
-                      <a:alpha val="43137"/>
-                    </a:srgbClr>
-                  </a:outerShdw>
-                </a:effectLst>
-                <a:ea typeface="+mn-lt"/>
-                <a:cs typeface="+mn-lt"/>
-              </a:rPr>
-              <a:t>Training </a:t>
-            </a:r>
-            <a:r>
-              <a:rPr lang="en-IN" sz="1400" b="1" dirty="0">
-                <a:effectLst>
-                  <a:outerShdw blurRad="38100" dist="38100" dir="2700000" algn="tl">
-                    <a:srgbClr val="000000">
-                      <a:alpha val="43137"/>
-                    </a:srgbClr>
-                  </a:outerShdw>
-                </a:effectLst>
-                <a:ea typeface="+mn-lt"/>
-                <a:cs typeface="+mn-lt"/>
-              </a:rPr>
-              <a:t>Process:</a:t>
-            </a:r>
-            <a:endParaRPr lang="en-IN" sz="1400" dirty="0">
-              <a:effectLst>
-                <a:outerShdw blurRad="38100" dist="38100" dir="2700000" algn="tl">
-                  <a:srgbClr val="000000">
-                    <a:alpha val="43137"/>
-                  </a:srgbClr>
-                </a:outerShdw>
-              </a:effectLst>
-            </a:endParaRPr>
-          </a:p>
-          <a:p>
-            <a:pPr marL="629920" lvl="1" indent="-305435">
-              <a:buFont typeface="Wingdings" panose="05000000000000000000" pitchFamily="2" charset="2"/>
-              <a:buChar char="Ø"/>
-            </a:pPr>
-            <a:r>
-              <a:rPr lang="en-IN" dirty="0">
-                <a:ea typeface="+mn-lt"/>
-                <a:cs typeface="+mn-lt"/>
-              </a:rPr>
-              <a:t>Explain how the algorithm is trained using historical data. Highlight any specific considerations or techniques employed, such as cross-validation or hyperparameter tuning.</a:t>
-            </a:r>
-            <a:endParaRPr lang="en-IN" dirty="0"/>
-          </a:p>
-          <a:p>
-            <a:pPr>
-              <a:buFont typeface="Wingdings" panose="05000000000000000000" pitchFamily="2" charset="2"/>
-              <a:buChar char="q"/>
-            </a:pPr>
-            <a:r>
-              <a:rPr lang="en-IN" sz="1400" b="1" dirty="0">
-                <a:effectLst>
-                  <a:outerShdw blurRad="38100" dist="38100" dir="2700000" algn="tl">
-                    <a:srgbClr val="000000">
-                      <a:alpha val="43137"/>
-                    </a:srgbClr>
-                  </a:outerShdw>
-                </a:effectLst>
-                <a:ea typeface="+mn-lt"/>
-                <a:cs typeface="+mn-lt"/>
-              </a:rPr>
-              <a:t>Prediction Process:</a:t>
-            </a:r>
-            <a:endParaRPr lang="en-IN" sz="1400" dirty="0">
-              <a:effectLst>
-                <a:outerShdw blurRad="38100" dist="38100" dir="2700000" algn="tl">
-                  <a:srgbClr val="000000">
-                    <a:alpha val="43137"/>
-                  </a:srgbClr>
-                </a:outerShdw>
-              </a:effectLst>
-            </a:endParaRPr>
-          </a:p>
-          <a:p>
-            <a:pPr marL="629920" lvl="1" indent="-305435">
-              <a:buFont typeface="Wingdings" panose="05000000000000000000" pitchFamily="2" charset="2"/>
-              <a:buChar char="Ø"/>
-            </a:pPr>
-            <a:r>
-              <a:rPr lang="en-IN" dirty="0">
-                <a:ea typeface="+mn-lt"/>
-                <a:cs typeface="+mn-lt"/>
-              </a:rPr>
-              <a:t>Detail how the trained algorithm makes predictions for future bike counts. Discuss any real-time data inputs considered during the prediction phase.</a:t>
-            </a:r>
-            <a:endParaRPr lang="en-IN" dirty="0"/>
-          </a:p>
-          <a:p>
-            <a:pPr marL="305435" indent="-305435"/>
-            <a:endParaRPr lang="en-IN" dirty="0"/>
-          </a:p>
-        </p:txBody>
-      </p:sp>
-    </p:spTree>
-    <p:extLst>
-      <p:ext uri="{BB962C8B-B14F-4D97-AF65-F5344CB8AC3E}">
-        <p14:creationId xmlns:p14="http://schemas.microsoft.com/office/powerpoint/2010/main" xmlns="" val="4154508776"/>
-      </p:ext>
-    </p:extLst>
-  </p:cSld>
-  <p:clrMapOvr>
-    <a:masterClrMapping/>
-  </p:clrMapOvr>
-</p:sld>
-</file>
-
-<file path=ppt/slides/slide7.xml><?xml version="1.0" encoding="utf-8"?>
-<p:sld xmlns:a="http://schemas.openxmlformats.org/drawingml/2006/main" xmlns:r="http://schemas.openxmlformats.org/officeDocument/2006/relationships" xmlns:p="http://schemas.openxmlformats.org/presentationml/2006/main">
-  <p:cSld>
-    <p:spTree>
-      <p:nvGrpSpPr>
-        <p:cNvPr id="1" name=""/>
-        <p:cNvGrpSpPr/>
-        <p:nvPr/>
-      </p:nvGrpSpPr>
-      <p:grpSpPr>
-        <a:xfrm>
-          <a:off x="0" y="0"/>
-          <a:ext cx="0" cy="0"/>
-          <a:chOff x="0" y="0"/>
-          <a:chExt cx="0" cy="0"/>
-        </a:xfrm>
-      </p:grpSpPr>
-      <p:sp>
-        <p:nvSpPr>
-          <p:cNvPr id="5" name="Title 4">
-            <a:extLst>
-              <a:ext uri="{FF2B5EF4-FFF2-40B4-BE49-F238E27FC236}">
-                <a16:creationId xmlns:a16="http://schemas.microsoft.com/office/drawing/2014/main" xmlns="" id="{8FBA75B4-2DD5-42EB-9397-F36BFB8BA723}"/>
-              </a:ext>
-            </a:extLst>
-          </p:cNvPr>
-          <p:cNvSpPr>
-            <a:spLocks noGrp="1"/>
-          </p:cNvSpPr>
-          <p:nvPr>
-            <p:ph type="title"/>
-          </p:nvPr>
-        </p:nvSpPr>
-        <p:spPr>
-          <a:xfrm>
-            <a:off x="596327" y="771730"/>
-            <a:ext cx="11029616" cy="530296"/>
-          </a:xfrm>
-        </p:spPr>
-        <p:txBody>
-          <a:bodyPr>
-            <a:normAutofit fontScale="90000"/>
-          </a:bodyPr>
-          <a:lstStyle/>
-          <a:p>
-            <a:r>
-              <a:rPr lang="en-US" sz="4400" b="1" dirty="0">
-                <a:solidFill>
-                  <a:schemeClr val="accent1"/>
-                </a:solidFill>
-                <a:effectLst>
-                  <a:outerShdw blurRad="38100" dist="38100" dir="2700000" algn="tl">
-                    <a:srgbClr val="000000">
-                      <a:alpha val="43137"/>
-                    </a:srgbClr>
-                  </a:outerShdw>
-                </a:effectLst>
-                <a:latin typeface="Arial"/>
-                <a:ea typeface="+mj-lt"/>
-                <a:cs typeface="Arial"/>
-              </a:rPr>
-              <a:t>Result</a:t>
-            </a:r>
-            <a:endParaRPr lang="en-US" dirty="0">
-              <a:effectLst>
-                <a:outerShdw blurRad="38100" dist="38100" dir="2700000" algn="tl">
-                  <a:srgbClr val="000000">
-                    <a:alpha val="43137"/>
-                  </a:srgbClr>
-                </a:outerShdw>
-              </a:effectLst>
-            </a:endParaRPr>
-          </a:p>
-        </p:txBody>
-      </p:sp>
-      <p:sp>
-        <p:nvSpPr>
-          <p:cNvPr id="2" name="Content Placeholder 1">
-            <a:extLst>
-              <a:ext uri="{FF2B5EF4-FFF2-40B4-BE49-F238E27FC236}">
-                <a16:creationId xmlns:a16="http://schemas.microsoft.com/office/drawing/2014/main" xmlns="" id="{D3304455-6802-6CA9-8475-2F6DD1B8D409}"/>
-              </a:ext>
-            </a:extLst>
-          </p:cNvPr>
-          <p:cNvSpPr>
-            <a:spLocks noGrp="1"/>
-          </p:cNvSpPr>
-          <p:nvPr>
-            <p:ph idx="1"/>
-          </p:nvPr>
-        </p:nvSpPr>
-        <p:spPr/>
-        <p:txBody>
-          <a:bodyPr>
-            <a:normAutofit/>
-          </a:bodyPr>
-          <a:lstStyle/>
-          <a:p>
-            <a:r>
-              <a:rPr lang="en-US" sz="2400" dirty="0" err="1" smtClean="0"/>
-              <a:t>Keyloggers</a:t>
-            </a:r>
-            <a:r>
-              <a:rPr lang="en-US" sz="2400" dirty="0" smtClean="0"/>
-              <a:t> are a potent threat to both individuals and enterprises, with the potential to cause significant harm if left undetected. Understanding the nature of </a:t>
-            </a:r>
-            <a:r>
-              <a:rPr lang="en-US" sz="2400" dirty="0" err="1" smtClean="0"/>
-              <a:t>keyloggers</a:t>
-            </a:r>
-            <a:r>
-              <a:rPr lang="en-US" sz="2400" dirty="0" smtClean="0"/>
-              <a:t>, their methods of infiltration, and the dangers they pose is crucial for maintaining a secure digital environment.</a:t>
-            </a:r>
-            <a:endParaRPr lang="en-US" sz="2400" dirty="0" smtClean="0"/>
-          </a:p>
-        </p:txBody>
-      </p:sp>
-    </p:spTree>
-    <p:extLst>
-      <p:ext uri="{BB962C8B-B14F-4D97-AF65-F5344CB8AC3E}">
-        <p14:creationId xmlns:p14="http://schemas.microsoft.com/office/powerpoint/2010/main" xmlns="" val="1483293388"/>
-      </p:ext>
-    </p:extLst>
-  </p:cSld>
-  <p:clrMapOvr>
-    <a:masterClrMapping/>
-  </p:clrMapOvr>
-</p:sld>
-</file>
-
-<file path=ppt/slides/slide8.xml><?xml version="1.0" encoding="utf-8"?>
-<p:sld xmlns:a="http://schemas.openxmlformats.org/drawingml/2006/main" xmlns:r="http://schemas.openxmlformats.org/officeDocument/2006/relationships" xmlns:p="http://schemas.openxmlformats.org/presentationml/2006/main">
-  <p:cSld>
-    <p:spTree>
-      <p:nvGrpSpPr>
-        <p:cNvPr id="1" name=""/>
-        <p:cNvGrpSpPr/>
-        <p:nvPr/>
-      </p:nvGrpSpPr>
-      <p:grpSpPr>
-        <a:xfrm>
-          <a:off x="0" y="0"/>
-          <a:ext cx="0" cy="0"/>
-          <a:chOff x="0" y="0"/>
-          <a:chExt cx="0" cy="0"/>
-        </a:xfrm>
-      </p:grpSpPr>
-      <p:sp>
-        <p:nvSpPr>
-          <p:cNvPr id="5" name="Title 4">
-            <a:extLst>
-              <a:ext uri="{FF2B5EF4-FFF2-40B4-BE49-F238E27FC236}">
-                <a16:creationId xmlns:a16="http://schemas.microsoft.com/office/drawing/2014/main" xmlns="" id="{8FBA75B4-2DD5-42EB-9397-F36BFB8BA723}"/>
-              </a:ext>
-            </a:extLst>
-          </p:cNvPr>
-          <p:cNvSpPr>
-            <a:spLocks noGrp="1"/>
-          </p:cNvSpPr>
-          <p:nvPr>
-            <p:ph type="title"/>
-          </p:nvPr>
-        </p:nvSpPr>
-        <p:spPr/>
-        <p:txBody>
-          <a:bodyPr>
-            <a:normAutofit fontScale="90000"/>
-          </a:bodyPr>
-          <a:lstStyle/>
-          <a:p>
-            <a:r>
-              <a:rPr lang="en-US" sz="4400" b="1" dirty="0">
-                <a:solidFill>
-                  <a:schemeClr val="accent1"/>
-                </a:solidFill>
-                <a:effectLst>
-                  <a:outerShdw blurRad="38100" dist="38100" dir="2700000" algn="tl">
-                    <a:srgbClr val="000000">
-                      <a:alpha val="43137"/>
-                    </a:srgbClr>
-                  </a:outerShdw>
-                </a:effectLst>
-                <a:latin typeface="Arial"/>
-                <a:ea typeface="+mj-lt"/>
-                <a:cs typeface="Arial"/>
-              </a:rPr>
-              <a:t>Conclusion</a:t>
-            </a:r>
-            <a:endParaRPr lang="en-US" dirty="0">
-              <a:effectLst>
-                <a:outerShdw blurRad="38100" dist="38100" dir="2700000" algn="tl">
-                  <a:srgbClr val="000000">
-                    <a:alpha val="43137"/>
-                  </a:srgbClr>
-                </a:outerShdw>
-              </a:effectLst>
-            </a:endParaRPr>
-          </a:p>
-        </p:txBody>
-      </p:sp>
-      <p:sp>
-        <p:nvSpPr>
-          <p:cNvPr id="2" name="Content Placeholder 1">
-            <a:extLst>
-              <a:ext uri="{FF2B5EF4-FFF2-40B4-BE49-F238E27FC236}">
-                <a16:creationId xmlns:a16="http://schemas.microsoft.com/office/drawing/2014/main" xmlns="" id="{005E46AB-32C4-4B57-A2B1-50738A64BE1B}"/>
-              </a:ext>
-            </a:extLst>
-          </p:cNvPr>
-          <p:cNvSpPr>
-            <a:spLocks noGrp="1"/>
-          </p:cNvSpPr>
-          <p:nvPr>
-            <p:ph idx="1"/>
-          </p:nvPr>
-        </p:nvSpPr>
-        <p:spPr/>
-        <p:txBody>
-          <a:bodyPr>
-            <a:normAutofit/>
-          </a:bodyPr>
-          <a:lstStyle/>
-          <a:p>
-            <a:pPr marL="305435" indent="-305435"/>
-            <a:r>
-              <a:rPr lang="en-US" sz="2000" dirty="0" smtClean="0"/>
-              <a:t>API </a:t>
-            </a:r>
-            <a:r>
-              <a:rPr lang="en-US" sz="2000" dirty="0" err="1" smtClean="0"/>
-              <a:t>keyloggers</a:t>
-            </a:r>
-            <a:r>
-              <a:rPr lang="en-US" sz="2000" dirty="0" smtClean="0"/>
-              <a:t> quietly intercept keyboard APIs, logging each keystroke in a system file. “Form grabbing”-based </a:t>
-            </a:r>
-            <a:r>
-              <a:rPr lang="en-US" sz="2000" dirty="0" err="1" smtClean="0"/>
-              <a:t>keyloggers</a:t>
-            </a:r>
-            <a:r>
-              <a:rPr lang="en-US" sz="2000" dirty="0" smtClean="0"/>
-              <a:t>. </a:t>
-            </a:r>
-            <a:r>
-              <a:rPr lang="en-US" sz="2000" dirty="0" err="1" smtClean="0"/>
-              <a:t>Keyloggers</a:t>
-            </a:r>
-            <a:r>
-              <a:rPr lang="en-US" sz="2000" dirty="0" smtClean="0"/>
-              <a:t> are a potent threat to both individuals and enterprises, with the potential to cause significant harm if left undetected. Understanding the nature of </a:t>
-            </a:r>
-            <a:r>
-              <a:rPr lang="en-US" sz="2000" dirty="0" err="1" smtClean="0"/>
-              <a:t>keyloggers</a:t>
-            </a:r>
-            <a:r>
-              <a:rPr lang="en-US" sz="2000" dirty="0" smtClean="0"/>
-              <a:t>, their methods of infiltration, and the dangers they pose is crucial for maintaining a secure digital environment.</a:t>
-            </a:r>
-          </a:p>
-          <a:p>
-            <a:pPr marL="305435" indent="-305435"/>
-            <a:endParaRPr lang="en-IN" sz="2000" dirty="0"/>
-          </a:p>
-        </p:txBody>
-      </p:sp>
-    </p:spTree>
-    <p:extLst>
-      <p:ext uri="{BB962C8B-B14F-4D97-AF65-F5344CB8AC3E}">
-        <p14:creationId xmlns:p14="http://schemas.microsoft.com/office/powerpoint/2010/main" xmlns="" val="3183315129"/>
-      </p:ext>
-    </p:extLst>
-  </p:cSld>
-  <p:clrMapOvr>
-    <a:masterClrMapping/>
-  </p:clrMapOvr>
-</p:sld>
-</file>
-
-<file path=ppt/slides/slide9.xml><?xml version="1.0" encoding="utf-8"?>
-<p:sld xmlns:a="http://schemas.openxmlformats.org/drawingml/2006/main" xmlns:r="http://schemas.openxmlformats.org/officeDocument/2006/relationships" xmlns:p="http://schemas.openxmlformats.org/presentationml/2006/main">
-  <p:cSld>
-    <p:spTree>
-      <p:nvGrpSpPr>
-        <p:cNvPr id="1" name=""/>
-        <p:cNvGrpSpPr/>
-        <p:nvPr/>
-      </p:nvGrpSpPr>
-      <p:grpSpPr>
-        <a:xfrm>
-          <a:off x="0" y="0"/>
-          <a:ext cx="0" cy="0"/>
-          <a:chOff x="0" y="0"/>
-          <a:chExt cx="0" cy="0"/>
-        </a:xfrm>
-      </p:grpSpPr>
-      <p:sp>
-        <p:nvSpPr>
-          <p:cNvPr id="3" name="Content Placeholder 2">
-            <a:extLst>
-              <a:ext uri="{FF2B5EF4-FFF2-40B4-BE49-F238E27FC236}">
-                <a16:creationId xmlns:a16="http://schemas.microsoft.com/office/drawing/2014/main" xmlns="" id="{A6638FD1-D00E-E75B-705C-564F06D93D7B}"/>
-              </a:ext>
-            </a:extLst>
-          </p:cNvPr>
-          <p:cNvSpPr>
-            <a:spLocks noGrp="1"/>
-          </p:cNvSpPr>
-          <p:nvPr>
-            <p:ph idx="1"/>
-          </p:nvPr>
-        </p:nvSpPr>
-        <p:spPr/>
-        <p:txBody>
-          <a:bodyPr/>
-          <a:lstStyle/>
-          <a:p>
-            <a:pPr marL="0" indent="0">
-              <a:buNone/>
-            </a:pPr>
-            <a:r>
-              <a:rPr lang="en-US" sz="2000" dirty="0" err="1" smtClean="0"/>
-              <a:t>Keylogger</a:t>
-            </a:r>
-            <a:r>
-              <a:rPr lang="en-US" sz="2000" dirty="0" smtClean="0"/>
-              <a:t> </a:t>
-            </a:r>
-            <a:r>
-              <a:rPr lang="en-US" sz="2000" dirty="0" smtClean="0"/>
-              <a:t>software records a user's every keystroke, it can capture a lot of information, such as personally identifiable information, login credentials, emails, banking info and sensitive enterprise data.</a:t>
-            </a:r>
-            <a:endParaRPr lang="en-US" sz="2000" dirty="0"/>
-          </a:p>
-          <a:p>
-            <a:pPr marL="305435" indent="-305435"/>
-            <a:endParaRPr lang="en-US" dirty="0"/>
-          </a:p>
-        </p:txBody>
-      </p:sp>
-      <p:sp>
-        <p:nvSpPr>
-          <p:cNvPr id="5" name="Title 4">
-            <a:extLst>
-              <a:ext uri="{FF2B5EF4-FFF2-40B4-BE49-F238E27FC236}">
-                <a16:creationId xmlns:a16="http://schemas.microsoft.com/office/drawing/2014/main" xmlns="" id="{3F968F13-9AC4-7120-7ACD-9F752C767D5D}"/>
+                <a16:creationId xmlns="" xmlns:a16="http://schemas.microsoft.com/office/drawing/2014/main" id="{3F968F13-9AC4-7120-7ACD-9F752C767D5D}"/>
               </a:ext>
             </a:extLst>
           </p:cNvPr>
@@ -7051,7 +4987,2127 @@
     </p:spTree>
     <p:extLst>
       <p:ext uri="{BB962C8B-B14F-4D97-AF65-F5344CB8AC3E}">
-        <p14:creationId xmlns:p14="http://schemas.microsoft.com/office/powerpoint/2010/main" xmlns="" val="614882681"/>
+        <p14:creationId xmlns="" xmlns:p14="http://schemas.microsoft.com/office/powerpoint/2010/main" val="614882681"/>
+      </p:ext>
+    </p:extLst>
+  </p:cSld>
+  <p:clrMapOvr>
+    <a:masterClrMapping/>
+  </p:clrMapOvr>
+</p:sld>
+</file>
+
+<file path=ppt/slides/slide11.xml><?xml version="1.0" encoding="utf-8"?>
+<p:sld xmlns:a="http://schemas.openxmlformats.org/drawingml/2006/main" xmlns:r="http://schemas.openxmlformats.org/officeDocument/2006/relationships" xmlns:p="http://schemas.openxmlformats.org/presentationml/2006/main">
+  <p:cSld>
+    <p:spTree>
+      <p:nvGrpSpPr>
+        <p:cNvPr id="1" name=""/>
+        <p:cNvGrpSpPr/>
+        <p:nvPr/>
+      </p:nvGrpSpPr>
+      <p:grpSpPr>
+        <a:xfrm>
+          <a:off x="0" y="0"/>
+          <a:ext cx="0" cy="0"/>
+          <a:chOff x="0" y="0"/>
+          <a:chExt cx="0" cy="0"/>
+        </a:xfrm>
+      </p:grpSpPr>
+      <p:sp>
+        <p:nvSpPr>
+          <p:cNvPr id="5" name="Title 4">
+            <a:extLst>
+              <a:ext uri="{FF2B5EF4-FFF2-40B4-BE49-F238E27FC236}">
+                <a16:creationId xmlns="" xmlns:a16="http://schemas.microsoft.com/office/drawing/2014/main" id="{8FBA75B4-2DD5-42EB-9397-F36BFB8BA723}"/>
+              </a:ext>
+            </a:extLst>
+          </p:cNvPr>
+          <p:cNvSpPr>
+            <a:spLocks noGrp="1"/>
+          </p:cNvSpPr>
+          <p:nvPr>
+            <p:ph type="title"/>
+          </p:nvPr>
+        </p:nvSpPr>
+        <p:spPr>
+          <a:xfrm>
+            <a:off x="581192" y="771730"/>
+            <a:ext cx="11029616" cy="530296"/>
+          </a:xfrm>
+        </p:spPr>
+        <p:txBody>
+          <a:bodyPr>
+            <a:normAutofit fontScale="90000"/>
+          </a:bodyPr>
+          <a:lstStyle/>
+          <a:p>
+            <a:r>
+              <a:rPr lang="en-US" sz="4400" b="1" dirty="0">
+                <a:solidFill>
+                  <a:schemeClr val="accent1"/>
+                </a:solidFill>
+                <a:effectLst>
+                  <a:outerShdw blurRad="38100" dist="38100" dir="2700000" algn="tl">
+                    <a:srgbClr val="000000">
+                      <a:alpha val="43137"/>
+                    </a:srgbClr>
+                  </a:outerShdw>
+                </a:effectLst>
+                <a:latin typeface="Arial"/>
+                <a:ea typeface="+mj-lt"/>
+                <a:cs typeface="Arial"/>
+              </a:rPr>
+              <a:t>References</a:t>
+            </a:r>
+            <a:endParaRPr lang="en-US" dirty="0">
+              <a:effectLst>
+                <a:outerShdw blurRad="38100" dist="38100" dir="2700000" algn="tl">
+                  <a:srgbClr val="000000">
+                    <a:alpha val="43137"/>
+                  </a:srgbClr>
+                </a:outerShdw>
+              </a:effectLst>
+            </a:endParaRPr>
+          </a:p>
+        </p:txBody>
+      </p:sp>
+      <p:sp>
+        <p:nvSpPr>
+          <p:cNvPr id="2" name="Content Placeholder 1">
+            <a:extLst>
+              <a:ext uri="{FF2B5EF4-FFF2-40B4-BE49-F238E27FC236}">
+                <a16:creationId xmlns="" xmlns:a16="http://schemas.microsoft.com/office/drawing/2014/main" id="{357C38BC-22B3-37B2-E0C3-812020A76077}"/>
+              </a:ext>
+            </a:extLst>
+          </p:cNvPr>
+          <p:cNvSpPr>
+            <a:spLocks noGrp="1"/>
+          </p:cNvSpPr>
+          <p:nvPr>
+            <p:ph idx="1"/>
+          </p:nvPr>
+        </p:nvSpPr>
+        <p:spPr/>
+        <p:txBody>
+          <a:bodyPr>
+            <a:normAutofit/>
+          </a:bodyPr>
+          <a:lstStyle/>
+          <a:p>
+            <a:r>
+              <a:rPr lang="en-US" sz="2400" dirty="0" smtClean="0">
+                <a:hlinkClick r:id="rId2"/>
+              </a:rPr>
+              <a:t>sentinelone.com</a:t>
+            </a:r>
+          </a:p>
+          <a:p>
+            <a:r>
+              <a:rPr lang="en-US" sz="2400" dirty="0" smtClean="0">
+                <a:hlinkClick r:id="rId2"/>
+              </a:rPr>
+              <a:t>https://www.sentinelone.com › keylogger-2</a:t>
+            </a:r>
+          </a:p>
+        </p:txBody>
+      </p:sp>
+    </p:spTree>
+    <p:extLst>
+      <p:ext uri="{BB962C8B-B14F-4D97-AF65-F5344CB8AC3E}">
+        <p14:creationId xmlns="" xmlns:p14="http://schemas.microsoft.com/office/powerpoint/2010/main" val="728950222"/>
+      </p:ext>
+    </p:extLst>
+  </p:cSld>
+  <p:clrMapOvr>
+    <a:masterClrMapping/>
+  </p:clrMapOvr>
+</p:sld>
+</file>
+
+<file path=ppt/slides/slide12.xml><?xml version="1.0" encoding="utf-8"?>
+<p:sld xmlns:a="http://schemas.openxmlformats.org/drawingml/2006/main" xmlns:r="http://schemas.openxmlformats.org/officeDocument/2006/relationships" xmlns:p="http://schemas.openxmlformats.org/presentationml/2006/main">
+  <p:cSld>
+    <p:spTree>
+      <p:nvGrpSpPr>
+        <p:cNvPr id="1" name=""/>
+        <p:cNvGrpSpPr/>
+        <p:nvPr/>
+      </p:nvGrpSpPr>
+      <p:grpSpPr>
+        <a:xfrm>
+          <a:off x="0" y="0"/>
+          <a:ext cx="0" cy="0"/>
+          <a:chOff x="0" y="0"/>
+          <a:chExt cx="0" cy="0"/>
+        </a:xfrm>
+      </p:grpSpPr>
+      <p:sp>
+        <p:nvSpPr>
+          <p:cNvPr id="5" name="Title 4">
+            <a:extLst>
+              <a:ext uri="{FF2B5EF4-FFF2-40B4-BE49-F238E27FC236}">
+                <a16:creationId xmlns="" xmlns:a16="http://schemas.microsoft.com/office/drawing/2014/main" id="{8BE4CA82-64EC-4D4E-A5E5-3EBB66E7B24C}"/>
+              </a:ext>
+            </a:extLst>
+          </p:cNvPr>
+          <p:cNvSpPr>
+            <a:spLocks noGrp="1"/>
+          </p:cNvSpPr>
+          <p:nvPr>
+            <p:ph type="title"/>
+          </p:nvPr>
+        </p:nvSpPr>
+        <p:spPr>
+          <a:xfrm>
+            <a:off x="1463041" y="2766218"/>
+            <a:ext cx="9298744" cy="1325563"/>
+          </a:xfrm>
+        </p:spPr>
+        <p:txBody>
+          <a:bodyPr/>
+          <a:lstStyle/>
+          <a:p>
+            <a:pPr algn="ctr"/>
+            <a:r>
+              <a:rPr lang="en-US" b="1" dirty="0">
+                <a:solidFill>
+                  <a:srgbClr val="002060"/>
+                </a:solidFill>
+                <a:effectLst>
+                  <a:outerShdw blurRad="38100" dist="38100" dir="2700000" algn="tl">
+                    <a:srgbClr val="000000">
+                      <a:alpha val="43137"/>
+                    </a:srgbClr>
+                  </a:outerShdw>
+                </a:effectLst>
+                <a:latin typeface="Arial" panose="020B0604020202020204" pitchFamily="34" charset="0"/>
+                <a:cs typeface="Arial" panose="020B0604020202020204" pitchFamily="34" charset="0"/>
+              </a:rPr>
+              <a:t>THANK YOU</a:t>
+            </a:r>
+          </a:p>
+        </p:txBody>
+      </p:sp>
+    </p:spTree>
+    <p:extLst>
+      <p:ext uri="{BB962C8B-B14F-4D97-AF65-F5344CB8AC3E}">
+        <p14:creationId xmlns="" xmlns:p14="http://schemas.microsoft.com/office/powerpoint/2010/main" val="4066255318"/>
+      </p:ext>
+    </p:extLst>
+  </p:cSld>
+  <p:clrMapOvr>
+    <a:masterClrMapping/>
+  </p:clrMapOvr>
+</p:sld>
+</file>
+
+<file path=ppt/slides/slide2.xml><?xml version="1.0" encoding="utf-8"?>
+<p:sld xmlns:a="http://schemas.openxmlformats.org/drawingml/2006/main" xmlns:r="http://schemas.openxmlformats.org/officeDocument/2006/relationships" xmlns:p="http://schemas.openxmlformats.org/presentationml/2006/main">
+  <p:cSld>
+    <p:spTree>
+      <p:nvGrpSpPr>
+        <p:cNvPr id="1" name=""/>
+        <p:cNvGrpSpPr/>
+        <p:nvPr/>
+      </p:nvGrpSpPr>
+      <p:grpSpPr>
+        <a:xfrm>
+          <a:off x="0" y="0"/>
+          <a:ext cx="0" cy="0"/>
+          <a:chOff x="0" y="0"/>
+          <a:chExt cx="0" cy="0"/>
+        </a:xfrm>
+      </p:grpSpPr>
+      <p:sp>
+        <p:nvSpPr>
+          <p:cNvPr id="2" name="Title 1">
+            <a:extLst>
+              <a:ext uri="{FF2B5EF4-FFF2-40B4-BE49-F238E27FC236}">
+                <a16:creationId xmlns="" xmlns:a16="http://schemas.microsoft.com/office/drawing/2014/main" id="{49FFEB4C-F209-4AE7-AA2B-B3C26CE2C51D}"/>
+              </a:ext>
+            </a:extLst>
+          </p:cNvPr>
+          <p:cNvSpPr>
+            <a:spLocks noGrp="1"/>
+          </p:cNvSpPr>
+          <p:nvPr>
+            <p:ph type="title"/>
+          </p:nvPr>
+        </p:nvSpPr>
+        <p:spPr>
+          <a:xfrm>
+            <a:off x="849573" y="558468"/>
+            <a:ext cx="10515600" cy="1325563"/>
+          </a:xfrm>
+        </p:spPr>
+        <p:txBody>
+          <a:bodyPr/>
+          <a:lstStyle/>
+          <a:p>
+            <a:r>
+              <a:rPr lang="en-US" b="1" dirty="0">
+                <a:solidFill>
+                  <a:srgbClr val="002060"/>
+                </a:solidFill>
+                <a:effectLst>
+                  <a:outerShdw blurRad="38100" dist="38100" dir="2700000" algn="tl">
+                    <a:srgbClr val="000000">
+                      <a:alpha val="43137"/>
+                    </a:srgbClr>
+                  </a:outerShdw>
+                </a:effectLst>
+                <a:latin typeface="Arial" panose="020B0604020202020204" pitchFamily="34" charset="0"/>
+                <a:cs typeface="Arial" panose="020B0604020202020204" pitchFamily="34" charset="0"/>
+              </a:rPr>
+              <a:t>OUTLINE</a:t>
+            </a:r>
+          </a:p>
+        </p:txBody>
+      </p:sp>
+      <p:sp>
+        <p:nvSpPr>
+          <p:cNvPr id="3" name="Content Placeholder 2">
+            <a:extLst>
+              <a:ext uri="{FF2B5EF4-FFF2-40B4-BE49-F238E27FC236}">
+                <a16:creationId xmlns="" xmlns:a16="http://schemas.microsoft.com/office/drawing/2014/main" id="{B2678641-EEA3-4EC4-BF39-4075B0C120E8}"/>
+              </a:ext>
+            </a:extLst>
+          </p:cNvPr>
+          <p:cNvSpPr>
+            <a:spLocks noGrp="1"/>
+          </p:cNvSpPr>
+          <p:nvPr>
+            <p:ph idx="1"/>
+          </p:nvPr>
+        </p:nvSpPr>
+        <p:spPr>
+          <a:xfrm>
+            <a:off x="838200" y="1618938"/>
+            <a:ext cx="11019020" cy="5239062"/>
+          </a:xfrm>
+        </p:spPr>
+        <p:txBody>
+          <a:bodyPr vert="horz" lIns="91440" tIns="45720" rIns="91440" bIns="45720" rtlCol="0" anchor="t">
+            <a:noAutofit/>
+          </a:bodyPr>
+          <a:lstStyle/>
+          <a:p>
+            <a:pPr marL="0" indent="0">
+              <a:buNone/>
+            </a:pPr>
+            <a:r>
+              <a:rPr lang="en-US" sz="2000" b="1" dirty="0">
+                <a:latin typeface="Arial"/>
+                <a:ea typeface="+mn-lt"/>
+                <a:cs typeface="Arial"/>
+              </a:rPr>
+              <a:t>  </a:t>
+            </a:r>
+            <a:endParaRPr lang="en-US" dirty="0">
+              <a:latin typeface="Arial"/>
+              <a:cs typeface="Arial"/>
+            </a:endParaRPr>
+          </a:p>
+          <a:p>
+            <a:pPr>
+              <a:buFont typeface="Wingdings" panose="05000000000000000000" pitchFamily="2" charset="2"/>
+              <a:buChar char="Ø"/>
+            </a:pPr>
+            <a:r>
+              <a:rPr lang="en-US" sz="2000" b="1" dirty="0">
+                <a:latin typeface="Arial"/>
+                <a:ea typeface="+mn-lt"/>
+                <a:cs typeface="Arial"/>
+              </a:rPr>
+              <a:t>Problem Statement </a:t>
+            </a:r>
+            <a:r>
+              <a:rPr lang="en-US" sz="2000" dirty="0">
+                <a:latin typeface="Arial"/>
+                <a:ea typeface="+mn-lt"/>
+                <a:cs typeface="Arial"/>
+              </a:rPr>
+              <a:t>(Should not include solution)</a:t>
+            </a:r>
+            <a:endParaRPr lang="en-US" dirty="0">
+              <a:latin typeface="Arial"/>
+              <a:cs typeface="Arial"/>
+            </a:endParaRPr>
+          </a:p>
+          <a:p>
+            <a:pPr>
+              <a:buFont typeface="Wingdings" panose="05000000000000000000" pitchFamily="2" charset="2"/>
+              <a:buChar char="Ø"/>
+            </a:pPr>
+            <a:r>
+              <a:rPr lang="en-US" sz="2000" b="1" dirty="0">
+                <a:latin typeface="Arial"/>
+                <a:ea typeface="+mn-lt"/>
+                <a:cs typeface="Arial"/>
+              </a:rPr>
+              <a:t>Proposed System/Solution</a:t>
+            </a:r>
+            <a:endParaRPr lang="en-US" dirty="0">
+              <a:latin typeface="Arial"/>
+              <a:cs typeface="Arial"/>
+            </a:endParaRPr>
+          </a:p>
+          <a:p>
+            <a:pPr>
+              <a:buFont typeface="Wingdings" panose="05000000000000000000" pitchFamily="2" charset="2"/>
+              <a:buChar char="Ø"/>
+            </a:pPr>
+            <a:r>
+              <a:rPr lang="en-US" sz="2000" b="1" dirty="0">
+                <a:latin typeface="Arial"/>
+                <a:ea typeface="+mn-lt"/>
+                <a:cs typeface="Calibri"/>
+              </a:rPr>
+              <a:t>System </a:t>
+            </a:r>
+            <a:r>
+              <a:rPr lang="en-US" sz="2000" b="1" dirty="0">
+                <a:latin typeface="Arial"/>
+                <a:ea typeface="+mn-lt"/>
+                <a:cs typeface="+mn-lt"/>
+              </a:rPr>
+              <a:t>Development Approach </a:t>
+            </a:r>
+            <a:r>
+              <a:rPr lang="en-US" sz="2000" dirty="0">
+                <a:latin typeface="Arial"/>
+                <a:ea typeface="+mn-lt"/>
+                <a:cs typeface="+mn-lt"/>
+              </a:rPr>
+              <a:t>(Technology Used) </a:t>
+            </a:r>
+            <a:endParaRPr lang="en-US" dirty="0">
+              <a:latin typeface="Arial"/>
+              <a:ea typeface="+mn-lt"/>
+              <a:cs typeface="+mn-lt"/>
+            </a:endParaRPr>
+          </a:p>
+          <a:p>
+            <a:pPr>
+              <a:buFont typeface="Wingdings" panose="05000000000000000000" pitchFamily="2" charset="2"/>
+              <a:buChar char="Ø"/>
+            </a:pPr>
+            <a:r>
+              <a:rPr lang="en-US" sz="2000" b="1" dirty="0">
+                <a:latin typeface="Arial"/>
+                <a:ea typeface="+mn-lt"/>
+                <a:cs typeface="+mn-lt"/>
+              </a:rPr>
+              <a:t>Algorithm &amp; Deployment  </a:t>
+            </a:r>
+            <a:endParaRPr lang="en-US" dirty="0">
+              <a:latin typeface="Arial"/>
+              <a:cs typeface="Calibri"/>
+            </a:endParaRPr>
+          </a:p>
+          <a:p>
+            <a:pPr>
+              <a:buFont typeface="Wingdings" panose="05000000000000000000" pitchFamily="2" charset="2"/>
+              <a:buChar char="Ø"/>
+            </a:pPr>
+            <a:r>
+              <a:rPr lang="en-US" sz="2000" b="1" dirty="0">
+                <a:latin typeface="Arial"/>
+                <a:ea typeface="+mn-lt"/>
+                <a:cs typeface="Arial"/>
+              </a:rPr>
+              <a:t>Result (Output Image)</a:t>
+            </a:r>
+          </a:p>
+          <a:p>
+            <a:pPr>
+              <a:buFont typeface="Wingdings" panose="05000000000000000000" pitchFamily="2" charset="2"/>
+              <a:buChar char="Ø"/>
+            </a:pPr>
+            <a:r>
+              <a:rPr lang="en-US" sz="2000" b="1" dirty="0">
+                <a:latin typeface="Arial"/>
+                <a:ea typeface="+mn-lt"/>
+                <a:cs typeface="Arial"/>
+              </a:rPr>
+              <a:t>Conclusion</a:t>
+            </a:r>
+            <a:endParaRPr lang="en-US" dirty="0">
+              <a:latin typeface="Arial"/>
+              <a:cs typeface="Arial"/>
+            </a:endParaRPr>
+          </a:p>
+          <a:p>
+            <a:pPr>
+              <a:buFont typeface="Wingdings" panose="05000000000000000000" pitchFamily="2" charset="2"/>
+              <a:buChar char="Ø"/>
+            </a:pPr>
+            <a:r>
+              <a:rPr lang="en-US" sz="2000" b="1" dirty="0">
+                <a:latin typeface="Arial"/>
+                <a:ea typeface="+mn-lt"/>
+                <a:cs typeface="Arial"/>
+              </a:rPr>
+              <a:t>Future Scope</a:t>
+            </a:r>
+          </a:p>
+          <a:p>
+            <a:pPr>
+              <a:buFont typeface="Wingdings" panose="05000000000000000000" pitchFamily="2" charset="2"/>
+              <a:buChar char="Ø"/>
+            </a:pPr>
+            <a:r>
+              <a:rPr lang="en-US" sz="2000" b="1" dirty="0">
+                <a:latin typeface="Arial"/>
+                <a:ea typeface="+mn-lt"/>
+                <a:cs typeface="Arial"/>
+              </a:rPr>
+              <a:t>References</a:t>
+            </a:r>
+            <a:endParaRPr lang="en-US" dirty="0">
+              <a:latin typeface="Arial"/>
+              <a:cs typeface="Arial"/>
+            </a:endParaRPr>
+          </a:p>
+          <a:p>
+            <a:pPr marL="305435" indent="-305435"/>
+            <a:endParaRPr lang="en-US" dirty="0">
+              <a:latin typeface="Arial"/>
+              <a:cs typeface="Arial"/>
+            </a:endParaRPr>
+          </a:p>
+        </p:txBody>
+      </p:sp>
+    </p:spTree>
+    <p:extLst>
+      <p:ext uri="{BB962C8B-B14F-4D97-AF65-F5344CB8AC3E}">
+        <p14:creationId xmlns="" xmlns:p14="http://schemas.microsoft.com/office/powerpoint/2010/main" val="2900153716"/>
+      </p:ext>
+    </p:extLst>
+  </p:cSld>
+  <p:clrMapOvr>
+    <a:masterClrMapping/>
+  </p:clrMapOvr>
+</p:sld>
+</file>
+
+<file path=ppt/slides/slide3.xml><?xml version="1.0" encoding="utf-8"?>
+<p:sld xmlns:a="http://schemas.openxmlformats.org/drawingml/2006/main" xmlns:r="http://schemas.openxmlformats.org/officeDocument/2006/relationships" xmlns:p="http://schemas.openxmlformats.org/presentationml/2006/main">
+  <p:cSld>
+    <p:spTree>
+      <p:nvGrpSpPr>
+        <p:cNvPr id="1" name=""/>
+        <p:cNvGrpSpPr/>
+        <p:nvPr/>
+      </p:nvGrpSpPr>
+      <p:grpSpPr>
+        <a:xfrm>
+          <a:off x="0" y="0"/>
+          <a:ext cx="0" cy="0"/>
+          <a:chOff x="0" y="0"/>
+          <a:chExt cx="0" cy="0"/>
+        </a:xfrm>
+      </p:grpSpPr>
+      <p:sp>
+        <p:nvSpPr>
+          <p:cNvPr id="5" name="Title 4">
+            <a:extLst>
+              <a:ext uri="{FF2B5EF4-FFF2-40B4-BE49-F238E27FC236}">
+                <a16:creationId xmlns="" xmlns:a16="http://schemas.microsoft.com/office/drawing/2014/main" id="{8FBA75B4-2DD5-42EB-9397-F36BFB8BA723}"/>
+              </a:ext>
+            </a:extLst>
+          </p:cNvPr>
+          <p:cNvSpPr>
+            <a:spLocks noGrp="1"/>
+          </p:cNvSpPr>
+          <p:nvPr>
+            <p:ph type="title"/>
+          </p:nvPr>
+        </p:nvSpPr>
+        <p:spPr/>
+        <p:txBody>
+          <a:bodyPr>
+            <a:normAutofit fontScale="90000"/>
+          </a:bodyPr>
+          <a:lstStyle/>
+          <a:p>
+            <a:r>
+              <a:rPr lang="en-US" sz="4400" b="1" dirty="0">
+                <a:solidFill>
+                  <a:schemeClr val="accent1"/>
+                </a:solidFill>
+                <a:effectLst>
+                  <a:outerShdw blurRad="38100" dist="38100" dir="2700000" algn="tl">
+                    <a:srgbClr val="000000">
+                      <a:alpha val="43137"/>
+                    </a:srgbClr>
+                  </a:outerShdw>
+                </a:effectLst>
+                <a:latin typeface="Arial" panose="020B0604020202020204" pitchFamily="34" charset="0"/>
+                <a:cs typeface="Arial" panose="020B0604020202020204" pitchFamily="34" charset="0"/>
+              </a:rPr>
+              <a:t>Problem Statement</a:t>
+            </a:r>
+            <a:endParaRPr lang="en-US" sz="4400" dirty="0">
+              <a:effectLst>
+                <a:outerShdw blurRad="38100" dist="38100" dir="2700000" algn="tl">
+                  <a:srgbClr val="000000">
+                    <a:alpha val="43137"/>
+                  </a:srgbClr>
+                </a:outerShdw>
+              </a:effectLst>
+            </a:endParaRPr>
+          </a:p>
+        </p:txBody>
+      </p:sp>
+      <p:sp>
+        <p:nvSpPr>
+          <p:cNvPr id="2" name="Content Placeholder 1">
+            <a:extLst>
+              <a:ext uri="{FF2B5EF4-FFF2-40B4-BE49-F238E27FC236}">
+                <a16:creationId xmlns="" xmlns:a16="http://schemas.microsoft.com/office/drawing/2014/main" id="{8FEE4A9C-3F57-7DA7-91FD-715C3FB47F93}"/>
+              </a:ext>
+            </a:extLst>
+          </p:cNvPr>
+          <p:cNvSpPr>
+            <a:spLocks noGrp="1"/>
+          </p:cNvSpPr>
+          <p:nvPr>
+            <p:ph idx="1"/>
+          </p:nvPr>
+        </p:nvSpPr>
+        <p:spPr>
+          <a:xfrm>
+            <a:off x="452403" y="1237632"/>
+            <a:ext cx="11029615" cy="4673324"/>
+          </a:xfrm>
+        </p:spPr>
+        <p:txBody>
+          <a:bodyPr>
+            <a:normAutofit/>
+          </a:bodyPr>
+          <a:lstStyle/>
+          <a:p>
+            <a:pPr marL="305435" indent="-305435"/>
+            <a:r>
+              <a:rPr lang="en-US" sz="3200" dirty="0" smtClean="0"/>
+              <a:t>Problem Statement: </a:t>
+            </a:r>
+            <a:r>
+              <a:rPr lang="en-US" sz="1200" dirty="0" smtClean="0"/>
+              <a:t>In today's digital age, where </a:t>
+            </a:r>
+            <a:r>
+              <a:rPr lang="en-US" sz="1200" dirty="0" err="1" smtClean="0"/>
+              <a:t>cybersecurity</a:t>
+            </a:r>
+            <a:r>
+              <a:rPr lang="en-US" sz="1200" dirty="0" smtClean="0"/>
+              <a:t> threats loom large, one of the significant concerns is the proliferation of </a:t>
+            </a:r>
+            <a:r>
+              <a:rPr lang="en-US" sz="1200" dirty="0" err="1" smtClean="0"/>
+              <a:t>keyloggers</a:t>
+            </a:r>
+            <a:r>
+              <a:rPr lang="en-US" sz="1200" dirty="0" smtClean="0"/>
+              <a:t>, stealthy software tools designed to monitor and record keystrokes on a user's computer without their knowledge. </a:t>
+            </a:r>
+            <a:r>
+              <a:rPr lang="en-US" sz="1200" dirty="0" err="1" smtClean="0"/>
+              <a:t>Keyloggers</a:t>
+            </a:r>
+            <a:r>
+              <a:rPr lang="en-US" sz="1200" dirty="0" smtClean="0"/>
+              <a:t> pose a severe threat to individuals and organizations as they can capture sensitive information such as passwords, credit card details, and other personal data, leading to identity theft, financial loss, and privacy breaches.</a:t>
+            </a:r>
+            <a:endParaRPr lang="en-US" sz="1200" dirty="0"/>
+          </a:p>
+        </p:txBody>
+      </p:sp>
+    </p:spTree>
+    <p:extLst>
+      <p:ext uri="{BB962C8B-B14F-4D97-AF65-F5344CB8AC3E}">
+        <p14:creationId xmlns="" xmlns:p14="http://schemas.microsoft.com/office/powerpoint/2010/main" val="1186421160"/>
+      </p:ext>
+    </p:extLst>
+  </p:cSld>
+  <p:clrMapOvr>
+    <a:masterClrMapping/>
+  </p:clrMapOvr>
+</p:sld>
+</file>
+
+<file path=ppt/slides/slide4.xml><?xml version="1.0" encoding="utf-8"?>
+<p:sld xmlns:a="http://schemas.openxmlformats.org/drawingml/2006/main" xmlns:r="http://schemas.openxmlformats.org/officeDocument/2006/relationships" xmlns:p="http://schemas.openxmlformats.org/presentationml/2006/main">
+  <p:cSld>
+    <p:spTree>
+      <p:nvGrpSpPr>
+        <p:cNvPr id="1" name=""/>
+        <p:cNvGrpSpPr/>
+        <p:nvPr/>
+      </p:nvGrpSpPr>
+      <p:grpSpPr>
+        <a:xfrm>
+          <a:off x="0" y="0"/>
+          <a:ext cx="0" cy="0"/>
+          <a:chOff x="0" y="0"/>
+          <a:chExt cx="0" cy="0"/>
+        </a:xfrm>
+      </p:grpSpPr>
+      <p:sp>
+        <p:nvSpPr>
+          <p:cNvPr id="5" name="Title 4">
+            <a:extLst>
+              <a:ext uri="{FF2B5EF4-FFF2-40B4-BE49-F238E27FC236}">
+                <a16:creationId xmlns="" xmlns:a16="http://schemas.microsoft.com/office/drawing/2014/main" id="{8FBA75B4-2DD5-42EB-9397-F36BFB8BA723}"/>
+              </a:ext>
+            </a:extLst>
+          </p:cNvPr>
+          <p:cNvSpPr>
+            <a:spLocks noGrp="1"/>
+          </p:cNvSpPr>
+          <p:nvPr>
+            <p:ph type="title"/>
+          </p:nvPr>
+        </p:nvSpPr>
+        <p:spPr>
+          <a:xfrm>
+            <a:off x="733605" y="688088"/>
+            <a:ext cx="11029616" cy="530296"/>
+          </a:xfrm>
+        </p:spPr>
+        <p:txBody>
+          <a:bodyPr>
+            <a:normAutofit fontScale="90000"/>
+          </a:bodyPr>
+          <a:lstStyle/>
+          <a:p>
+            <a:r>
+              <a:rPr lang="en-US" sz="4400" b="1" dirty="0">
+                <a:solidFill>
+                  <a:schemeClr val="accent1"/>
+                </a:solidFill>
+                <a:effectLst>
+                  <a:outerShdw blurRad="38100" dist="38100" dir="2700000" algn="tl">
+                    <a:srgbClr val="000000">
+                      <a:alpha val="43137"/>
+                    </a:srgbClr>
+                  </a:outerShdw>
+                </a:effectLst>
+                <a:latin typeface="Arial" panose="020B0604020202020204" pitchFamily="34" charset="0"/>
+                <a:cs typeface="Arial" panose="020B0604020202020204" pitchFamily="34" charset="0"/>
+              </a:rPr>
+              <a:t>Proposed Solution</a:t>
+            </a:r>
+            <a:endParaRPr lang="en-US" sz="4400" dirty="0">
+              <a:effectLst>
+                <a:outerShdw blurRad="38100" dist="38100" dir="2700000" algn="tl">
+                  <a:srgbClr val="000000">
+                    <a:alpha val="43137"/>
+                  </a:srgbClr>
+                </a:outerShdw>
+              </a:effectLst>
+            </a:endParaRPr>
+          </a:p>
+        </p:txBody>
+      </p:sp>
+      <p:sp>
+        <p:nvSpPr>
+          <p:cNvPr id="2" name="Content Placeholder 1">
+            <a:extLst>
+              <a:ext uri="{FF2B5EF4-FFF2-40B4-BE49-F238E27FC236}">
+                <a16:creationId xmlns="" xmlns:a16="http://schemas.microsoft.com/office/drawing/2014/main" id="{E041FD9D-DF07-9C37-1E61-1D920E0EF1D4}"/>
+              </a:ext>
+            </a:extLst>
+          </p:cNvPr>
+          <p:cNvSpPr>
+            <a:spLocks noGrp="1"/>
+          </p:cNvSpPr>
+          <p:nvPr>
+            <p:ph idx="1"/>
+          </p:nvPr>
+        </p:nvSpPr>
+        <p:spPr>
+          <a:xfrm>
+            <a:off x="441671" y="1087378"/>
+            <a:ext cx="11613485" cy="5563973"/>
+          </a:xfrm>
+        </p:spPr>
+        <p:txBody>
+          <a:bodyPr vert="horz" lIns="91440" tIns="45720" rIns="91440" bIns="45720" rtlCol="0" anchor="ctr">
+            <a:noAutofit/>
+          </a:bodyPr>
+          <a:lstStyle/>
+          <a:p>
+            <a:pPr marL="305435" indent="-305435"/>
+            <a:endParaRPr lang="en-IN" sz="1200" b="1" dirty="0">
+              <a:latin typeface="Calibri"/>
+              <a:cs typeface="Calibri"/>
+            </a:endParaRPr>
+          </a:p>
+          <a:p>
+            <a:pPr marL="0" indent="0">
+              <a:buNone/>
+            </a:pPr>
+            <a:endParaRPr lang="en-IN" sz="1200" b="1" dirty="0" smtClean="0">
+              <a:effectLst>
+                <a:outerShdw blurRad="38100" dist="38100" dir="2700000" algn="tl">
+                  <a:srgbClr val="000000">
+                    <a:alpha val="43137"/>
+                  </a:srgbClr>
+                </a:outerShdw>
+              </a:effectLst>
+              <a:latin typeface="Calibri"/>
+              <a:ea typeface="+mn-lt"/>
+              <a:cs typeface="+mn-lt"/>
+            </a:endParaRPr>
+          </a:p>
+          <a:p>
+            <a:pPr marL="0" indent="0">
+              <a:buNone/>
+            </a:pPr>
+            <a:endParaRPr lang="en-IN" sz="1200" b="1" dirty="0" smtClean="0">
+              <a:effectLst>
+                <a:outerShdw blurRad="38100" dist="38100" dir="2700000" algn="tl">
+                  <a:srgbClr val="000000">
+                    <a:alpha val="43137"/>
+                  </a:srgbClr>
+                </a:outerShdw>
+              </a:effectLst>
+              <a:latin typeface="Calibri"/>
+              <a:ea typeface="+mn-lt"/>
+              <a:cs typeface="+mn-lt"/>
+            </a:endParaRPr>
+          </a:p>
+          <a:p>
+            <a:pPr marL="0" indent="0">
+              <a:buNone/>
+            </a:pPr>
+            <a:endParaRPr lang="en-IN" sz="1000" b="1" dirty="0" smtClean="0">
+              <a:effectLst>
+                <a:outerShdw blurRad="38100" dist="38100" dir="2700000" algn="tl">
+                  <a:srgbClr val="000000">
+                    <a:alpha val="43137"/>
+                  </a:srgbClr>
+                </a:outerShdw>
+              </a:effectLst>
+              <a:latin typeface="Calibri"/>
+              <a:ea typeface="+mn-lt"/>
+              <a:cs typeface="+mn-lt"/>
+            </a:endParaRPr>
+          </a:p>
+          <a:p>
+            <a:pPr marL="0" indent="0">
+              <a:buNone/>
+            </a:pPr>
+            <a:endParaRPr lang="en-IN" sz="1000" b="1" dirty="0" smtClean="0">
+              <a:effectLst>
+                <a:outerShdw blurRad="38100" dist="38100" dir="2700000" algn="tl">
+                  <a:srgbClr val="000000">
+                    <a:alpha val="43137"/>
+                  </a:srgbClr>
+                </a:outerShdw>
+              </a:effectLst>
+              <a:latin typeface="Calibri"/>
+              <a:ea typeface="+mn-lt"/>
+              <a:cs typeface="+mn-lt"/>
+            </a:endParaRPr>
+          </a:p>
+          <a:p>
+            <a:pPr marL="0" indent="0">
+              <a:buNone/>
+            </a:pPr>
+            <a:r>
+              <a:rPr lang="en-IN" sz="1000" b="1" dirty="0" smtClean="0">
+                <a:effectLst>
+                  <a:outerShdw blurRad="38100" dist="38100" dir="2700000" algn="tl">
+                    <a:srgbClr val="000000">
+                      <a:alpha val="43137"/>
+                    </a:srgbClr>
+                  </a:outerShdw>
+                </a:effectLst>
+                <a:latin typeface="Calibri"/>
+                <a:ea typeface="+mn-lt"/>
+                <a:cs typeface="+mn-lt"/>
+              </a:rPr>
+              <a:t>The </a:t>
+            </a:r>
+            <a:r>
+              <a:rPr lang="en-IN" sz="1000" b="1" dirty="0">
+                <a:effectLst>
+                  <a:outerShdw blurRad="38100" dist="38100" dir="2700000" algn="tl">
+                    <a:srgbClr val="000000">
+                      <a:alpha val="43137"/>
+                    </a:srgbClr>
+                  </a:outerShdw>
+                </a:effectLst>
+                <a:latin typeface="Calibri"/>
+                <a:ea typeface="+mn-lt"/>
+                <a:cs typeface="+mn-lt"/>
+              </a:rPr>
+              <a:t>proposed system aims to address the challenge of predicting the required bike count at each hour to ensure a stable supply of rental bikes. This involves leveraging data analytics and machine learning techniques to forecast demand patterns accurately. The solution will consist of the following components</a:t>
+            </a:r>
+            <a:r>
+              <a:rPr lang="en-IN" sz="1000" b="1" dirty="0">
+                <a:latin typeface="Calibri"/>
+                <a:ea typeface="+mn-lt"/>
+                <a:cs typeface="+mn-lt"/>
+              </a:rPr>
+              <a:t>:</a:t>
+            </a:r>
+            <a:endParaRPr lang="en-IN" sz="1000" b="1" dirty="0">
+              <a:latin typeface="Calibri"/>
+              <a:cs typeface="Calibri"/>
+            </a:endParaRPr>
+          </a:p>
+          <a:p>
+            <a:r>
+              <a:rPr lang="en-IN" sz="1000" b="1" dirty="0">
+                <a:effectLst>
+                  <a:outerShdw blurRad="38100" dist="38100" dir="2700000" algn="tl">
+                    <a:srgbClr val="000000">
+                      <a:alpha val="43137"/>
+                    </a:srgbClr>
+                  </a:outerShdw>
+                </a:effectLst>
+                <a:latin typeface="Calibri"/>
+                <a:ea typeface="+mn-lt"/>
+                <a:cs typeface="+mn-lt"/>
+              </a:rPr>
+              <a:t>Data </a:t>
+            </a:r>
+            <a:r>
+              <a:rPr lang="en-IN" sz="1000" b="1" dirty="0" smtClean="0">
+                <a:effectLst>
+                  <a:outerShdw blurRad="38100" dist="38100" dir="2700000" algn="tl">
+                    <a:srgbClr val="000000">
+                      <a:alpha val="43137"/>
+                    </a:srgbClr>
+                  </a:outerShdw>
+                </a:effectLst>
+                <a:latin typeface="Calibri"/>
+                <a:ea typeface="+mn-lt"/>
+                <a:cs typeface="+mn-lt"/>
+              </a:rPr>
+              <a:t>Collection:</a:t>
+            </a:r>
+            <a:r>
+              <a:rPr lang="en-US" sz="1000" dirty="0" smtClean="0"/>
+              <a:t>Since </a:t>
+            </a:r>
+            <a:r>
+              <a:rPr lang="en-US" sz="1000" dirty="0" err="1" smtClean="0"/>
+              <a:t>keylogger</a:t>
+            </a:r>
+            <a:r>
+              <a:rPr lang="en-US" sz="1000" dirty="0" smtClean="0"/>
+              <a:t> software records a user's every keystroke, it can capture a lot of information, such as personally identifiable information, login credentials, emails, banking info and sensitive enterprise data.</a:t>
+            </a:r>
+            <a:endParaRPr lang="en-US" sz="1000" dirty="0" smtClean="0">
+              <a:hlinkClick r:id="rId3"/>
+            </a:endParaRPr>
+          </a:p>
+          <a:p>
+            <a:pPr marL="305435" indent="-305435"/>
+            <a:r>
+              <a:rPr lang="en-IN" sz="1000" b="1" dirty="0" smtClean="0">
+                <a:effectLst>
+                  <a:outerShdw blurRad="38100" dist="38100" dir="2700000" algn="tl">
+                    <a:srgbClr val="000000">
+                      <a:alpha val="43137"/>
+                    </a:srgbClr>
+                  </a:outerShdw>
+                </a:effectLst>
+                <a:latin typeface="Calibri"/>
+                <a:ea typeface="+mn-lt"/>
+                <a:cs typeface="+mn-lt"/>
+              </a:rPr>
+              <a:t>Data </a:t>
+            </a:r>
+            <a:r>
+              <a:rPr lang="en-IN" sz="1000" b="1" dirty="0" err="1">
+                <a:effectLst>
+                  <a:outerShdw blurRad="38100" dist="38100" dir="2700000" algn="tl">
+                    <a:srgbClr val="000000">
+                      <a:alpha val="43137"/>
+                    </a:srgbClr>
+                  </a:outerShdw>
+                </a:effectLst>
+                <a:latin typeface="Calibri"/>
+                <a:ea typeface="+mn-lt"/>
+                <a:cs typeface="+mn-lt"/>
+              </a:rPr>
+              <a:t>Preprocessing</a:t>
+            </a:r>
+            <a:r>
+              <a:rPr lang="en-IN" sz="1000" b="1" dirty="0">
+                <a:latin typeface="Calibri"/>
+                <a:ea typeface="+mn-lt"/>
+                <a:cs typeface="+mn-lt"/>
+              </a:rPr>
+              <a:t>:</a:t>
+            </a:r>
+            <a:endParaRPr lang="en-IN" sz="1000" b="1" dirty="0">
+              <a:latin typeface="Calibri"/>
+              <a:cs typeface="Calibri"/>
+            </a:endParaRPr>
+          </a:p>
+          <a:p>
+            <a:pPr marL="629920" lvl="1" indent="-305435">
+              <a:buFont typeface="Wingdings" panose="05000000000000000000" pitchFamily="2" charset="2"/>
+              <a:buChar char="Ø"/>
+            </a:pPr>
+            <a:r>
+              <a:rPr lang="en-US" sz="1000" dirty="0" err="1" smtClean="0"/>
+              <a:t>Keylogger</a:t>
+            </a:r>
+            <a:r>
+              <a:rPr lang="en-US" sz="1000" dirty="0" smtClean="0"/>
+              <a:t> tools can either be hardware or software meant to automate the process of keystroke logging. These tools record the data sent by every keystroke into a text file to be retrieved at a later time.</a:t>
+            </a:r>
+          </a:p>
+          <a:p>
+            <a:pPr marL="629920" lvl="1" indent="-305435"/>
+            <a:r>
+              <a:rPr lang="en-US" sz="1000" b="1" dirty="0" smtClean="0">
+                <a:latin typeface="Calibri"/>
+                <a:cs typeface="Calibri"/>
+              </a:rPr>
+              <a:t>Machine  Learning :</a:t>
+            </a:r>
+          </a:p>
+          <a:p>
+            <a:pPr marL="629920" lvl="1" indent="-305435">
+              <a:buNone/>
+            </a:pPr>
+            <a:r>
+              <a:rPr lang="en-US" sz="1000" dirty="0" smtClean="0"/>
+              <a:t>Identifying </a:t>
+            </a:r>
+            <a:r>
+              <a:rPr lang="en-US" sz="1000" dirty="0" err="1" smtClean="0"/>
+              <a:t>keylogger</a:t>
+            </a:r>
+            <a:r>
+              <a:rPr lang="en-US" sz="1000" dirty="0" smtClean="0"/>
+              <a:t> is important to avoid data loss and sensitive information leaking. Anti-viruses can detect </a:t>
+            </a:r>
+            <a:r>
+              <a:rPr lang="en-US" sz="1000" dirty="0" err="1" smtClean="0"/>
+              <a:t>keylogger</a:t>
+            </a:r>
+            <a:r>
+              <a:rPr lang="en-US" sz="1000" dirty="0" smtClean="0"/>
+              <a:t> via heuristic and behavior analysis, but if the </a:t>
+            </a:r>
+            <a:r>
+              <a:rPr lang="en-US" sz="1000" dirty="0" err="1" smtClean="0"/>
+              <a:t>keylogger</a:t>
+            </a:r>
+            <a:r>
+              <a:rPr lang="en-US" sz="1000" dirty="0" smtClean="0"/>
+              <a:t> is not a Known threat, antivirus or anti-malware software cannot detect it as a virus. Machine learning is effective in detecting malware.</a:t>
+            </a:r>
+            <a:endParaRPr lang="en-IN" sz="1000" b="1" dirty="0">
+              <a:latin typeface="Calibri"/>
+              <a:cs typeface="Calibri"/>
+            </a:endParaRPr>
+          </a:p>
+          <a:p>
+            <a:pPr marL="305435" indent="-305435"/>
+            <a:r>
+              <a:rPr lang="en-IN" sz="1000" b="1" dirty="0">
+                <a:effectLst>
+                  <a:outerShdw blurRad="38100" dist="38100" dir="2700000" algn="tl">
+                    <a:srgbClr val="000000">
+                      <a:alpha val="43137"/>
+                    </a:srgbClr>
+                  </a:outerShdw>
+                </a:effectLst>
+                <a:latin typeface="Calibri"/>
+                <a:ea typeface="+mn-lt"/>
+                <a:cs typeface="+mn-lt"/>
+              </a:rPr>
+              <a:t>Deployment:</a:t>
+            </a:r>
+            <a:endParaRPr lang="en-IN" sz="1000" b="1" dirty="0">
+              <a:effectLst>
+                <a:outerShdw blurRad="38100" dist="38100" dir="2700000" algn="tl">
+                  <a:srgbClr val="000000">
+                    <a:alpha val="43137"/>
+                  </a:srgbClr>
+                </a:outerShdw>
+              </a:effectLst>
+              <a:latin typeface="Calibri"/>
+              <a:cs typeface="Calibri"/>
+            </a:endParaRPr>
+          </a:p>
+          <a:p>
+            <a:pPr marL="629920" lvl="1" indent="-305435">
+              <a:buFont typeface="Wingdings" panose="05000000000000000000" pitchFamily="2" charset="2"/>
+              <a:buChar char="Ø"/>
+            </a:pPr>
+            <a:r>
+              <a:rPr lang="en-US" sz="1000" dirty="0" smtClean="0"/>
+              <a:t>This type of </a:t>
+            </a:r>
+            <a:r>
+              <a:rPr lang="en-US" sz="1000" dirty="0" err="1" smtClean="0"/>
+              <a:t>keylogging</a:t>
+            </a:r>
+            <a:r>
+              <a:rPr lang="en-US" sz="1000" dirty="0" smtClean="0"/>
+              <a:t> software is typically deployed on a website rather than downloaded on a victim's computer. A hacker might use form grabbing </a:t>
+            </a:r>
+            <a:r>
+              <a:rPr lang="en-US" sz="1000" dirty="0" err="1" smtClean="0"/>
+              <a:t>keyloggers</a:t>
+            </a:r>
+            <a:r>
+              <a:rPr lang="en-US" sz="1000" dirty="0" smtClean="0"/>
+              <a:t> on a malicious website that prompts victims to enter their credentials. </a:t>
+            </a:r>
+          </a:p>
+          <a:p>
+            <a:pPr marL="629920" lvl="1" indent="-305435">
+              <a:buFont typeface="Wingdings" panose="05000000000000000000" pitchFamily="2" charset="2"/>
+              <a:buChar char="Ø"/>
+            </a:pPr>
+            <a:r>
+              <a:rPr lang="en-IN" sz="1000" b="1" dirty="0" smtClean="0">
+                <a:effectLst>
+                  <a:outerShdw blurRad="38100" dist="38100" dir="2700000" algn="tl">
+                    <a:srgbClr val="000000">
+                      <a:alpha val="43137"/>
+                    </a:srgbClr>
+                  </a:outerShdw>
+                </a:effectLst>
+                <a:latin typeface="Calibri"/>
+                <a:ea typeface="+mn-lt"/>
+                <a:cs typeface="+mn-lt"/>
+              </a:rPr>
+              <a:t>Evaluation</a:t>
+            </a:r>
+            <a:r>
+              <a:rPr lang="en-IN" sz="1000" b="1" dirty="0">
+                <a:effectLst>
+                  <a:outerShdw blurRad="38100" dist="38100" dir="2700000" algn="tl">
+                    <a:srgbClr val="000000">
+                      <a:alpha val="43137"/>
+                    </a:srgbClr>
+                  </a:outerShdw>
+                </a:effectLst>
+                <a:latin typeface="Calibri"/>
+                <a:ea typeface="+mn-lt"/>
+                <a:cs typeface="+mn-lt"/>
+              </a:rPr>
+              <a:t>:</a:t>
+            </a:r>
+            <a:endParaRPr lang="en-IN" sz="1000" b="1" dirty="0">
+              <a:effectLst>
+                <a:outerShdw blurRad="38100" dist="38100" dir="2700000" algn="tl">
+                  <a:srgbClr val="000000">
+                    <a:alpha val="43137"/>
+                  </a:srgbClr>
+                </a:outerShdw>
+              </a:effectLst>
+              <a:latin typeface="Calibri"/>
+              <a:cs typeface="Calibri"/>
+            </a:endParaRPr>
+          </a:p>
+          <a:p>
+            <a:pPr marL="629920" lvl="1" indent="-305435">
+              <a:buFont typeface="Wingdings" panose="05000000000000000000" pitchFamily="2" charset="2"/>
+              <a:buChar char="Ø"/>
+            </a:pPr>
+            <a:r>
+              <a:rPr lang="en-US" sz="1000" dirty="0" smtClean="0"/>
+              <a:t>Detection of </a:t>
+            </a:r>
+            <a:r>
+              <a:rPr lang="en-US" sz="1000" dirty="0" err="1" smtClean="0"/>
+              <a:t>Keyloggers</a:t>
+            </a:r>
+            <a:r>
+              <a:rPr lang="en-US" sz="1000" dirty="0" smtClean="0"/>
+              <a:t> is difficult because they run in hidden mode. Detection of Software </a:t>
+            </a:r>
+            <a:r>
+              <a:rPr lang="en-US" sz="1000" dirty="0" err="1" smtClean="0"/>
+              <a:t>Keyloggers</a:t>
+            </a:r>
+            <a:r>
+              <a:rPr lang="en-US" sz="1000" dirty="0" smtClean="0"/>
+              <a:t> is done using various technique namely Anti-Hook techniques, </a:t>
+            </a:r>
+            <a:r>
+              <a:rPr lang="en-US" sz="1000" dirty="0" err="1" smtClean="0"/>
+              <a:t>HoneyID</a:t>
+            </a:r>
+            <a:r>
+              <a:rPr lang="en-US" sz="1000" dirty="0" smtClean="0"/>
+              <a:t>: Spyware detection, </a:t>
+            </a:r>
+            <a:r>
+              <a:rPr lang="en-US" sz="1000" dirty="0" err="1" smtClean="0"/>
+              <a:t>bot</a:t>
+            </a:r>
+            <a:r>
+              <a:rPr lang="en-US" sz="1000" dirty="0" smtClean="0"/>
+              <a:t> detection, safe access to password protected accounts and </a:t>
+            </a:r>
+            <a:r>
+              <a:rPr lang="en-US" sz="1000" dirty="0" err="1" smtClean="0"/>
+              <a:t>dendritic</a:t>
+            </a:r>
+            <a:r>
+              <a:rPr lang="en-US" sz="1000" dirty="0" smtClean="0"/>
+              <a:t> cell algorithm</a:t>
+            </a:r>
+          </a:p>
+          <a:p>
+            <a:pPr marL="629920" lvl="1" indent="-305435">
+              <a:buFont typeface="Wingdings" panose="05000000000000000000" pitchFamily="2" charset="2"/>
+              <a:buChar char="Ø"/>
+            </a:pPr>
+            <a:endParaRPr lang="en-US" sz="1000" dirty="0" smtClean="0">
+              <a:ea typeface="+mn-lt"/>
+              <a:cs typeface="+mn-lt"/>
+            </a:endParaRPr>
+          </a:p>
+          <a:p>
+            <a:r>
+              <a:rPr lang="en-IN" sz="1000" dirty="0" smtClean="0">
+                <a:ea typeface="+mn-lt"/>
+                <a:cs typeface="+mn-lt"/>
+              </a:rPr>
+              <a:t>Result:</a:t>
+            </a:r>
+            <a:r>
+              <a:rPr lang="en-US" sz="1000" dirty="0" smtClean="0"/>
+              <a:t> </a:t>
+            </a:r>
+            <a:r>
+              <a:rPr lang="en-US" sz="1000" dirty="0" err="1" smtClean="0"/>
+              <a:t>Keyloggers</a:t>
+            </a:r>
+            <a:r>
+              <a:rPr lang="en-US" sz="1000" dirty="0" smtClean="0"/>
+              <a:t> are a potent threat to both individuals and enterprises, with the potential to cause significant harm if left undetected. Understanding the nature of </a:t>
+            </a:r>
+            <a:r>
+              <a:rPr lang="en-US" sz="1000" dirty="0" err="1" smtClean="0"/>
+              <a:t>keyloggers</a:t>
+            </a:r>
+            <a:r>
+              <a:rPr lang="en-US" sz="1000" dirty="0" smtClean="0"/>
+              <a:t>, their methods of infiltration, and the dangers they pose is crucial for maintaining a secure digital environment.</a:t>
+            </a:r>
+          </a:p>
+          <a:p>
+            <a:pPr>
+              <a:buNone/>
+            </a:pPr>
+            <a:endParaRPr lang="en-US" dirty="0" smtClean="0">
+              <a:hlinkClick r:id="rId4"/>
+            </a:endParaRPr>
+          </a:p>
+          <a:p>
+            <a:pPr>
+              <a:buNone/>
+            </a:pPr>
+            <a:endParaRPr lang="en-US" dirty="0" smtClean="0"/>
+          </a:p>
+          <a:p>
+            <a:pPr marL="629920" lvl="1" indent="-305435">
+              <a:buFont typeface="Wingdings" panose="05000000000000000000" pitchFamily="2" charset="2"/>
+              <a:buChar char="Ø"/>
+            </a:pPr>
+            <a:endParaRPr lang="en-IN" sz="1200" dirty="0"/>
+          </a:p>
+          <a:p>
+            <a:pPr marL="0" indent="0">
+              <a:buNone/>
+            </a:pPr>
+            <a:endParaRPr lang="en-IN" dirty="0"/>
+          </a:p>
+        </p:txBody>
+      </p:sp>
+    </p:spTree>
+    <p:extLst>
+      <p:ext uri="{BB962C8B-B14F-4D97-AF65-F5344CB8AC3E}">
+        <p14:creationId xmlns="" xmlns:p14="http://schemas.microsoft.com/office/powerpoint/2010/main" val="3210358481"/>
+      </p:ext>
+    </p:extLst>
+  </p:cSld>
+  <p:clrMapOvr>
+    <a:masterClrMapping/>
+  </p:clrMapOvr>
+</p:sld>
+</file>
+
+<file path=ppt/slides/slide5.xml><?xml version="1.0" encoding="utf-8"?>
+<p:sld xmlns:a="http://schemas.openxmlformats.org/drawingml/2006/main" xmlns:r="http://schemas.openxmlformats.org/officeDocument/2006/relationships" xmlns:p="http://schemas.openxmlformats.org/presentationml/2006/main">
+  <p:cSld>
+    <p:spTree>
+      <p:nvGrpSpPr>
+        <p:cNvPr id="1" name=""/>
+        <p:cNvGrpSpPr/>
+        <p:nvPr/>
+      </p:nvGrpSpPr>
+      <p:grpSpPr>
+        <a:xfrm>
+          <a:off x="0" y="0"/>
+          <a:ext cx="0" cy="0"/>
+          <a:chOff x="0" y="0"/>
+          <a:chExt cx="0" cy="0"/>
+        </a:xfrm>
+      </p:grpSpPr>
+      <p:sp>
+        <p:nvSpPr>
+          <p:cNvPr id="5" name="Title 4">
+            <a:extLst>
+              <a:ext uri="{FF2B5EF4-FFF2-40B4-BE49-F238E27FC236}">
+                <a16:creationId xmlns="" xmlns:a16="http://schemas.microsoft.com/office/drawing/2014/main" id="{8FBA75B4-2DD5-42EB-9397-F36BFB8BA723}"/>
+              </a:ext>
+            </a:extLst>
+          </p:cNvPr>
+          <p:cNvSpPr>
+            <a:spLocks noGrp="1"/>
+          </p:cNvSpPr>
+          <p:nvPr>
+            <p:ph type="title"/>
+          </p:nvPr>
+        </p:nvSpPr>
+        <p:spPr>
+          <a:xfrm>
+            <a:off x="581192" y="655983"/>
+            <a:ext cx="11029616" cy="795129"/>
+          </a:xfrm>
+        </p:spPr>
+        <p:txBody>
+          <a:bodyPr>
+            <a:normAutofit/>
+          </a:bodyPr>
+          <a:lstStyle/>
+          <a:p>
+            <a:r>
+              <a:rPr lang="en-US" sz="4400" b="1" dirty="0">
+                <a:solidFill>
+                  <a:schemeClr val="accent1"/>
+                </a:solidFill>
+                <a:effectLst>
+                  <a:outerShdw blurRad="38100" dist="38100" dir="2700000" algn="tl">
+                    <a:srgbClr val="000000">
+                      <a:alpha val="43137"/>
+                    </a:srgbClr>
+                  </a:outerShdw>
+                </a:effectLst>
+                <a:latin typeface="Arial"/>
+                <a:ea typeface="+mj-lt"/>
+                <a:cs typeface="Arial"/>
+              </a:rPr>
+              <a:t>System  Approach</a:t>
+            </a:r>
+            <a:endParaRPr lang="en-US" sz="4400" dirty="0">
+              <a:solidFill>
+                <a:schemeClr val="accent1"/>
+              </a:solidFill>
+              <a:effectLst>
+                <a:outerShdw blurRad="38100" dist="38100" dir="2700000" algn="tl">
+                  <a:srgbClr val="000000">
+                    <a:alpha val="43137"/>
+                  </a:srgbClr>
+                </a:outerShdw>
+              </a:effectLst>
+              <a:latin typeface="Calibri Light"/>
+              <a:cs typeface="Calibri Light"/>
+            </a:endParaRPr>
+          </a:p>
+        </p:txBody>
+      </p:sp>
+      <p:sp>
+        <p:nvSpPr>
+          <p:cNvPr id="2" name="Content Placeholder 1">
+            <a:extLst>
+              <a:ext uri="{FF2B5EF4-FFF2-40B4-BE49-F238E27FC236}">
+                <a16:creationId xmlns="" xmlns:a16="http://schemas.microsoft.com/office/drawing/2014/main" id="{C4FFAF3C-BA60-9181-132C-C36C403AAEA7}"/>
+              </a:ext>
+            </a:extLst>
+          </p:cNvPr>
+          <p:cNvSpPr>
+            <a:spLocks noGrp="1"/>
+          </p:cNvSpPr>
+          <p:nvPr>
+            <p:ph idx="1"/>
+          </p:nvPr>
+        </p:nvSpPr>
+        <p:spPr/>
+        <p:txBody>
+          <a:bodyPr/>
+          <a:lstStyle/>
+          <a:p>
+            <a:r>
+              <a:rPr lang="en-US" sz="1800" dirty="0" smtClean="0"/>
+              <a:t>Operating system: Windows 98/Me/NT/2000/XP/Vista/7/8.</a:t>
+            </a:r>
+          </a:p>
+          <a:p>
+            <a:r>
+              <a:rPr lang="en-US" sz="1800" dirty="0" smtClean="0"/>
+              <a:t>Pentium II processor or higher.</a:t>
+            </a:r>
+          </a:p>
+          <a:p>
+            <a:r>
+              <a:rPr lang="en-US" sz="1800" dirty="0" smtClean="0"/>
+              <a:t>512 MB RAM.</a:t>
+            </a:r>
+            <a:endParaRPr lang="en-US" sz="1800" dirty="0"/>
+          </a:p>
+        </p:txBody>
+      </p:sp>
+    </p:spTree>
+    <p:extLst>
+      <p:ext uri="{BB962C8B-B14F-4D97-AF65-F5344CB8AC3E}">
+        <p14:creationId xmlns="" xmlns:p14="http://schemas.microsoft.com/office/powerpoint/2010/main" val="3202024527"/>
+      </p:ext>
+    </p:extLst>
+  </p:cSld>
+  <p:clrMapOvr>
+    <a:masterClrMapping/>
+  </p:clrMapOvr>
+</p:sld>
+</file>
+
+<file path=ppt/slides/slide6.xml><?xml version="1.0" encoding="utf-8"?>
+<p:sld xmlns:a="http://schemas.openxmlformats.org/drawingml/2006/main" xmlns:r="http://schemas.openxmlformats.org/officeDocument/2006/relationships" xmlns:p="http://schemas.openxmlformats.org/presentationml/2006/main">
+  <p:cSld>
+    <p:spTree>
+      <p:nvGrpSpPr>
+        <p:cNvPr id="1" name=""/>
+        <p:cNvGrpSpPr/>
+        <p:nvPr/>
+      </p:nvGrpSpPr>
+      <p:grpSpPr>
+        <a:xfrm>
+          <a:off x="0" y="0"/>
+          <a:ext cx="0" cy="0"/>
+          <a:chOff x="0" y="0"/>
+          <a:chExt cx="0" cy="0"/>
+        </a:xfrm>
+      </p:grpSpPr>
+      <p:sp>
+        <p:nvSpPr>
+          <p:cNvPr id="5" name="Title 4">
+            <a:extLst>
+              <a:ext uri="{FF2B5EF4-FFF2-40B4-BE49-F238E27FC236}">
+                <a16:creationId xmlns="" xmlns:a16="http://schemas.microsoft.com/office/drawing/2014/main" id="{8FBA75B4-2DD5-42EB-9397-F36BFB8BA723}"/>
+              </a:ext>
+            </a:extLst>
+          </p:cNvPr>
+          <p:cNvSpPr>
+            <a:spLocks noGrp="1"/>
+          </p:cNvSpPr>
+          <p:nvPr>
+            <p:ph type="title"/>
+          </p:nvPr>
+        </p:nvSpPr>
+        <p:spPr/>
+        <p:txBody>
+          <a:bodyPr>
+            <a:normAutofit fontScale="90000"/>
+          </a:bodyPr>
+          <a:lstStyle/>
+          <a:p>
+            <a:r>
+              <a:rPr lang="en-US" sz="4400" b="1" dirty="0">
+                <a:solidFill>
+                  <a:schemeClr val="accent1"/>
+                </a:solidFill>
+                <a:effectLst>
+                  <a:outerShdw blurRad="38100" dist="38100" dir="2700000" algn="tl">
+                    <a:srgbClr val="000000">
+                      <a:alpha val="43137"/>
+                    </a:srgbClr>
+                  </a:outerShdw>
+                </a:effectLst>
+                <a:latin typeface="Arial"/>
+                <a:ea typeface="+mj-lt"/>
+                <a:cs typeface="Arial"/>
+              </a:rPr>
+              <a:t>Algorithm &amp; Deployment</a:t>
+            </a:r>
+            <a:endParaRPr lang="en-US" dirty="0">
+              <a:effectLst>
+                <a:outerShdw blurRad="38100" dist="38100" dir="2700000" algn="tl">
+                  <a:srgbClr val="000000">
+                    <a:alpha val="43137"/>
+                  </a:srgbClr>
+                </a:outerShdw>
+              </a:effectLst>
+            </a:endParaRPr>
+          </a:p>
+        </p:txBody>
+      </p:sp>
+      <p:sp>
+        <p:nvSpPr>
+          <p:cNvPr id="2" name="Content Placeholder 1">
+            <a:extLst>
+              <a:ext uri="{FF2B5EF4-FFF2-40B4-BE49-F238E27FC236}">
+                <a16:creationId xmlns="" xmlns:a16="http://schemas.microsoft.com/office/drawing/2014/main" id="{F7F0871F-2198-9E37-C96F-3611AA199B60}"/>
+              </a:ext>
+            </a:extLst>
+          </p:cNvPr>
+          <p:cNvSpPr>
+            <a:spLocks noGrp="1"/>
+          </p:cNvSpPr>
+          <p:nvPr>
+            <p:ph idx="1"/>
+          </p:nvPr>
+        </p:nvSpPr>
+        <p:spPr/>
+        <p:txBody>
+          <a:bodyPr/>
+          <a:lstStyle/>
+          <a:p>
+            <a:pPr>
+              <a:buFont typeface="Wingdings" panose="05000000000000000000" pitchFamily="2" charset="2"/>
+              <a:buChar char="§"/>
+            </a:pPr>
+            <a:r>
+              <a:rPr lang="en-IN" sz="1400" dirty="0">
+                <a:effectLst>
+                  <a:outerShdw blurRad="38100" dist="38100" dir="2700000" algn="tl">
+                    <a:srgbClr val="000000">
+                      <a:alpha val="43137"/>
+                    </a:srgbClr>
+                  </a:outerShdw>
+                </a:effectLst>
+                <a:ea typeface="+mn-lt"/>
+                <a:cs typeface="+mn-lt"/>
+              </a:rPr>
+              <a:t>In the Algorithm section, describe the machine learning algorithm chosen for predicting bike counts. Here's an example structure for this section:</a:t>
+            </a:r>
+            <a:endParaRPr lang="en-IN" sz="1400" dirty="0">
+              <a:effectLst>
+                <a:outerShdw blurRad="38100" dist="38100" dir="2700000" algn="tl">
+                  <a:srgbClr val="000000">
+                    <a:alpha val="43137"/>
+                  </a:srgbClr>
+                </a:outerShdw>
+              </a:effectLst>
+            </a:endParaRPr>
+          </a:p>
+          <a:p>
+            <a:pPr>
+              <a:buFont typeface="Wingdings" panose="05000000000000000000" pitchFamily="2" charset="2"/>
+              <a:buChar char="q"/>
+            </a:pPr>
+            <a:r>
+              <a:rPr lang="en-IN" sz="1600" b="1" dirty="0">
+                <a:effectLst>
+                  <a:outerShdw blurRad="38100" dist="38100" dir="2700000" algn="tl">
+                    <a:srgbClr val="000000">
+                      <a:alpha val="43137"/>
+                    </a:srgbClr>
+                  </a:outerShdw>
+                </a:effectLst>
+                <a:ea typeface="+mn-lt"/>
+                <a:cs typeface="+mn-lt"/>
+              </a:rPr>
+              <a:t>Algorithm Selection:</a:t>
+            </a:r>
+            <a:endParaRPr lang="en-IN" sz="1600" dirty="0">
+              <a:effectLst>
+                <a:outerShdw blurRad="38100" dist="38100" dir="2700000" algn="tl">
+                  <a:srgbClr val="000000">
+                    <a:alpha val="43137"/>
+                  </a:srgbClr>
+                </a:outerShdw>
+              </a:effectLst>
+            </a:endParaRPr>
+          </a:p>
+          <a:p>
+            <a:r>
+              <a:rPr lang="en-US" sz="1000" dirty="0" err="1" smtClean="0"/>
+              <a:t>Keyloggers</a:t>
+            </a:r>
+            <a:r>
+              <a:rPr lang="en-US" sz="1000" dirty="0" smtClean="0"/>
+              <a:t> are a potent threat to both individuals and enterprises, with the potential to cause significant harm if left undetected. Understanding the nature of </a:t>
+            </a:r>
+            <a:r>
+              <a:rPr lang="en-US" sz="1000" dirty="0" err="1" smtClean="0"/>
+              <a:t>keyloggers</a:t>
+            </a:r>
+            <a:r>
+              <a:rPr lang="en-US" sz="1000" dirty="0" smtClean="0"/>
+              <a:t>, their methods of infiltration, and the dangers they pose is crucial for maintaining a secure digital environment.</a:t>
+            </a:r>
+          </a:p>
+          <a:p>
+            <a:pPr>
+              <a:buFont typeface="Wingdings" panose="05000000000000000000" pitchFamily="2" charset="2"/>
+              <a:buChar char="q"/>
+            </a:pPr>
+            <a:r>
+              <a:rPr lang="en-IN" sz="1400" b="1" dirty="0" smtClean="0">
+                <a:effectLst>
+                  <a:outerShdw blurRad="38100" dist="38100" dir="2700000" algn="tl">
+                    <a:srgbClr val="000000">
+                      <a:alpha val="43137"/>
+                    </a:srgbClr>
+                  </a:outerShdw>
+                </a:effectLst>
+                <a:ea typeface="+mn-lt"/>
+                <a:cs typeface="+mn-lt"/>
+              </a:rPr>
+              <a:t>Data </a:t>
+            </a:r>
+            <a:r>
+              <a:rPr lang="en-IN" sz="1400" b="1" dirty="0">
+                <a:effectLst>
+                  <a:outerShdw blurRad="38100" dist="38100" dir="2700000" algn="tl">
+                    <a:srgbClr val="000000">
+                      <a:alpha val="43137"/>
+                    </a:srgbClr>
+                  </a:outerShdw>
+                </a:effectLst>
+                <a:ea typeface="+mn-lt"/>
+                <a:cs typeface="+mn-lt"/>
+              </a:rPr>
+              <a:t>Input:</a:t>
+            </a:r>
+            <a:endParaRPr lang="en-IN" sz="1400" dirty="0">
+              <a:effectLst>
+                <a:outerShdw blurRad="38100" dist="38100" dir="2700000" algn="tl">
+                  <a:srgbClr val="000000">
+                    <a:alpha val="43137"/>
+                  </a:srgbClr>
+                </a:outerShdw>
+              </a:effectLst>
+            </a:endParaRPr>
+          </a:p>
+          <a:p>
+            <a:pPr marL="629920" lvl="1" indent="-305435">
+              <a:buFont typeface="Wingdings" panose="05000000000000000000" pitchFamily="2" charset="2"/>
+              <a:buChar char="Ø"/>
+            </a:pPr>
+            <a:r>
+              <a:rPr lang="en-US" dirty="0" smtClean="0"/>
+              <a:t>API </a:t>
+            </a:r>
+            <a:r>
+              <a:rPr lang="en-US" dirty="0" err="1" smtClean="0"/>
+              <a:t>keyloggers</a:t>
+            </a:r>
+            <a:r>
+              <a:rPr lang="en-US" dirty="0" smtClean="0"/>
+              <a:t> quietly intercept keyboard APIs, logging each keystroke in a system file. “Form grabbing”-based </a:t>
+            </a:r>
+            <a:r>
+              <a:rPr lang="en-US" dirty="0" err="1" smtClean="0"/>
+              <a:t>keyloggers</a:t>
+            </a:r>
+            <a:r>
+              <a:rPr lang="en-US" dirty="0" smtClean="0"/>
+              <a:t> eavesdrop all text entered into website forms once you send it to the server. Data is recorded locally before it is transmitted online to the web server.</a:t>
+            </a:r>
+          </a:p>
+          <a:p>
+            <a:pPr marL="629920" lvl="1" indent="-305435">
+              <a:buFont typeface="Wingdings" panose="05000000000000000000" pitchFamily="2" charset="2"/>
+              <a:buChar char="Ø"/>
+            </a:pPr>
+            <a:r>
+              <a:rPr lang="en-IN" sz="1400" b="1" dirty="0" smtClean="0">
+                <a:effectLst>
+                  <a:outerShdw blurRad="38100" dist="38100" dir="2700000" algn="tl">
+                    <a:srgbClr val="000000">
+                      <a:alpha val="43137"/>
+                    </a:srgbClr>
+                  </a:outerShdw>
+                </a:effectLst>
+                <a:ea typeface="+mn-lt"/>
+                <a:cs typeface="+mn-lt"/>
+              </a:rPr>
+              <a:t>Training </a:t>
+            </a:r>
+            <a:r>
+              <a:rPr lang="en-IN" sz="1400" b="1" dirty="0">
+                <a:effectLst>
+                  <a:outerShdw blurRad="38100" dist="38100" dir="2700000" algn="tl">
+                    <a:srgbClr val="000000">
+                      <a:alpha val="43137"/>
+                    </a:srgbClr>
+                  </a:outerShdw>
+                </a:effectLst>
+                <a:ea typeface="+mn-lt"/>
+                <a:cs typeface="+mn-lt"/>
+              </a:rPr>
+              <a:t>Process:</a:t>
+            </a:r>
+            <a:endParaRPr lang="en-IN" sz="1400" dirty="0">
+              <a:effectLst>
+                <a:outerShdw blurRad="38100" dist="38100" dir="2700000" algn="tl">
+                  <a:srgbClr val="000000">
+                    <a:alpha val="43137"/>
+                  </a:srgbClr>
+                </a:outerShdw>
+              </a:effectLst>
+            </a:endParaRPr>
+          </a:p>
+          <a:p>
+            <a:pPr marL="629920" lvl="1" indent="-305435">
+              <a:buFont typeface="Wingdings" panose="05000000000000000000" pitchFamily="2" charset="2"/>
+              <a:buChar char="Ø"/>
+            </a:pPr>
+            <a:r>
+              <a:rPr lang="en-IN" dirty="0">
+                <a:ea typeface="+mn-lt"/>
+                <a:cs typeface="+mn-lt"/>
+              </a:rPr>
+              <a:t>Explain how the algorithm is trained using historical data. Highlight any specific considerations or techniques employed, such as cross-validation or hyperparameter tuning.</a:t>
+            </a:r>
+            <a:endParaRPr lang="en-IN" dirty="0"/>
+          </a:p>
+          <a:p>
+            <a:pPr>
+              <a:buFont typeface="Wingdings" panose="05000000000000000000" pitchFamily="2" charset="2"/>
+              <a:buChar char="q"/>
+            </a:pPr>
+            <a:r>
+              <a:rPr lang="en-IN" sz="1400" b="1" dirty="0">
+                <a:effectLst>
+                  <a:outerShdw blurRad="38100" dist="38100" dir="2700000" algn="tl">
+                    <a:srgbClr val="000000">
+                      <a:alpha val="43137"/>
+                    </a:srgbClr>
+                  </a:outerShdw>
+                </a:effectLst>
+                <a:ea typeface="+mn-lt"/>
+                <a:cs typeface="+mn-lt"/>
+              </a:rPr>
+              <a:t>Prediction Process:</a:t>
+            </a:r>
+            <a:endParaRPr lang="en-IN" sz="1400" dirty="0">
+              <a:effectLst>
+                <a:outerShdw blurRad="38100" dist="38100" dir="2700000" algn="tl">
+                  <a:srgbClr val="000000">
+                    <a:alpha val="43137"/>
+                  </a:srgbClr>
+                </a:outerShdw>
+              </a:effectLst>
+            </a:endParaRPr>
+          </a:p>
+          <a:p>
+            <a:pPr marL="629920" lvl="1" indent="-305435">
+              <a:buFont typeface="Wingdings" panose="05000000000000000000" pitchFamily="2" charset="2"/>
+              <a:buChar char="Ø"/>
+            </a:pPr>
+            <a:r>
+              <a:rPr lang="en-IN" dirty="0">
+                <a:ea typeface="+mn-lt"/>
+                <a:cs typeface="+mn-lt"/>
+              </a:rPr>
+              <a:t>Detail how the trained algorithm makes predictions for future bike counts. Discuss any real-time data inputs considered during the prediction phase.</a:t>
+            </a:r>
+            <a:endParaRPr lang="en-IN" dirty="0"/>
+          </a:p>
+          <a:p>
+            <a:pPr marL="305435" indent="-305435"/>
+            <a:endParaRPr lang="en-IN" dirty="0"/>
+          </a:p>
+        </p:txBody>
+      </p:sp>
+    </p:spTree>
+    <p:extLst>
+      <p:ext uri="{BB962C8B-B14F-4D97-AF65-F5344CB8AC3E}">
+        <p14:creationId xmlns="" xmlns:p14="http://schemas.microsoft.com/office/powerpoint/2010/main" val="4154508776"/>
+      </p:ext>
+    </p:extLst>
+  </p:cSld>
+  <p:clrMapOvr>
+    <a:masterClrMapping/>
+  </p:clrMapOvr>
+</p:sld>
+</file>
+
+<file path=ppt/slides/slide7.xml><?xml version="1.0" encoding="utf-8"?>
+<p:sld xmlns:a="http://schemas.openxmlformats.org/drawingml/2006/main" xmlns:r="http://schemas.openxmlformats.org/officeDocument/2006/relationships" xmlns:p="http://schemas.openxmlformats.org/presentationml/2006/main">
+  <p:cSld>
+    <p:spTree>
+      <p:nvGrpSpPr>
+        <p:cNvPr id="1" name=""/>
+        <p:cNvGrpSpPr/>
+        <p:nvPr/>
+      </p:nvGrpSpPr>
+      <p:grpSpPr>
+        <a:xfrm>
+          <a:off x="0" y="0"/>
+          <a:ext cx="0" cy="0"/>
+          <a:chOff x="0" y="0"/>
+          <a:chExt cx="0" cy="0"/>
+        </a:xfrm>
+      </p:grpSpPr>
+      <p:sp>
+        <p:nvSpPr>
+          <p:cNvPr id="5" name="Title 4">
+            <a:extLst>
+              <a:ext uri="{FF2B5EF4-FFF2-40B4-BE49-F238E27FC236}">
+                <a16:creationId xmlns="" xmlns:a16="http://schemas.microsoft.com/office/drawing/2014/main" id="{8FBA75B4-2DD5-42EB-9397-F36BFB8BA723}"/>
+              </a:ext>
+            </a:extLst>
+          </p:cNvPr>
+          <p:cNvSpPr>
+            <a:spLocks noGrp="1"/>
+          </p:cNvSpPr>
+          <p:nvPr>
+            <p:ph type="title"/>
+          </p:nvPr>
+        </p:nvSpPr>
+        <p:spPr>
+          <a:xfrm>
+            <a:off x="596327" y="771730"/>
+            <a:ext cx="11029616" cy="530296"/>
+          </a:xfrm>
+        </p:spPr>
+        <p:txBody>
+          <a:bodyPr>
+            <a:normAutofit fontScale="90000"/>
+          </a:bodyPr>
+          <a:lstStyle/>
+          <a:p>
+            <a:r>
+              <a:rPr lang="en-US" sz="4400" b="1" dirty="0">
+                <a:solidFill>
+                  <a:schemeClr val="accent1"/>
+                </a:solidFill>
+                <a:effectLst>
+                  <a:outerShdw blurRad="38100" dist="38100" dir="2700000" algn="tl">
+                    <a:srgbClr val="000000">
+                      <a:alpha val="43137"/>
+                    </a:srgbClr>
+                  </a:outerShdw>
+                </a:effectLst>
+                <a:latin typeface="Arial"/>
+                <a:ea typeface="+mj-lt"/>
+                <a:cs typeface="Arial"/>
+              </a:rPr>
+              <a:t>Result</a:t>
+            </a:r>
+            <a:endParaRPr lang="en-US" dirty="0">
+              <a:effectLst>
+                <a:outerShdw blurRad="38100" dist="38100" dir="2700000" algn="tl">
+                  <a:srgbClr val="000000">
+                    <a:alpha val="43137"/>
+                  </a:srgbClr>
+                </a:outerShdw>
+              </a:effectLst>
+            </a:endParaRPr>
+          </a:p>
+        </p:txBody>
+      </p:sp>
+      <p:sp>
+        <p:nvSpPr>
+          <p:cNvPr id="2" name="Content Placeholder 1">
+            <a:extLst>
+              <a:ext uri="{FF2B5EF4-FFF2-40B4-BE49-F238E27FC236}">
+                <a16:creationId xmlns="" xmlns:a16="http://schemas.microsoft.com/office/drawing/2014/main" id="{D3304455-6802-6CA9-8475-2F6DD1B8D409}"/>
+              </a:ext>
+            </a:extLst>
+          </p:cNvPr>
+          <p:cNvSpPr>
+            <a:spLocks noGrp="1"/>
+          </p:cNvSpPr>
+          <p:nvPr>
+            <p:ph idx="1"/>
+          </p:nvPr>
+        </p:nvSpPr>
+        <p:spPr/>
+        <p:txBody>
+          <a:bodyPr>
+            <a:normAutofit/>
+          </a:bodyPr>
+          <a:lstStyle/>
+          <a:p>
+            <a:r>
+              <a:rPr lang="en-US" sz="2400" dirty="0" err="1" smtClean="0"/>
+              <a:t>Keyloggers</a:t>
+            </a:r>
+            <a:r>
+              <a:rPr lang="en-US" sz="2400" dirty="0" smtClean="0"/>
+              <a:t> are a potent threat to both individuals and enterprises, with the potential to cause significant harm if left undetected. Understanding the nature of </a:t>
+            </a:r>
+            <a:r>
+              <a:rPr lang="en-US" sz="2400" dirty="0" err="1" smtClean="0"/>
+              <a:t>keyloggers</a:t>
+            </a:r>
+            <a:r>
+              <a:rPr lang="en-US" sz="2400" dirty="0" smtClean="0"/>
+              <a:t>, their methods of infiltration, and the dangers they pose is crucial for maintaining a secure digital environment</a:t>
+            </a:r>
+            <a:r>
+              <a:rPr lang="en-US" sz="2400" dirty="0" smtClean="0"/>
+              <a:t>.</a:t>
+            </a:r>
+          </a:p>
+          <a:p>
+            <a:endParaRPr lang="en-US" sz="2400" dirty="0" smtClean="0"/>
+          </a:p>
+          <a:p>
+            <a:endParaRPr lang="en-US" sz="2400" dirty="0" smtClean="0"/>
+          </a:p>
+          <a:p>
+            <a:endParaRPr lang="en-US" sz="2400" dirty="0" smtClean="0"/>
+          </a:p>
+          <a:p>
+            <a:endParaRPr lang="en-US" sz="2400" dirty="0" smtClean="0"/>
+          </a:p>
+          <a:p>
+            <a:endParaRPr lang="en-US" sz="2400" dirty="0" smtClean="0"/>
+          </a:p>
+          <a:p>
+            <a:endParaRPr lang="en-US" sz="2400" dirty="0" smtClean="0"/>
+          </a:p>
+        </p:txBody>
+      </p:sp>
+    </p:spTree>
+    <p:extLst>
+      <p:ext uri="{BB962C8B-B14F-4D97-AF65-F5344CB8AC3E}">
+        <p14:creationId xmlns="" xmlns:p14="http://schemas.microsoft.com/office/powerpoint/2010/main" val="1483293388"/>
+      </p:ext>
+    </p:extLst>
+  </p:cSld>
+  <p:clrMapOvr>
+    <a:masterClrMapping/>
+  </p:clrMapOvr>
+</p:sld>
+</file>
+
+<file path=ppt/slides/slide8.xml><?xml version="1.0" encoding="utf-8"?>
+<p:sld xmlns:a="http://schemas.openxmlformats.org/drawingml/2006/main" xmlns:r="http://schemas.openxmlformats.org/officeDocument/2006/relationships" xmlns:p="http://schemas.openxmlformats.org/presentationml/2006/main">
+  <p:cSld>
+    <p:spTree>
+      <p:nvGrpSpPr>
+        <p:cNvPr id="1" name=""/>
+        <p:cNvGrpSpPr/>
+        <p:nvPr/>
+      </p:nvGrpSpPr>
+      <p:grpSpPr>
+        <a:xfrm>
+          <a:off x="0" y="0"/>
+          <a:ext cx="0" cy="0"/>
+          <a:chOff x="0" y="0"/>
+          <a:chExt cx="0" cy="0"/>
+        </a:xfrm>
+      </p:grpSpPr>
+      <p:sp>
+        <p:nvSpPr>
+          <p:cNvPr id="2" name="Title 1"/>
+          <p:cNvSpPr>
+            <a:spLocks noGrp="1"/>
+          </p:cNvSpPr>
+          <p:nvPr>
+            <p:ph type="title"/>
+          </p:nvPr>
+        </p:nvSpPr>
+        <p:spPr/>
+        <p:txBody>
+          <a:bodyPr/>
+          <a:lstStyle/>
+          <a:p>
+            <a:endParaRPr lang="en-US"/>
+          </a:p>
+        </p:txBody>
+      </p:sp>
+      <p:pic>
+        <p:nvPicPr>
+          <p:cNvPr id="2050" name="Picture 2"/>
+          <p:cNvPicPr>
+            <a:picLocks noGrp="1" noChangeAspect="1" noChangeArrowheads="1"/>
+          </p:cNvPicPr>
+          <p:nvPr>
+            <p:ph idx="1"/>
+          </p:nvPr>
+        </p:nvPicPr>
+        <p:blipFill>
+          <a:blip r:embed="rId2"/>
+          <a:srcRect/>
+          <a:stretch>
+            <a:fillRect/>
+          </a:stretch>
+        </p:blipFill>
+        <p:spPr bwMode="auto">
+          <a:xfrm>
+            <a:off x="1939660" y="1301750"/>
+            <a:ext cx="8312679" cy="4673600"/>
+          </a:xfrm>
+          <a:prstGeom prst="rect">
+            <a:avLst/>
+          </a:prstGeom>
+          <a:noFill/>
+          <a:ln w="9525">
+            <a:noFill/>
+            <a:miter lim="800000"/>
+            <a:headEnd/>
+            <a:tailEnd/>
+          </a:ln>
+          <a:effectLst/>
+        </p:spPr>
+      </p:pic>
+    </p:spTree>
+  </p:cSld>
+  <p:clrMapOvr>
+    <a:masterClrMapping/>
+  </p:clrMapOvr>
+</p:sld>
+</file>
+
+<file path=ppt/slides/slide9.xml><?xml version="1.0" encoding="utf-8"?>
+<p:sld xmlns:a="http://schemas.openxmlformats.org/drawingml/2006/main" xmlns:r="http://schemas.openxmlformats.org/officeDocument/2006/relationships" xmlns:p="http://schemas.openxmlformats.org/presentationml/2006/main">
+  <p:cSld>
+    <p:spTree>
+      <p:nvGrpSpPr>
+        <p:cNvPr id="1" name=""/>
+        <p:cNvGrpSpPr/>
+        <p:nvPr/>
+      </p:nvGrpSpPr>
+      <p:grpSpPr>
+        <a:xfrm>
+          <a:off x="0" y="0"/>
+          <a:ext cx="0" cy="0"/>
+          <a:chOff x="0" y="0"/>
+          <a:chExt cx="0" cy="0"/>
+        </a:xfrm>
+      </p:grpSpPr>
+      <p:sp>
+        <p:nvSpPr>
+          <p:cNvPr id="5" name="Title 4">
+            <a:extLst>
+              <a:ext uri="{FF2B5EF4-FFF2-40B4-BE49-F238E27FC236}">
+                <a16:creationId xmlns="" xmlns:a16="http://schemas.microsoft.com/office/drawing/2014/main" id="{8FBA75B4-2DD5-42EB-9397-F36BFB8BA723}"/>
+              </a:ext>
+            </a:extLst>
+          </p:cNvPr>
+          <p:cNvSpPr>
+            <a:spLocks noGrp="1"/>
+          </p:cNvSpPr>
+          <p:nvPr>
+            <p:ph type="title"/>
+          </p:nvPr>
+        </p:nvSpPr>
+        <p:spPr/>
+        <p:txBody>
+          <a:bodyPr>
+            <a:normAutofit fontScale="90000"/>
+          </a:bodyPr>
+          <a:lstStyle/>
+          <a:p>
+            <a:r>
+              <a:rPr lang="en-US" sz="4400" b="1" dirty="0">
+                <a:solidFill>
+                  <a:schemeClr val="accent1"/>
+                </a:solidFill>
+                <a:effectLst>
+                  <a:outerShdw blurRad="38100" dist="38100" dir="2700000" algn="tl">
+                    <a:srgbClr val="000000">
+                      <a:alpha val="43137"/>
+                    </a:srgbClr>
+                  </a:outerShdw>
+                </a:effectLst>
+                <a:latin typeface="Arial"/>
+                <a:ea typeface="+mj-lt"/>
+                <a:cs typeface="Arial"/>
+              </a:rPr>
+              <a:t>Conclusion</a:t>
+            </a:r>
+            <a:endParaRPr lang="en-US" dirty="0">
+              <a:effectLst>
+                <a:outerShdw blurRad="38100" dist="38100" dir="2700000" algn="tl">
+                  <a:srgbClr val="000000">
+                    <a:alpha val="43137"/>
+                  </a:srgbClr>
+                </a:outerShdw>
+              </a:effectLst>
+            </a:endParaRPr>
+          </a:p>
+        </p:txBody>
+      </p:sp>
+      <p:sp>
+        <p:nvSpPr>
+          <p:cNvPr id="2" name="Content Placeholder 1">
+            <a:extLst>
+              <a:ext uri="{FF2B5EF4-FFF2-40B4-BE49-F238E27FC236}">
+                <a16:creationId xmlns="" xmlns:a16="http://schemas.microsoft.com/office/drawing/2014/main" id="{005E46AB-32C4-4B57-A2B1-50738A64BE1B}"/>
+              </a:ext>
+            </a:extLst>
+          </p:cNvPr>
+          <p:cNvSpPr>
+            <a:spLocks noGrp="1"/>
+          </p:cNvSpPr>
+          <p:nvPr>
+            <p:ph idx="1"/>
+          </p:nvPr>
+        </p:nvSpPr>
+        <p:spPr/>
+        <p:txBody>
+          <a:bodyPr>
+            <a:normAutofit/>
+          </a:bodyPr>
+          <a:lstStyle/>
+          <a:p>
+            <a:pPr marL="305435" indent="-305435"/>
+            <a:r>
+              <a:rPr lang="en-US" sz="2000" dirty="0" smtClean="0"/>
+              <a:t>API </a:t>
+            </a:r>
+            <a:r>
+              <a:rPr lang="en-US" sz="2000" dirty="0" err="1" smtClean="0"/>
+              <a:t>keyloggers</a:t>
+            </a:r>
+            <a:r>
+              <a:rPr lang="en-US" sz="2000" dirty="0" smtClean="0"/>
+              <a:t> quietly intercept keyboard APIs, logging each keystroke in a system file. “Form grabbing”-based </a:t>
+            </a:r>
+            <a:r>
+              <a:rPr lang="en-US" sz="2000" dirty="0" err="1" smtClean="0"/>
+              <a:t>keyloggers</a:t>
+            </a:r>
+            <a:r>
+              <a:rPr lang="en-US" sz="2000" dirty="0" smtClean="0"/>
+              <a:t>. </a:t>
+            </a:r>
+            <a:r>
+              <a:rPr lang="en-US" sz="2000" dirty="0" err="1" smtClean="0"/>
+              <a:t>Keyloggers</a:t>
+            </a:r>
+            <a:r>
+              <a:rPr lang="en-US" sz="2000" dirty="0" smtClean="0"/>
+              <a:t> are a potent threat to both individuals and enterprises, with the potential to cause significant harm if left undetected. Understanding the nature of </a:t>
+            </a:r>
+            <a:r>
+              <a:rPr lang="en-US" sz="2000" dirty="0" err="1" smtClean="0"/>
+              <a:t>keyloggers</a:t>
+            </a:r>
+            <a:r>
+              <a:rPr lang="en-US" sz="2000" dirty="0" smtClean="0"/>
+              <a:t>, their methods of infiltration, and the dangers they pose is crucial for maintaining a secure digital environment.</a:t>
+            </a:r>
+          </a:p>
+          <a:p>
+            <a:pPr marL="305435" indent="-305435"/>
+            <a:endParaRPr lang="en-IN" sz="2000" dirty="0"/>
+          </a:p>
+        </p:txBody>
+      </p:sp>
+    </p:spTree>
+    <p:extLst>
+      <p:ext uri="{BB962C8B-B14F-4D97-AF65-F5344CB8AC3E}">
+        <p14:creationId xmlns="" xmlns:p14="http://schemas.microsoft.com/office/powerpoint/2010/main" val="3183315129"/>
       </p:ext>
     </p:extLst>
   </p:cSld>
@@ -7324,7 +7380,7 @@
   <a:extraClrSchemeLst/>
   <a:extLst>
     <a:ext uri="{05A4C25C-085E-4340-85A3-A5531E510DB2}">
-      <thm15:themeFamily xmlns:thm15="http://schemas.microsoft.com/office/thememl/2012/main" xmlns="" name="DividendVTI" id="{97558BDE-0B66-457C-BB6F-7B1B22DAA9B8}" vid="{F53508A3-AC60-448A-AF37-934D5F1A0D5E}"/>
+      <thm15:themeFamily xmlns="" xmlns:thm15="http://schemas.microsoft.com/office/thememl/2012/main" name="DividendVTI" id="{97558BDE-0B66-457C-BB6F-7B1B22DAA9B8}" vid="{F53508A3-AC60-448A-AF37-934D5F1A0D5E}"/>
     </a:ext>
   </a:extLst>
 </a:theme>
@@ -7619,13 +7675,31 @@
   <a:extraClrSchemeLst/>
   <a:extLst>
     <a:ext uri="{05A4C25C-085E-4340-85A3-A5531E510DB2}">
-      <thm15:themeFamily xmlns:thm15="http://schemas.microsoft.com/office/thememl/2012/main" xmlns="" name="Office Theme" id="{62F939B6-93AF-4DB8-9C6B-D6C7DFDC589F}" vid="{4A3C46E8-61CC-4603-A589-7422A47A8E4A}"/>
+      <thm15:themeFamily xmlns="" xmlns:thm15="http://schemas.microsoft.com/office/thememl/2012/main" name="Office Theme" id="{62F939B6-93AF-4DB8-9C6B-D6C7DFDC589F}" vid="{4A3C46E8-61CC-4603-A589-7422A47A8E4A}"/>
     </a:ext>
   </a:extLst>
 </a:theme>
 </file>
 
 <file path=customXml/item1.xml><?xml version="1.0" encoding="utf-8"?>
+<?mso-contentType ?>
+<FormTemplates xmlns="http://schemas.microsoft.com/sharepoint/v3/contenttype/forms">
+  <Display>DocumentLibraryForm</Display>
+  <Edit>DocumentLibraryForm</Edit>
+  <New>DocumentLibraryForm</New>
+</FormTemplates>
+</file>
+
+<file path=customXml/item2.xml><?xml version="1.0" encoding="utf-8"?>
+<p:properties xmlns:p="http://schemas.microsoft.com/office/2006/metadata/properties" xmlns:xsi="http://www.w3.org/2001/XMLSchema-instance" xmlns:pc="http://schemas.microsoft.com/office/infopath/2007/PartnerControls">
+  <documentManagement>
+    <MediaServiceKeyPoints xmlns="9162bd5b-4ed9-4da3-b376-05204580ba3f" xsi:nil="true"/>
+    <_activity xmlns="9162bd5b-4ed9-4da3-b376-05204580ba3f" xsi:nil="true"/>
+  </documentManagement>
+</p:properties>
+</file>
+
+<file path=customXml/item3.xml><?xml version="1.0" encoding="utf-8"?>
 <ct:contentTypeSchema xmlns:ct="http://schemas.microsoft.com/office/2006/metadata/contentType" xmlns:ma="http://schemas.microsoft.com/office/2006/metadata/properties/metaAttributes" ct:_="" ma:_="" ma:contentTypeName="Document" ma:contentTypeID="0x0101000F1872188ABCFC48BECA6C87E8AC3285" ma:contentTypeVersion="17" ma:contentTypeDescription="Create a new document." ma:contentTypeScope="" ma:versionID="55a158675e089c6a85ab0f83b89e1a15">
   <xsd:schema xmlns:xsd="http://www.w3.org/2001/XMLSchema" xmlns:xs="http://www.w3.org/2001/XMLSchema" xmlns:p="http://schemas.microsoft.com/office/2006/metadata/properties" xmlns:ns3="9162bd5b-4ed9-4da3-b376-05204580ba3f" xmlns:ns4="c0fa2617-96bd-425d-8578-e93563fe37c5" targetNamespace="http://schemas.microsoft.com/office/2006/metadata/properties" ma:root="true" ma:fieldsID="b35f082308864fa161c4a0a9eca35eff" ns3:_="" ns4:_="">
     <xsd:import namespace="9162bd5b-4ed9-4da3-b376-05204580ba3f"/>
@@ -7872,39 +7946,10 @@
 </ct:contentTypeSchema>
 </file>
 
-<file path=customXml/item2.xml><?xml version="1.0" encoding="utf-8"?>
-<p:properties xmlns:p="http://schemas.microsoft.com/office/2006/metadata/properties" xmlns:xsi="http://www.w3.org/2001/XMLSchema-instance" xmlns:pc="http://schemas.microsoft.com/office/infopath/2007/PartnerControls">
-  <documentManagement>
-    <MediaServiceKeyPoints xmlns="9162bd5b-4ed9-4da3-b376-05204580ba3f" xsi:nil="true"/>
-    <_activity xmlns="9162bd5b-4ed9-4da3-b376-05204580ba3f" xsi:nil="true"/>
-  </documentManagement>
-</p:properties>
-</file>
-
-<file path=customXml/item3.xml><?xml version="1.0" encoding="utf-8"?>
-<?mso-contentType ?>
-<FormTemplates xmlns="http://schemas.microsoft.com/sharepoint/v3/contenttype/forms">
-  <Display>DocumentLibraryForm</Display>
-  <Edit>DocumentLibraryForm</Edit>
-  <New>DocumentLibraryForm</New>
-</FormTemplates>
-</file>
-
 <file path=customXml/itemProps1.xml><?xml version="1.0" encoding="utf-8"?>
-<ds:datastoreItem xmlns:ds="http://schemas.openxmlformats.org/officeDocument/2006/customXml" ds:itemID="{6E816721-11E4-4989-8472-AB5A7EC20404}">
+<ds:datastoreItem xmlns:ds="http://schemas.openxmlformats.org/officeDocument/2006/customXml" ds:itemID="{927BD4C1-B6B1-4715-ABF9-E660A51A4EA0}">
   <ds:schemaRefs>
-    <ds:schemaRef ds:uri="9162bd5b-4ed9-4da3-b376-05204580ba3f"/>
-    <ds:schemaRef ds:uri="c0fa2617-96bd-425d-8578-e93563fe37c5"/>
-    <ds:schemaRef ds:uri="http://purl.org/dc/elements/1.1/"/>
-    <ds:schemaRef ds:uri="http://purl.org/dc/terms/"/>
-    <ds:schemaRef ds:uri="http://schemas.microsoft.com/internal/obd"/>
-    <ds:schemaRef ds:uri="http://schemas.microsoft.com/office/2006/documentManagement/types"/>
-    <ds:schemaRef ds:uri="http://schemas.microsoft.com/office/2006/metadata/contentType"/>
-    <ds:schemaRef ds:uri="http://schemas.microsoft.com/office/2006/metadata/properties"/>
-    <ds:schemaRef ds:uri="http://schemas.microsoft.com/office/2006/metadata/properties/metaAttributes"/>
-    <ds:schemaRef ds:uri="http://schemas.microsoft.com/office/infopath/2007/PartnerControls"/>
-    <ds:schemaRef ds:uri="http://schemas.openxmlformats.org/package/2006/metadata/core-properties"/>
-    <ds:schemaRef ds:uri="http://www.w3.org/2001/XMLSchema"/>
+    <ds:schemaRef ds:uri="http://schemas.microsoft.com/sharepoint/v3/contenttype/forms"/>
   </ds:schemaRefs>
 </ds:datastoreItem>
 </file>
@@ -7927,9 +7972,20 @@
 </file>
 
 <file path=customXml/itemProps3.xml><?xml version="1.0" encoding="utf-8"?>
-<ds:datastoreItem xmlns:ds="http://schemas.openxmlformats.org/officeDocument/2006/customXml" ds:itemID="{927BD4C1-B6B1-4715-ABF9-E660A51A4EA0}">
+<ds:datastoreItem xmlns:ds="http://schemas.openxmlformats.org/officeDocument/2006/customXml" ds:itemID="{6E816721-11E4-4989-8472-AB5A7EC20404}">
   <ds:schemaRefs>
-    <ds:schemaRef ds:uri="http://schemas.microsoft.com/sharepoint/v3/contenttype/forms"/>
+    <ds:schemaRef ds:uri="9162bd5b-4ed9-4da3-b376-05204580ba3f"/>
+    <ds:schemaRef ds:uri="c0fa2617-96bd-425d-8578-e93563fe37c5"/>
+    <ds:schemaRef ds:uri="http://purl.org/dc/elements/1.1/"/>
+    <ds:schemaRef ds:uri="http://purl.org/dc/terms/"/>
+    <ds:schemaRef ds:uri="http://schemas.microsoft.com/internal/obd"/>
+    <ds:schemaRef ds:uri="http://schemas.microsoft.com/office/2006/documentManagement/types"/>
+    <ds:schemaRef ds:uri="http://schemas.microsoft.com/office/2006/metadata/contentType"/>
+    <ds:schemaRef ds:uri="http://schemas.microsoft.com/office/2006/metadata/properties"/>
+    <ds:schemaRef ds:uri="http://schemas.microsoft.com/office/2006/metadata/properties/metaAttributes"/>
+    <ds:schemaRef ds:uri="http://schemas.microsoft.com/office/infopath/2007/PartnerControls"/>
+    <ds:schemaRef ds:uri="http://schemas.openxmlformats.org/package/2006/metadata/core-properties"/>
+    <ds:schemaRef ds:uri="http://www.w3.org/2001/XMLSchema"/>
   </ds:schemaRefs>
 </ds:datastoreItem>
 </file>